--- a/Myppt.pptx
+++ b/Myppt.pptx
@@ -137,6 +137,10 @@
     </p:ext>
   </p:extLst>
 </p:presentation>
+</file>
+
+<file path=ppt/revisionInfo.xml><?xml version="1.0" encoding="utf-8"?>
+<p1510:revInfo xmlns:a="http://schemas.openxmlformats.org/drawingml/2006/main" xmlns:r="http://schemas.openxmlformats.org/officeDocument/2006/relationships" xmlns:p1510="http://schemas.microsoft.com/office/powerpoint/2015/10/main"/>
 </file>
 
 <file path=ppt/diagrams/colors1.xml><?xml version="1.0" encoding="utf-8"?>
@@ -1081,11 +1085,11 @@
         <a:p>
           <a:pPr rtl="0"/>
           <a:r>
-            <a:rPr lang="en-US" b="1" i="0" baseline="0" dirty="0" smtClean="0"/>
+            <a:rPr lang="en-US" b="1" i="0" baseline="0" dirty="0"/>
             <a:t>Data </a:t>
           </a:r>
           <a:r>
-            <a:rPr lang="en-US" b="1" i="0" baseline="0" dirty="0" err="1" smtClean="0"/>
+            <a:rPr lang="en-US" b="1" i="0" baseline="0" dirty="0" err="1"/>
             <a:t>WareHouse</a:t>
           </a:r>
           <a:endParaRPr lang="en-US" dirty="0"/>
@@ -1123,10 +1127,9 @@
         <a:p>
           <a:pPr rtl="0"/>
           <a:r>
-            <a:rPr lang="en-US" dirty="0" smtClean="0"/>
+            <a:rPr lang="en-US" dirty="0"/>
             <a:t>Subject Oriented</a:t>
           </a:r>
-          <a:endParaRPr lang="en-US" dirty="0"/>
         </a:p>
       </dgm:t>
     </dgm:pt>
@@ -1161,10 +1164,9 @@
         <a:p>
           <a:pPr rtl="0"/>
           <a:r>
-            <a:rPr lang="en-US" dirty="0" smtClean="0"/>
+            <a:rPr lang="en-US" dirty="0"/>
             <a:t>Integrated</a:t>
           </a:r>
-          <a:endParaRPr lang="en-US" dirty="0"/>
         </a:p>
       </dgm:t>
     </dgm:pt>
@@ -1199,10 +1201,9 @@
         <a:p>
           <a:pPr rtl="0"/>
           <a:r>
-            <a:rPr lang="en-US" dirty="0" smtClean="0"/>
+            <a:rPr lang="en-US" dirty="0"/>
             <a:t>Non-Volatile</a:t>
           </a:r>
-          <a:endParaRPr lang="en-US" dirty="0"/>
         </a:p>
       </dgm:t>
     </dgm:pt>
@@ -1237,10 +1238,9 @@
         <a:p>
           <a:pPr rtl="0"/>
           <a:r>
-            <a:rPr lang="en-US" dirty="0" smtClean="0"/>
+            <a:rPr lang="en-US" dirty="0"/>
             <a:t>Time Variant</a:t>
           </a:r>
-          <a:endParaRPr lang="en-US" dirty="0"/>
         </a:p>
       </dgm:t>
     </dgm:pt>
@@ -1276,13 +1276,6 @@
         </dgm:presLayoutVars>
       </dgm:prSet>
       <dgm:spPr/>
-      <dgm:t>
-        <a:bodyPr/>
-        <a:lstStyle/>
-        <a:p>
-          <a:endParaRPr lang="en-US"/>
-        </a:p>
-      </dgm:t>
     </dgm:pt>
     <dgm:pt modelId="{08400426-9122-4F23-B565-83A0CCDEA091}" type="pres">
       <dgm:prSet presAssocID="{203E7132-05F2-4B2D-8983-A472BB1D395C}" presName="matrix" presStyleCnt="0"/>
@@ -1291,13 +1284,6 @@
     <dgm:pt modelId="{6A0051A5-A15D-4D54-8FB9-0005B977FBC1}" type="pres">
       <dgm:prSet presAssocID="{203E7132-05F2-4B2D-8983-A472BB1D395C}" presName="tile1" presStyleLbl="node1" presStyleIdx="0" presStyleCnt="4"/>
       <dgm:spPr/>
-      <dgm:t>
-        <a:bodyPr/>
-        <a:lstStyle/>
-        <a:p>
-          <a:endParaRPr lang="en-US"/>
-        </a:p>
-      </dgm:t>
     </dgm:pt>
     <dgm:pt modelId="{2E8F3917-D6A1-49BF-8DD5-B223735953F6}" type="pres">
       <dgm:prSet presAssocID="{203E7132-05F2-4B2D-8983-A472BB1D395C}" presName="tile1text" presStyleLbl="node1" presStyleIdx="0" presStyleCnt="4">
@@ -1308,24 +1294,10 @@
         </dgm:presLayoutVars>
       </dgm:prSet>
       <dgm:spPr/>
-      <dgm:t>
-        <a:bodyPr/>
-        <a:lstStyle/>
-        <a:p>
-          <a:endParaRPr lang="en-US"/>
-        </a:p>
-      </dgm:t>
     </dgm:pt>
     <dgm:pt modelId="{26CEA6BC-9F2B-452D-9C7F-7AA06E2A8066}" type="pres">
       <dgm:prSet presAssocID="{203E7132-05F2-4B2D-8983-A472BB1D395C}" presName="tile2" presStyleLbl="node1" presStyleIdx="1" presStyleCnt="4"/>
       <dgm:spPr/>
-      <dgm:t>
-        <a:bodyPr/>
-        <a:lstStyle/>
-        <a:p>
-          <a:endParaRPr lang="en-US"/>
-        </a:p>
-      </dgm:t>
     </dgm:pt>
     <dgm:pt modelId="{3F10CE89-8C3A-4A2E-8D0A-F9F82198185B}" type="pres">
       <dgm:prSet presAssocID="{203E7132-05F2-4B2D-8983-A472BB1D395C}" presName="tile2text" presStyleLbl="node1" presStyleIdx="1" presStyleCnt="4">
@@ -1336,24 +1308,10 @@
         </dgm:presLayoutVars>
       </dgm:prSet>
       <dgm:spPr/>
-      <dgm:t>
-        <a:bodyPr/>
-        <a:lstStyle/>
-        <a:p>
-          <a:endParaRPr lang="en-US"/>
-        </a:p>
-      </dgm:t>
     </dgm:pt>
     <dgm:pt modelId="{4570B3EB-8C9F-420D-9768-1AEA5980CB21}" type="pres">
       <dgm:prSet presAssocID="{203E7132-05F2-4B2D-8983-A472BB1D395C}" presName="tile3" presStyleLbl="node1" presStyleIdx="2" presStyleCnt="4"/>
       <dgm:spPr/>
-      <dgm:t>
-        <a:bodyPr/>
-        <a:lstStyle/>
-        <a:p>
-          <a:endParaRPr lang="en-US"/>
-        </a:p>
-      </dgm:t>
     </dgm:pt>
     <dgm:pt modelId="{A2DBE9FF-EEC7-4A0F-B5C1-09CA397350C6}" type="pres">
       <dgm:prSet presAssocID="{203E7132-05F2-4B2D-8983-A472BB1D395C}" presName="tile3text" presStyleLbl="node1" presStyleIdx="2" presStyleCnt="4">
@@ -1364,24 +1322,10 @@
         </dgm:presLayoutVars>
       </dgm:prSet>
       <dgm:spPr/>
-      <dgm:t>
-        <a:bodyPr/>
-        <a:lstStyle/>
-        <a:p>
-          <a:endParaRPr lang="en-US"/>
-        </a:p>
-      </dgm:t>
     </dgm:pt>
     <dgm:pt modelId="{FED34BCE-BAB5-4342-9741-70785B58E498}" type="pres">
       <dgm:prSet presAssocID="{203E7132-05F2-4B2D-8983-A472BB1D395C}" presName="tile4" presStyleLbl="node1" presStyleIdx="3" presStyleCnt="4"/>
       <dgm:spPr/>
-      <dgm:t>
-        <a:bodyPr/>
-        <a:lstStyle/>
-        <a:p>
-          <a:endParaRPr lang="en-US"/>
-        </a:p>
-      </dgm:t>
     </dgm:pt>
     <dgm:pt modelId="{5E02140F-2F39-46C4-B805-F0C29837E938}" type="pres">
       <dgm:prSet presAssocID="{203E7132-05F2-4B2D-8983-A472BB1D395C}" presName="tile4text" presStyleLbl="node1" presStyleIdx="3" presStyleCnt="4">
@@ -1392,13 +1336,6 @@
         </dgm:presLayoutVars>
       </dgm:prSet>
       <dgm:spPr/>
-      <dgm:t>
-        <a:bodyPr/>
-        <a:lstStyle/>
-        <a:p>
-          <a:endParaRPr lang="en-US"/>
-        </a:p>
-      </dgm:t>
     </dgm:pt>
     <dgm:pt modelId="{C09AB7F2-328B-4F50-8C63-EB8CF0F407B9}" type="pres">
       <dgm:prSet presAssocID="{203E7132-05F2-4B2D-8983-A472BB1D395C}" presName="centerTile" presStyleLbl="fgShp" presStyleIdx="0" presStyleCnt="1">
@@ -1408,31 +1345,24 @@
         </dgm:presLayoutVars>
       </dgm:prSet>
       <dgm:spPr/>
-      <dgm:t>
-        <a:bodyPr/>
-        <a:lstStyle/>
-        <a:p>
-          <a:endParaRPr lang="en-US"/>
-        </a:p>
-      </dgm:t>
     </dgm:pt>
   </dgm:ptLst>
   <dgm:cxnLst>
+    <dgm:cxn modelId="{86D34C20-13CB-4E14-AC12-F54D303FA963}" type="presOf" srcId="{264A97F7-14D2-46FC-BE11-55BEF6E0DE67}" destId="{6A0051A5-A15D-4D54-8FB9-0005B977FBC1}" srcOrd="0" destOrd="0" presId="urn:microsoft.com/office/officeart/2005/8/layout/matrix1"/>
+    <dgm:cxn modelId="{A0798B28-C66B-4311-9A24-4C18F79AA9FF}" type="presOf" srcId="{7E731DD9-0316-4AC9-B892-32BFB5967D6E}" destId="{4570B3EB-8C9F-420D-9768-1AEA5980CB21}" srcOrd="0" destOrd="0" presId="urn:microsoft.com/office/officeart/2005/8/layout/matrix1"/>
+    <dgm:cxn modelId="{F7CC8836-27EB-4EEF-B7FA-AD53A70E6181}" srcId="{9FD9DF78-C4E1-497C-95CA-9685E6032C82}" destId="{7E731DD9-0316-4AC9-B892-32BFB5967D6E}" srcOrd="2" destOrd="0" parTransId="{FB22D287-0C28-4A45-A42B-FFCF86D50BD4}" sibTransId="{65FF5C30-E9D1-4B9C-BC71-300F7E31E302}"/>
+    <dgm:cxn modelId="{BE38FC3D-3C7E-4E60-A4E7-6C91661DB612}" srcId="{9FD9DF78-C4E1-497C-95CA-9685E6032C82}" destId="{BAF569EB-E6C1-47D3-860E-C1DC157DD0DA}" srcOrd="3" destOrd="0" parTransId="{C80AD6C2-AF0F-4F4D-9E9A-2001D53F10F6}" sibTransId="{C88D1389-4B4F-483E-9E77-B772B26E8DAF}"/>
+    <dgm:cxn modelId="{15D9E071-E6A0-4F7E-BE98-3D51087835F3}" srcId="{9FD9DF78-C4E1-497C-95CA-9685E6032C82}" destId="{70A13C3F-AB6A-44E7-9FA1-08FF7A1FCD8A}" srcOrd="1" destOrd="0" parTransId="{5E12EFB4-4556-42D9-A2E6-CDC8852D78D1}" sibTransId="{81B82FA3-1566-4F10-BE94-CFE70E32CFB1}"/>
+    <dgm:cxn modelId="{3CE7E88E-BCD6-42CB-BC54-DDD986462642}" type="presOf" srcId="{BAF569EB-E6C1-47D3-860E-C1DC157DD0DA}" destId="{FED34BCE-BAB5-4342-9741-70785B58E498}" srcOrd="0" destOrd="0" presId="urn:microsoft.com/office/officeart/2005/8/layout/matrix1"/>
+    <dgm:cxn modelId="{73E10B92-C8B1-4605-B732-530A39AE8FEE}" type="presOf" srcId="{9FD9DF78-C4E1-497C-95CA-9685E6032C82}" destId="{C09AB7F2-328B-4F50-8C63-EB8CF0F407B9}" srcOrd="0" destOrd="0" presId="urn:microsoft.com/office/officeart/2005/8/layout/matrix1"/>
+    <dgm:cxn modelId="{05EEB49E-86FE-4E53-AC55-5BE93D05043B}" type="presOf" srcId="{203E7132-05F2-4B2D-8983-A472BB1D395C}" destId="{F38764F6-6975-479E-BB64-7390ACA5F331}" srcOrd="0" destOrd="0" presId="urn:microsoft.com/office/officeart/2005/8/layout/matrix1"/>
+    <dgm:cxn modelId="{B7DF26A2-98D8-48A0-8D21-BE96CC5E16B4}" type="presOf" srcId="{264A97F7-14D2-46FC-BE11-55BEF6E0DE67}" destId="{2E8F3917-D6A1-49BF-8DD5-B223735953F6}" srcOrd="1" destOrd="0" presId="urn:microsoft.com/office/officeart/2005/8/layout/matrix1"/>
+    <dgm:cxn modelId="{0AE8B9A3-D63C-43AC-91F5-808E4AED510E}" type="presOf" srcId="{7E731DD9-0316-4AC9-B892-32BFB5967D6E}" destId="{A2DBE9FF-EEC7-4A0F-B5C1-09CA397350C6}" srcOrd="1" destOrd="0" presId="urn:microsoft.com/office/officeart/2005/8/layout/matrix1"/>
     <dgm:cxn modelId="{17DEDDAA-3BE0-40CD-AF0B-F62988E0EE6D}" type="presOf" srcId="{BAF569EB-E6C1-47D3-860E-C1DC157DD0DA}" destId="{5E02140F-2F39-46C4-B805-F0C29837E938}" srcOrd="1" destOrd="0" presId="urn:microsoft.com/office/officeart/2005/8/layout/matrix1"/>
-    <dgm:cxn modelId="{9A0BE1EB-25D4-48B2-8388-FDDFA78FC4F6}" srcId="{203E7132-05F2-4B2D-8983-A472BB1D395C}" destId="{9FD9DF78-C4E1-497C-95CA-9685E6032C82}" srcOrd="0" destOrd="0" parTransId="{960BEE11-7058-4592-BB8E-688530B7CEB6}" sibTransId="{78C05C6A-F841-4A43-AA5C-47EFB5FA57E5}"/>
-    <dgm:cxn modelId="{73E10B92-C8B1-4605-B732-530A39AE8FEE}" type="presOf" srcId="{9FD9DF78-C4E1-497C-95CA-9685E6032C82}" destId="{C09AB7F2-328B-4F50-8C63-EB8CF0F407B9}" srcOrd="0" destOrd="0" presId="urn:microsoft.com/office/officeart/2005/8/layout/matrix1"/>
-    <dgm:cxn modelId="{15D9E071-E6A0-4F7E-BE98-3D51087835F3}" srcId="{9FD9DF78-C4E1-497C-95CA-9685E6032C82}" destId="{70A13C3F-AB6A-44E7-9FA1-08FF7A1FCD8A}" srcOrd="1" destOrd="0" parTransId="{5E12EFB4-4556-42D9-A2E6-CDC8852D78D1}" sibTransId="{81B82FA3-1566-4F10-BE94-CFE70E32CFB1}"/>
-    <dgm:cxn modelId="{05EEB49E-86FE-4E53-AC55-5BE93D05043B}" type="presOf" srcId="{203E7132-05F2-4B2D-8983-A472BB1D395C}" destId="{F38764F6-6975-479E-BB64-7390ACA5F331}" srcOrd="0" destOrd="0" presId="urn:microsoft.com/office/officeart/2005/8/layout/matrix1"/>
-    <dgm:cxn modelId="{BE38FC3D-3C7E-4E60-A4E7-6C91661DB612}" srcId="{9FD9DF78-C4E1-497C-95CA-9685E6032C82}" destId="{BAF569EB-E6C1-47D3-860E-C1DC157DD0DA}" srcOrd="3" destOrd="0" parTransId="{C80AD6C2-AF0F-4F4D-9E9A-2001D53F10F6}" sibTransId="{C88D1389-4B4F-483E-9E77-B772B26E8DAF}"/>
-    <dgm:cxn modelId="{B7DF26A2-98D8-48A0-8D21-BE96CC5E16B4}" type="presOf" srcId="{264A97F7-14D2-46FC-BE11-55BEF6E0DE67}" destId="{2E8F3917-D6A1-49BF-8DD5-B223735953F6}" srcOrd="1" destOrd="0" presId="urn:microsoft.com/office/officeart/2005/8/layout/matrix1"/>
     <dgm:cxn modelId="{59AB1ECC-0E9C-4F59-9711-E37EDB3F5BA4}" type="presOf" srcId="{70A13C3F-AB6A-44E7-9FA1-08FF7A1FCD8A}" destId="{26CEA6BC-9F2B-452D-9C7F-7AA06E2A8066}" srcOrd="0" destOrd="0" presId="urn:microsoft.com/office/officeart/2005/8/layout/matrix1"/>
     <dgm:cxn modelId="{29EFE2CC-6A27-4862-80DB-D573409E2B46}" type="presOf" srcId="{70A13C3F-AB6A-44E7-9FA1-08FF7A1FCD8A}" destId="{3F10CE89-8C3A-4A2E-8D0A-F9F82198185B}" srcOrd="1" destOrd="0" presId="urn:microsoft.com/office/officeart/2005/8/layout/matrix1"/>
-    <dgm:cxn modelId="{3CE7E88E-BCD6-42CB-BC54-DDD986462642}" type="presOf" srcId="{BAF569EB-E6C1-47D3-860E-C1DC157DD0DA}" destId="{FED34BCE-BAB5-4342-9741-70785B58E498}" srcOrd="0" destOrd="0" presId="urn:microsoft.com/office/officeart/2005/8/layout/matrix1"/>
+    <dgm:cxn modelId="{9A0BE1EB-25D4-48B2-8388-FDDFA78FC4F6}" srcId="{203E7132-05F2-4B2D-8983-A472BB1D395C}" destId="{9FD9DF78-C4E1-497C-95CA-9685E6032C82}" srcOrd="0" destOrd="0" parTransId="{960BEE11-7058-4592-BB8E-688530B7CEB6}" sibTransId="{78C05C6A-F841-4A43-AA5C-47EFB5FA57E5}"/>
     <dgm:cxn modelId="{3C04D8F5-A972-491D-AB69-3D49CAB6828E}" srcId="{9FD9DF78-C4E1-497C-95CA-9685E6032C82}" destId="{264A97F7-14D2-46FC-BE11-55BEF6E0DE67}" srcOrd="0" destOrd="0" parTransId="{B69D5F30-2FFB-4478-918B-11792F995F02}" sibTransId="{F9802097-8A9F-4D54-B702-0EE0B75D9810}"/>
-    <dgm:cxn modelId="{86D34C20-13CB-4E14-AC12-F54D303FA963}" type="presOf" srcId="{264A97F7-14D2-46FC-BE11-55BEF6E0DE67}" destId="{6A0051A5-A15D-4D54-8FB9-0005B977FBC1}" srcOrd="0" destOrd="0" presId="urn:microsoft.com/office/officeart/2005/8/layout/matrix1"/>
-    <dgm:cxn modelId="{0AE8B9A3-D63C-43AC-91F5-808E4AED510E}" type="presOf" srcId="{7E731DD9-0316-4AC9-B892-32BFB5967D6E}" destId="{A2DBE9FF-EEC7-4A0F-B5C1-09CA397350C6}" srcOrd="1" destOrd="0" presId="urn:microsoft.com/office/officeart/2005/8/layout/matrix1"/>
-    <dgm:cxn modelId="{A0798B28-C66B-4311-9A24-4C18F79AA9FF}" type="presOf" srcId="{7E731DD9-0316-4AC9-B892-32BFB5967D6E}" destId="{4570B3EB-8C9F-420D-9768-1AEA5980CB21}" srcOrd="0" destOrd="0" presId="urn:microsoft.com/office/officeart/2005/8/layout/matrix1"/>
-    <dgm:cxn modelId="{F7CC8836-27EB-4EEF-B7FA-AD53A70E6181}" srcId="{9FD9DF78-C4E1-497C-95CA-9685E6032C82}" destId="{7E731DD9-0316-4AC9-B892-32BFB5967D6E}" srcOrd="2" destOrd="0" parTransId="{FB22D287-0C28-4A45-A42B-FFCF86D50BD4}" sibTransId="{65FF5C30-E9D1-4B9C-BC71-300F7E31E302}"/>
     <dgm:cxn modelId="{F53E7106-1496-4E5F-861B-5F126056F96D}" type="presParOf" srcId="{F38764F6-6975-479E-BB64-7390ACA5F331}" destId="{08400426-9122-4F23-B565-83A0CCDEA091}" srcOrd="0" destOrd="0" presId="urn:microsoft.com/office/officeart/2005/8/layout/matrix1"/>
     <dgm:cxn modelId="{7B673EC2-7D87-474F-BBC4-C32BCC53C24F}" type="presParOf" srcId="{08400426-9122-4F23-B565-83A0CCDEA091}" destId="{6A0051A5-A15D-4D54-8FB9-0005B977FBC1}" srcOrd="0" destOrd="0" presId="urn:microsoft.com/office/officeart/2005/8/layout/matrix1"/>
     <dgm:cxn modelId="{A048D142-56DB-492F-AF1A-36573C7447E3}" type="presParOf" srcId="{08400426-9122-4F23-B565-83A0CCDEA091}" destId="{2E8F3917-D6A1-49BF-8DD5-B223735953F6}" srcOrd="1" destOrd="0" presId="urn:microsoft.com/office/officeart/2005/8/layout/matrix1"/>
@@ -1462,6 +1392,395 @@
       <dsp:cNvGrpSpPr/>
     </dsp:nvGrpSpPr>
     <dsp:grpSpPr/>
+    <dsp:sp modelId="{6A0051A5-A15D-4D54-8FB9-0005B977FBC1}">
+      <dsp:nvSpPr>
+        <dsp:cNvPr id="0" name=""/>
+        <dsp:cNvSpPr/>
+      </dsp:nvSpPr>
+      <dsp:spPr>
+        <a:xfrm rot="16200000">
+          <a:off x="861822" y="-861822"/>
+          <a:ext cx="2441448" cy="4165092"/>
+        </a:xfrm>
+        <a:prstGeom prst="round1Rect">
+          <a:avLst/>
+        </a:prstGeom>
+        <a:solidFill>
+          <a:schemeClr val="accent2">
+            <a:hueOff val="0"/>
+            <a:satOff val="0"/>
+            <a:lumOff val="0"/>
+            <a:alphaOff val="0"/>
+          </a:schemeClr>
+        </a:solidFill>
+        <a:ln w="25400" cap="flat" cmpd="sng" algn="ctr">
+          <a:solidFill>
+            <a:schemeClr val="lt1">
+              <a:hueOff val="0"/>
+              <a:satOff val="0"/>
+              <a:lumOff val="0"/>
+              <a:alphaOff val="0"/>
+            </a:schemeClr>
+          </a:solidFill>
+          <a:prstDash val="solid"/>
+        </a:ln>
+        <a:effectLst/>
+      </dsp:spPr>
+      <dsp:style>
+        <a:lnRef idx="2">
+          <a:scrgbClr r="0" g="0" b="0"/>
+        </a:lnRef>
+        <a:fillRef idx="1">
+          <a:scrgbClr r="0" g="0" b="0"/>
+        </a:fillRef>
+        <a:effectRef idx="0">
+          <a:scrgbClr r="0" g="0" b="0"/>
+        </a:effectRef>
+        <a:fontRef idx="minor">
+          <a:schemeClr val="lt1"/>
+        </a:fontRef>
+      </dsp:style>
+      <dsp:txBody>
+        <a:bodyPr spcFirstLastPara="0" vert="horz" wrap="square" lIns="213360" tIns="213360" rIns="213360" bIns="213360" numCol="1" spcCol="1270" anchor="ctr" anchorCtr="0">
+          <a:noAutofit/>
+        </a:bodyPr>
+        <a:lstStyle/>
+        <a:p>
+          <a:pPr marL="0" lvl="0" indent="0" algn="ctr" defTabSz="1333500" rtl="0">
+            <a:lnSpc>
+              <a:spcPct val="90000"/>
+            </a:lnSpc>
+            <a:spcBef>
+              <a:spcPct val="0"/>
+            </a:spcBef>
+            <a:spcAft>
+              <a:spcPct val="35000"/>
+            </a:spcAft>
+            <a:buNone/>
+          </a:pPr>
+          <a:r>
+            <a:rPr lang="en-US" sz="3000" kern="1200" dirty="0"/>
+            <a:t>Subject Oriented</a:t>
+          </a:r>
+        </a:p>
+      </dsp:txBody>
+      <dsp:txXfrm rot="5400000">
+        <a:off x="-1" y="1"/>
+        <a:ext cx="4165092" cy="1831086"/>
+      </dsp:txXfrm>
+    </dsp:sp>
+    <dsp:sp modelId="{26CEA6BC-9F2B-452D-9C7F-7AA06E2A8066}">
+      <dsp:nvSpPr>
+        <dsp:cNvPr id="0" name=""/>
+        <dsp:cNvSpPr/>
+      </dsp:nvSpPr>
+      <dsp:spPr>
+        <a:xfrm>
+          <a:off x="4165092" y="0"/>
+          <a:ext cx="4165092" cy="2441448"/>
+        </a:xfrm>
+        <a:prstGeom prst="round1Rect">
+          <a:avLst/>
+        </a:prstGeom>
+        <a:solidFill>
+          <a:schemeClr val="accent3">
+            <a:hueOff val="0"/>
+            <a:satOff val="0"/>
+            <a:lumOff val="0"/>
+            <a:alphaOff val="0"/>
+          </a:schemeClr>
+        </a:solidFill>
+        <a:ln w="25400" cap="flat" cmpd="sng" algn="ctr">
+          <a:solidFill>
+            <a:schemeClr val="lt1">
+              <a:hueOff val="0"/>
+              <a:satOff val="0"/>
+              <a:lumOff val="0"/>
+              <a:alphaOff val="0"/>
+            </a:schemeClr>
+          </a:solidFill>
+          <a:prstDash val="solid"/>
+        </a:ln>
+        <a:effectLst/>
+      </dsp:spPr>
+      <dsp:style>
+        <a:lnRef idx="2">
+          <a:scrgbClr r="0" g="0" b="0"/>
+        </a:lnRef>
+        <a:fillRef idx="1">
+          <a:scrgbClr r="0" g="0" b="0"/>
+        </a:fillRef>
+        <a:effectRef idx="0">
+          <a:scrgbClr r="0" g="0" b="0"/>
+        </a:effectRef>
+        <a:fontRef idx="minor">
+          <a:schemeClr val="lt1"/>
+        </a:fontRef>
+      </dsp:style>
+      <dsp:txBody>
+        <a:bodyPr spcFirstLastPara="0" vert="horz" wrap="square" lIns="213360" tIns="213360" rIns="213360" bIns="213360" numCol="1" spcCol="1270" anchor="ctr" anchorCtr="0">
+          <a:noAutofit/>
+        </a:bodyPr>
+        <a:lstStyle/>
+        <a:p>
+          <a:pPr marL="0" lvl="0" indent="0" algn="ctr" defTabSz="1333500" rtl="0">
+            <a:lnSpc>
+              <a:spcPct val="90000"/>
+            </a:lnSpc>
+            <a:spcBef>
+              <a:spcPct val="0"/>
+            </a:spcBef>
+            <a:spcAft>
+              <a:spcPct val="35000"/>
+            </a:spcAft>
+            <a:buNone/>
+          </a:pPr>
+          <a:r>
+            <a:rPr lang="en-US" sz="3000" kern="1200" dirty="0"/>
+            <a:t>Integrated</a:t>
+          </a:r>
+        </a:p>
+      </dsp:txBody>
+      <dsp:txXfrm>
+        <a:off x="4165092" y="0"/>
+        <a:ext cx="4165092" cy="1831086"/>
+      </dsp:txXfrm>
+    </dsp:sp>
+    <dsp:sp modelId="{4570B3EB-8C9F-420D-9768-1AEA5980CB21}">
+      <dsp:nvSpPr>
+        <dsp:cNvPr id="0" name=""/>
+        <dsp:cNvSpPr/>
+      </dsp:nvSpPr>
+      <dsp:spPr>
+        <a:xfrm rot="10800000">
+          <a:off x="0" y="2441448"/>
+          <a:ext cx="4165092" cy="2441448"/>
+        </a:xfrm>
+        <a:prstGeom prst="round1Rect">
+          <a:avLst/>
+        </a:prstGeom>
+        <a:solidFill>
+          <a:schemeClr val="accent4">
+            <a:hueOff val="0"/>
+            <a:satOff val="0"/>
+            <a:lumOff val="0"/>
+            <a:alphaOff val="0"/>
+          </a:schemeClr>
+        </a:solidFill>
+        <a:ln w="25400" cap="flat" cmpd="sng" algn="ctr">
+          <a:solidFill>
+            <a:schemeClr val="lt1">
+              <a:hueOff val="0"/>
+              <a:satOff val="0"/>
+              <a:lumOff val="0"/>
+              <a:alphaOff val="0"/>
+            </a:schemeClr>
+          </a:solidFill>
+          <a:prstDash val="solid"/>
+        </a:ln>
+        <a:effectLst/>
+      </dsp:spPr>
+      <dsp:style>
+        <a:lnRef idx="2">
+          <a:scrgbClr r="0" g="0" b="0"/>
+        </a:lnRef>
+        <a:fillRef idx="1">
+          <a:scrgbClr r="0" g="0" b="0"/>
+        </a:fillRef>
+        <a:effectRef idx="0">
+          <a:scrgbClr r="0" g="0" b="0"/>
+        </a:effectRef>
+        <a:fontRef idx="minor">
+          <a:schemeClr val="lt1"/>
+        </a:fontRef>
+      </dsp:style>
+      <dsp:txBody>
+        <a:bodyPr spcFirstLastPara="0" vert="horz" wrap="square" lIns="213360" tIns="213360" rIns="213360" bIns="213360" numCol="1" spcCol="1270" anchor="ctr" anchorCtr="0">
+          <a:noAutofit/>
+        </a:bodyPr>
+        <a:lstStyle/>
+        <a:p>
+          <a:pPr marL="0" lvl="0" indent="0" algn="ctr" defTabSz="1333500" rtl="0">
+            <a:lnSpc>
+              <a:spcPct val="90000"/>
+            </a:lnSpc>
+            <a:spcBef>
+              <a:spcPct val="0"/>
+            </a:spcBef>
+            <a:spcAft>
+              <a:spcPct val="35000"/>
+            </a:spcAft>
+            <a:buNone/>
+          </a:pPr>
+          <a:r>
+            <a:rPr lang="en-US" sz="3000" kern="1200" dirty="0"/>
+            <a:t>Non-Volatile</a:t>
+          </a:r>
+        </a:p>
+      </dsp:txBody>
+      <dsp:txXfrm rot="10800000">
+        <a:off x="0" y="3051809"/>
+        <a:ext cx="4165092" cy="1831086"/>
+      </dsp:txXfrm>
+    </dsp:sp>
+    <dsp:sp modelId="{FED34BCE-BAB5-4342-9741-70785B58E498}">
+      <dsp:nvSpPr>
+        <dsp:cNvPr id="0" name=""/>
+        <dsp:cNvSpPr/>
+      </dsp:nvSpPr>
+      <dsp:spPr>
+        <a:xfrm rot="5400000">
+          <a:off x="5026914" y="1579625"/>
+          <a:ext cx="2441448" cy="4165092"/>
+        </a:xfrm>
+        <a:prstGeom prst="round1Rect">
+          <a:avLst/>
+        </a:prstGeom>
+        <a:solidFill>
+          <a:schemeClr val="accent5">
+            <a:hueOff val="0"/>
+            <a:satOff val="0"/>
+            <a:lumOff val="0"/>
+            <a:alphaOff val="0"/>
+          </a:schemeClr>
+        </a:solidFill>
+        <a:ln w="25400" cap="flat" cmpd="sng" algn="ctr">
+          <a:solidFill>
+            <a:schemeClr val="lt1">
+              <a:hueOff val="0"/>
+              <a:satOff val="0"/>
+              <a:lumOff val="0"/>
+              <a:alphaOff val="0"/>
+            </a:schemeClr>
+          </a:solidFill>
+          <a:prstDash val="solid"/>
+        </a:ln>
+        <a:effectLst/>
+      </dsp:spPr>
+      <dsp:style>
+        <a:lnRef idx="2">
+          <a:scrgbClr r="0" g="0" b="0"/>
+        </a:lnRef>
+        <a:fillRef idx="1">
+          <a:scrgbClr r="0" g="0" b="0"/>
+        </a:fillRef>
+        <a:effectRef idx="0">
+          <a:scrgbClr r="0" g="0" b="0"/>
+        </a:effectRef>
+        <a:fontRef idx="minor">
+          <a:schemeClr val="lt1"/>
+        </a:fontRef>
+      </dsp:style>
+      <dsp:txBody>
+        <a:bodyPr spcFirstLastPara="0" vert="horz" wrap="square" lIns="213360" tIns="213360" rIns="213360" bIns="213360" numCol="1" spcCol="1270" anchor="ctr" anchorCtr="0">
+          <a:noAutofit/>
+        </a:bodyPr>
+        <a:lstStyle/>
+        <a:p>
+          <a:pPr marL="0" lvl="0" indent="0" algn="ctr" defTabSz="1333500" rtl="0">
+            <a:lnSpc>
+              <a:spcPct val="90000"/>
+            </a:lnSpc>
+            <a:spcBef>
+              <a:spcPct val="0"/>
+            </a:spcBef>
+            <a:spcAft>
+              <a:spcPct val="35000"/>
+            </a:spcAft>
+            <a:buNone/>
+          </a:pPr>
+          <a:r>
+            <a:rPr lang="en-US" sz="3000" kern="1200" dirty="0"/>
+            <a:t>Time Variant</a:t>
+          </a:r>
+        </a:p>
+      </dsp:txBody>
+      <dsp:txXfrm rot="-5400000">
+        <a:off x="4165091" y="3051809"/>
+        <a:ext cx="4165092" cy="1831086"/>
+      </dsp:txXfrm>
+    </dsp:sp>
+    <dsp:sp modelId="{C09AB7F2-328B-4F50-8C63-EB8CF0F407B9}">
+      <dsp:nvSpPr>
+        <dsp:cNvPr id="0" name=""/>
+        <dsp:cNvSpPr/>
+      </dsp:nvSpPr>
+      <dsp:spPr>
+        <a:xfrm>
+          <a:off x="2915564" y="1831086"/>
+          <a:ext cx="2499055" cy="1220724"/>
+        </a:xfrm>
+        <a:prstGeom prst="roundRect">
+          <a:avLst/>
+        </a:prstGeom>
+        <a:solidFill>
+          <a:schemeClr val="accent2">
+            <a:tint val="40000"/>
+            <a:hueOff val="0"/>
+            <a:satOff val="0"/>
+            <a:lumOff val="0"/>
+            <a:alphaOff val="0"/>
+          </a:schemeClr>
+        </a:solidFill>
+        <a:ln w="25400" cap="flat" cmpd="sng" algn="ctr">
+          <a:solidFill>
+            <a:schemeClr val="lt1">
+              <a:hueOff val="0"/>
+              <a:satOff val="0"/>
+              <a:lumOff val="0"/>
+              <a:alphaOff val="0"/>
+            </a:schemeClr>
+          </a:solidFill>
+          <a:prstDash val="solid"/>
+        </a:ln>
+        <a:effectLst/>
+      </dsp:spPr>
+      <dsp:style>
+        <a:lnRef idx="2">
+          <a:scrgbClr r="0" g="0" b="0"/>
+        </a:lnRef>
+        <a:fillRef idx="1">
+          <a:scrgbClr r="0" g="0" b="0"/>
+        </a:fillRef>
+        <a:effectRef idx="0">
+          <a:scrgbClr r="0" g="0" b="0"/>
+        </a:effectRef>
+        <a:fontRef idx="minor"/>
+      </dsp:style>
+      <dsp:txBody>
+        <a:bodyPr spcFirstLastPara="0" vert="horz" wrap="square" lIns="114300" tIns="114300" rIns="114300" bIns="114300" numCol="1" spcCol="1270" anchor="ctr" anchorCtr="0">
+          <a:noAutofit/>
+        </a:bodyPr>
+        <a:lstStyle/>
+        <a:p>
+          <a:pPr marL="0" lvl="0" indent="0" algn="ctr" defTabSz="1333500" rtl="0">
+            <a:lnSpc>
+              <a:spcPct val="90000"/>
+            </a:lnSpc>
+            <a:spcBef>
+              <a:spcPct val="0"/>
+            </a:spcBef>
+            <a:spcAft>
+              <a:spcPct val="35000"/>
+            </a:spcAft>
+            <a:buNone/>
+          </a:pPr>
+          <a:r>
+            <a:rPr lang="en-US" sz="3000" b="1" i="0" kern="1200" baseline="0" dirty="0"/>
+            <a:t>Data </a:t>
+          </a:r>
+          <a:r>
+            <a:rPr lang="en-US" sz="3000" b="1" i="0" kern="1200" baseline="0" dirty="0" err="1"/>
+            <a:t>WareHouse</a:t>
+          </a:r>
+          <a:endParaRPr lang="en-US" sz="3000" kern="1200" dirty="0"/>
+        </a:p>
+      </dsp:txBody>
+      <dsp:txXfrm>
+        <a:off x="2975155" y="1890677"/>
+        <a:ext cx="2379873" cy="1101542"/>
+      </dsp:txXfrm>
+    </dsp:sp>
   </dsp:spTree>
 </dsp:drawing>
 </file>
@@ -2959,7 +3278,7 @@
           <a:p>
             <a:fld id="{48AA53EE-95D9-4CF8-AF3D-7E491B8758AA}" type="datetimeFigureOut">
               <a:rPr lang="en-US" smtClean="0"/>
-              <a:t>4/24/2017</a:t>
+              <a:t>10/12/2018</a:t>
             </a:fld>
             <a:endParaRPr lang="en-US"/>
           </a:p>
@@ -3023,38 +3342,37 @@
           <a:p>
             <a:pPr lvl="0"/>
             <a:r>
-              <a:rPr lang="en-US" smtClean="0"/>
+              <a:rPr lang="en-US"/>
               <a:t>Click to edit Master text styles</a:t>
             </a:r>
           </a:p>
           <a:p>
             <a:pPr lvl="1"/>
             <a:r>
-              <a:rPr lang="en-US" smtClean="0"/>
+              <a:rPr lang="en-US"/>
               <a:t>Second level</a:t>
             </a:r>
           </a:p>
           <a:p>
             <a:pPr lvl="2"/>
             <a:r>
-              <a:rPr lang="en-US" smtClean="0"/>
+              <a:rPr lang="en-US"/>
               <a:t>Third level</a:t>
             </a:r>
           </a:p>
           <a:p>
             <a:pPr lvl="3"/>
             <a:r>
-              <a:rPr lang="en-US" smtClean="0"/>
+              <a:rPr lang="en-US"/>
               <a:t>Fourth level</a:t>
             </a:r>
           </a:p>
           <a:p>
             <a:pPr lvl="4"/>
             <a:r>
-              <a:rPr lang="en-US" smtClean="0"/>
+              <a:rPr lang="en-US"/>
               <a:t>Fifth level</a:t>
             </a:r>
-            <a:endParaRPr lang="en-US"/>
           </a:p>
         </p:txBody>
       </p:sp>
@@ -3272,23 +3590,23 @@
           <a:lstStyle/>
           <a:p>
             <a:r>
-              <a:rPr lang="en-US" dirty="0" smtClean="0"/>
+              <a:rPr lang="en-US" dirty="0"/>
               <a:t>Introduce Self</a:t>
             </a:r>
           </a:p>
           <a:p>
             <a:r>
-              <a:rPr lang="en-US" dirty="0" smtClean="0"/>
+              <a:rPr lang="en-US" dirty="0"/>
               <a:t>Ask the Batch to Introduc</a:t>
             </a:r>
             <a:r>
-              <a:rPr lang="en-US" baseline="0" dirty="0" smtClean="0"/>
+              <a:rPr lang="en-US" baseline="0" dirty="0"/>
               <a:t>e themselves</a:t>
             </a:r>
           </a:p>
           <a:p>
             <a:r>
-              <a:rPr lang="en-US" baseline="0" dirty="0" smtClean="0"/>
+              <a:rPr lang="en-US" baseline="0" dirty="0"/>
               <a:t>Ask – What are they planning to do with their first salary at Deloitte.</a:t>
             </a:r>
             <a:endParaRPr lang="en-US" dirty="0"/>
@@ -3370,7 +3688,7 @@
               <a:pPr/>
               <a:t>13</a:t>
             </a:fld>
-            <a:endParaRPr lang="en-US" dirty="0" smtClean="0"/>
+            <a:endParaRPr lang="en-US" dirty="0"/>
           </a:p>
         </p:txBody>
       </p:sp>
@@ -3559,7 +3877,7 @@
           <a:lstStyle/>
           <a:p>
             <a:pPr eaLnBrk="1" hangingPunct="1"/>
-            <a:endParaRPr lang="en-US" dirty="0" smtClean="0"/>
+            <a:endParaRPr lang="en-US" dirty="0"/>
           </a:p>
         </p:txBody>
       </p:sp>
@@ -3638,19 +3956,19 @@
               <a:buChar char="•"/>
             </a:pPr>
             <a:r>
-              <a:rPr lang="en-US" sz="1200" b="1" dirty="0" smtClean="0"/>
+              <a:rPr lang="en-US" sz="1200" b="1" dirty="0"/>
               <a:t>Delivers</a:t>
             </a:r>
             <a:r>
-              <a:rPr lang="en-US" sz="1200" dirty="0" smtClean="0"/>
+              <a:rPr lang="en-US" sz="1200" dirty="0"/>
               <a:t> </a:t>
             </a:r>
             <a:r>
-              <a:rPr lang="en-US" sz="1200" b="1" dirty="0" smtClean="0"/>
+              <a:rPr lang="en-US" sz="1200" b="1" dirty="0"/>
               <a:t>Enhanced Business Intelligence: </a:t>
             </a:r>
             <a:r>
-              <a:rPr lang="en-US" sz="1200" dirty="0" smtClean="0"/>
+              <a:rPr lang="en-US" sz="1200" dirty="0"/>
               <a:t>By providing data from various sources, managers and executives will no longer need to make business decisions based on limited data or their gut. In addition, “data warehouses and related BI can be applied directly to business processes including marketing segmentation, inventory management, financial management, and sales.”</a:t>
             </a:r>
           </a:p>
@@ -3660,11 +3978,11 @@
               <a:buChar char="•"/>
             </a:pPr>
             <a:r>
-              <a:rPr lang="en-US" sz="1200" b="1" dirty="0" smtClean="0"/>
+              <a:rPr lang="en-US" sz="1200" b="1" dirty="0"/>
               <a:t>Saves Time: </a:t>
             </a:r>
             <a:r>
-              <a:rPr lang="en-US" sz="1200" dirty="0" smtClean="0"/>
+              <a:rPr lang="en-US" sz="1200" dirty="0"/>
               <a:t>Since business users can quickly access critical data from a number of sources—all in one place—they can rapidly make informed decisions on key initiatives. They won’t waste precious time retrieving data from multiple sources.</a:t>
             </a:r>
           </a:p>
@@ -3674,11 +3992,11 @@
               <a:buChar char="•"/>
             </a:pPr>
             <a:r>
-              <a:rPr lang="en-US" sz="1200" b="1" dirty="0" smtClean="0"/>
+              <a:rPr lang="en-US" sz="1200" b="1" dirty="0"/>
               <a:t>Enhances Data Quality and Consistency: </a:t>
             </a:r>
             <a:r>
-              <a:rPr lang="en-US" sz="1200" dirty="0" smtClean="0"/>
+              <a:rPr lang="en-US" sz="1200" dirty="0"/>
               <a:t>A data warehouse implementation includes the conversion of  data from numerous source systems  into a common format.  Since each data from the various departments is standardized, each department will produce results that are in line with all the other departments. So you can have more confidence in the accuracy of your data. And accurate data is the basis for strong business decisions.</a:t>
             </a:r>
           </a:p>
@@ -3688,16 +4006,16 @@
               <a:buChar char="•"/>
             </a:pPr>
             <a:r>
-              <a:rPr lang="en-US" sz="1200" b="1" dirty="0" smtClean="0"/>
+              <a:rPr lang="en-US" sz="1200" b="1" dirty="0"/>
               <a:t>Provides Historical Intelligence: </a:t>
             </a:r>
             <a:r>
-              <a:rPr lang="en-US" sz="1200" dirty="0" smtClean="0"/>
+              <a:rPr lang="en-US" sz="1200" dirty="0"/>
               <a:t>A data warehouse stores large amounts of historical data so you can analyze different time periods and trends in order to make future predictions. Such data typically cannot be stored in a transactional database or used to generate reports from a transactional system.</a:t>
             </a:r>
           </a:p>
           <a:p>
-            <a:endParaRPr lang="en-US" dirty="0" smtClean="0"/>
+            <a:endParaRPr lang="en-US" dirty="0"/>
           </a:p>
         </p:txBody>
       </p:sp>
@@ -3723,7 +4041,7 @@
               <a:pPr/>
               <a:t>2</a:t>
             </a:fld>
-            <a:endParaRPr lang="en-US" smtClean="0"/>
+            <a:endParaRPr lang="en-US"/>
           </a:p>
         </p:txBody>
       </p:sp>
@@ -3802,17 +4120,17 @@
               <a:defRPr/>
             </a:pPr>
             <a:r>
-              <a:rPr lang="en-US" dirty="0" smtClean="0"/>
+              <a:rPr lang="en-US" dirty="0"/>
               <a:t>Subject Oriented - </a:t>
             </a:r>
             <a:r>
-              <a:rPr lang="en-US" b="0" i="0" baseline="0" dirty="0" smtClean="0"/>
+              <a:rPr lang="en-US" b="0" i="0" baseline="0" dirty="0"/>
               <a:t>Data that gives information about a particular subject instead of about a company's ongoing operation</a:t>
             </a:r>
-            <a:endParaRPr lang="en-US" dirty="0" smtClean="0"/>
-          </a:p>
-          <a:p>
-            <a:endParaRPr lang="en-US" dirty="0" smtClean="0"/>
+            <a:endParaRPr lang="en-US" dirty="0"/>
+          </a:p>
+          <a:p>
+            <a:endParaRPr lang="en-US" dirty="0"/>
           </a:p>
           <a:p>
             <a:pPr marL="0" marR="0" lvl="0" indent="0" algn="l" defTabSz="914400" rtl="0" eaLnBrk="1" fontAlgn="auto" latinLnBrk="0" hangingPunct="1">
@@ -3833,17 +4151,17 @@
               <a:defRPr/>
             </a:pPr>
             <a:r>
-              <a:rPr lang="en-US" dirty="0" smtClean="0"/>
+              <a:rPr lang="en-US" dirty="0"/>
               <a:t>Integrated - </a:t>
             </a:r>
             <a:r>
-              <a:rPr lang="en-US" b="0" i="0" baseline="0" dirty="0" smtClean="0"/>
+              <a:rPr lang="en-US" b="0" i="0" baseline="0" dirty="0"/>
               <a:t>Data that is gathered into the data warehouse from a variety of sources and merged into a coherent whole </a:t>
             </a:r>
-            <a:endParaRPr lang="en-US" dirty="0" smtClean="0"/>
-          </a:p>
-          <a:p>
-            <a:endParaRPr lang="en-US" dirty="0" smtClean="0"/>
+            <a:endParaRPr lang="en-US" dirty="0"/>
+          </a:p>
+          <a:p>
+            <a:endParaRPr lang="en-US" dirty="0"/>
           </a:p>
           <a:p>
             <a:pPr marL="0" marR="0" lvl="0" indent="0" algn="l" defTabSz="914400" rtl="0" eaLnBrk="1" fontAlgn="auto" latinLnBrk="0" hangingPunct="1">
@@ -3864,21 +4182,21 @@
               <a:defRPr/>
             </a:pPr>
             <a:r>
-              <a:rPr lang="en-US" dirty="0" smtClean="0"/>
+              <a:rPr lang="en-US" dirty="0"/>
               <a:t>Non-Volatile</a:t>
             </a:r>
             <a:r>
-              <a:rPr lang="en-US" baseline="0" dirty="0" smtClean="0"/>
+              <a:rPr lang="en-US" baseline="0" dirty="0"/>
               <a:t> - </a:t>
             </a:r>
             <a:r>
-              <a:rPr lang="en-US" b="0" i="0" baseline="0" dirty="0" smtClean="0"/>
+              <a:rPr lang="en-US" b="0" i="0" baseline="0" dirty="0"/>
               <a:t>Data is stable in a data warehouse. More data is added but data is never removed. This enables management to gain a consistent picture</a:t>
             </a:r>
-            <a:endParaRPr lang="en-US" dirty="0" smtClean="0"/>
-          </a:p>
-          <a:p>
-            <a:endParaRPr lang="en-US" dirty="0" smtClean="0"/>
+            <a:endParaRPr lang="en-US" dirty="0"/>
+          </a:p>
+          <a:p>
+            <a:endParaRPr lang="en-US" dirty="0"/>
           </a:p>
           <a:p>
             <a:pPr marL="0" marR="0" lvl="0" indent="0" algn="l" defTabSz="914400" rtl="0" eaLnBrk="1" fontAlgn="auto" latinLnBrk="0" hangingPunct="1">
@@ -3899,18 +4217,18 @@
               <a:defRPr/>
             </a:pPr>
             <a:r>
-              <a:rPr lang="en-US" dirty="0" smtClean="0"/>
+              <a:rPr lang="en-US" dirty="0"/>
               <a:t>Time Variant</a:t>
             </a:r>
             <a:r>
-              <a:rPr lang="en-US" baseline="0" dirty="0" smtClean="0"/>
+              <a:rPr lang="en-US" baseline="0" dirty="0"/>
               <a:t> - </a:t>
             </a:r>
             <a:r>
-              <a:rPr lang="en-US" b="0" i="0" baseline="0" dirty="0" smtClean="0"/>
+              <a:rPr lang="en-US" b="0" i="0" baseline="0" dirty="0"/>
               <a:t>All data in the data warehouse is identified with a particular time period</a:t>
             </a:r>
-            <a:endParaRPr lang="en-US" dirty="0" smtClean="0"/>
+            <a:endParaRPr lang="en-US" dirty="0"/>
           </a:p>
           <a:p>
             <a:endParaRPr lang="en-US" dirty="0"/>
@@ -3992,7 +4310,7 @@
               <a:pPr/>
               <a:t>4</a:t>
             </a:fld>
-            <a:endParaRPr lang="en-US" dirty="0" smtClean="0"/>
+            <a:endParaRPr lang="en-US" dirty="0"/>
           </a:p>
         </p:txBody>
       </p:sp>
@@ -4033,7 +4351,7 @@
           <a:lstStyle/>
           <a:p>
             <a:pPr eaLnBrk="1" hangingPunct="1"/>
-            <a:endParaRPr lang="en-US" baseline="0" dirty="0" smtClean="0"/>
+            <a:endParaRPr lang="en-US" baseline="0" dirty="0"/>
           </a:p>
         </p:txBody>
       </p:sp>
@@ -4089,7 +4407,7 @@
               <a:pPr/>
               <a:t>6</a:t>
             </a:fld>
-            <a:endParaRPr lang="en-US" dirty="0" smtClean="0"/>
+            <a:endParaRPr lang="en-US" dirty="0"/>
           </a:p>
         </p:txBody>
       </p:sp>
@@ -4130,7 +4448,7 @@
           <a:lstStyle/>
           <a:p>
             <a:pPr eaLnBrk="1" hangingPunct="1"/>
-            <a:endParaRPr lang="en-US" dirty="0" smtClean="0"/>
+            <a:endParaRPr lang="en-US" dirty="0"/>
           </a:p>
         </p:txBody>
       </p:sp>
@@ -4186,7 +4504,7 @@
               <a:pPr/>
               <a:t>7</a:t>
             </a:fld>
-            <a:endParaRPr lang="en-US" dirty="0" smtClean="0"/>
+            <a:endParaRPr lang="en-US" dirty="0"/>
           </a:p>
         </p:txBody>
       </p:sp>
@@ -4227,7 +4545,7 @@
           <a:lstStyle/>
           <a:p>
             <a:pPr eaLnBrk="1" hangingPunct="1"/>
-            <a:endParaRPr lang="en-US" dirty="0" smtClean="0"/>
+            <a:endParaRPr lang="en-US" dirty="0"/>
           </a:p>
         </p:txBody>
       </p:sp>
@@ -4283,7 +4601,7 @@
               <a:pPr/>
               <a:t>8</a:t>
             </a:fld>
-            <a:endParaRPr lang="en-US" dirty="0" smtClean="0"/>
+            <a:endParaRPr lang="en-US" dirty="0"/>
           </a:p>
         </p:txBody>
       </p:sp>
@@ -4324,7 +4642,7 @@
           <a:lstStyle/>
           <a:p>
             <a:pPr eaLnBrk="1" hangingPunct="1"/>
-            <a:endParaRPr lang="en-US" dirty="0" smtClean="0"/>
+            <a:endParaRPr lang="en-US" dirty="0"/>
           </a:p>
         </p:txBody>
       </p:sp>
@@ -4380,7 +4698,7 @@
               <a:pPr/>
               <a:t>10</a:t>
             </a:fld>
-            <a:endParaRPr lang="en-US" dirty="0" smtClean="0"/>
+            <a:endParaRPr lang="en-US" dirty="0"/>
           </a:p>
         </p:txBody>
       </p:sp>
@@ -4569,7 +4887,7 @@
           <a:lstStyle/>
           <a:p>
             <a:pPr eaLnBrk="1" hangingPunct="1"/>
-            <a:endParaRPr lang="en-US" dirty="0" smtClean="0"/>
+            <a:endParaRPr lang="en-US" dirty="0"/>
           </a:p>
         </p:txBody>
       </p:sp>
@@ -4625,7 +4943,7 @@
               <a:pPr/>
               <a:t>12</a:t>
             </a:fld>
-            <a:endParaRPr lang="en-US" dirty="0" smtClean="0"/>
+            <a:endParaRPr lang="en-US" dirty="0"/>
           </a:p>
         </p:txBody>
       </p:sp>
@@ -4814,7 +5132,7 @@
           <a:lstStyle/>
           <a:p>
             <a:pPr eaLnBrk="1" hangingPunct="1"/>
-            <a:endParaRPr lang="en-US" dirty="0" smtClean="0"/>
+            <a:endParaRPr lang="en-US" dirty="0"/>
           </a:p>
         </p:txBody>
       </p:sp>
@@ -4879,7 +5197,7 @@
           </a:lstStyle>
           <a:p>
             <a:r>
-              <a:rPr lang="en-US" smtClean="0"/>
+              <a:rPr lang="en-US"/>
               <a:t>Click to edit Master title style</a:t>
             </a:r>
             <a:endParaRPr lang="en-GB" dirty="0"/>
@@ -5007,7 +5325,7 @@
           </a:lstStyle>
           <a:p>
             <a:r>
-              <a:rPr lang="en-US" smtClean="0"/>
+              <a:rPr lang="en-US"/>
               <a:t>Click to edit Master subtitle style</a:t>
             </a:r>
             <a:endParaRPr lang="en-GB" dirty="0"/>
@@ -5086,18 +5404,17 @@
           </a:lstStyle>
           <a:p>
             <a:r>
-              <a:rPr lang="en-US" dirty="0" smtClean="0"/>
+              <a:rPr lang="en-US" dirty="0"/>
               <a:t> © 2014 Deloitte </a:t>
             </a:r>
             <a:r>
-              <a:rPr lang="en-US" dirty="0" err="1" smtClean="0"/>
+              <a:rPr lang="en-US" dirty="0" err="1"/>
               <a:t>Touche</a:t>
             </a:r>
             <a:r>
-              <a:rPr lang="en-US" dirty="0" smtClean="0"/>
+              <a:rPr lang="en-US" dirty="0"/>
               <a:t> Tohmatsu India Private Limited</a:t>
             </a:r>
-            <a:endParaRPr lang="en-US" dirty="0"/>
           </a:p>
         </p:txBody>
       </p:sp>
@@ -5133,13 +5450,6 @@
   <p:transition>
     <p:fade/>
   </p:transition>
-  <p:timing>
-    <p:tnLst>
-      <p:par>
-        <p:cTn id="1" dur="indefinite" restart="never" nodeType="tmRoot"/>
-      </p:par>
-    </p:tnLst>
-  </p:timing>
 </p:sldLayout>
 </file>
 
@@ -5233,7 +5543,7 @@
           <a:p>
             <a:pPr lvl="0"/>
             <a:r>
-              <a:rPr lang="en-US" smtClean="0"/>
+              <a:rPr lang="en-US"/>
               <a:t>Click to edit Master text styles</a:t>
             </a:r>
           </a:p>
@@ -5311,18 +5621,17 @@
           </a:lstStyle>
           <a:p>
             <a:r>
-              <a:rPr lang="en-US" dirty="0" smtClean="0"/>
+              <a:rPr lang="en-US" dirty="0"/>
               <a:t> © 2014 Deloitte </a:t>
             </a:r>
             <a:r>
-              <a:rPr lang="en-US" dirty="0" err="1" smtClean="0"/>
+              <a:rPr lang="en-US" dirty="0" err="1"/>
               <a:t>Touche</a:t>
             </a:r>
             <a:r>
-              <a:rPr lang="en-US" dirty="0" smtClean="0"/>
+              <a:rPr lang="en-US" dirty="0"/>
               <a:t> Tohmatsu India Private Limited</a:t>
             </a:r>
-            <a:endParaRPr lang="en-US" dirty="0"/>
           </a:p>
         </p:txBody>
       </p:sp>
@@ -5334,13 +5643,6 @@
   <p:transition>
     <p:fade/>
   </p:transition>
-  <p:timing>
-    <p:tnLst>
-      <p:par>
-        <p:cTn id="1" dur="indefinite" restart="never" nodeType="tmRoot"/>
-      </p:par>
-    </p:tnLst>
-  </p:timing>
 </p:sldLayout>
 </file>
 
@@ -5434,7 +5736,7 @@
           <a:p>
             <a:pPr lvl="0"/>
             <a:r>
-              <a:rPr lang="en-US" smtClean="0"/>
+              <a:rPr lang="en-US"/>
               <a:t>Click to edit Master text styles</a:t>
             </a:r>
           </a:p>
@@ -5512,18 +5814,17 @@
           </a:lstStyle>
           <a:p>
             <a:r>
-              <a:rPr lang="en-US" dirty="0" smtClean="0"/>
+              <a:rPr lang="en-US" dirty="0"/>
               <a:t> © 2014 Deloitte </a:t>
             </a:r>
             <a:r>
-              <a:rPr lang="en-US" dirty="0" err="1" smtClean="0"/>
+              <a:rPr lang="en-US" dirty="0" err="1"/>
               <a:t>Touche</a:t>
             </a:r>
             <a:r>
-              <a:rPr lang="en-US" dirty="0" smtClean="0"/>
+              <a:rPr lang="en-US" dirty="0"/>
               <a:t> Tohmatsu India Private Limited</a:t>
             </a:r>
-            <a:endParaRPr lang="en-US" dirty="0"/>
           </a:p>
         </p:txBody>
       </p:sp>
@@ -5535,13 +5836,6 @@
   <p:transition>
     <p:fade/>
   </p:transition>
-  <p:timing>
-    <p:tnLst>
-      <p:par>
-        <p:cTn id="1" dur="indefinite" restart="never" nodeType="tmRoot"/>
-      </p:par>
-    </p:tnLst>
-  </p:timing>
 </p:sldLayout>
 </file>
 
@@ -5635,7 +5929,7 @@
           <a:p>
             <a:pPr lvl="0"/>
             <a:r>
-              <a:rPr lang="en-US" smtClean="0"/>
+              <a:rPr lang="en-US"/>
               <a:t>Click to edit Master text styles</a:t>
             </a:r>
           </a:p>
@@ -5713,18 +6007,17 @@
           </a:lstStyle>
           <a:p>
             <a:r>
-              <a:rPr lang="en-US" dirty="0" smtClean="0"/>
+              <a:rPr lang="en-US" dirty="0"/>
               <a:t> © 2014 Deloitte </a:t>
             </a:r>
             <a:r>
-              <a:rPr lang="en-US" dirty="0" err="1" smtClean="0"/>
+              <a:rPr lang="en-US" dirty="0" err="1"/>
               <a:t>Touche</a:t>
             </a:r>
             <a:r>
-              <a:rPr lang="en-US" dirty="0" smtClean="0"/>
+              <a:rPr lang="en-US" dirty="0"/>
               <a:t> Tohmatsu India Private Limited</a:t>
             </a:r>
-            <a:endParaRPr lang="en-US" dirty="0"/>
           </a:p>
         </p:txBody>
       </p:sp>
@@ -5736,13 +6029,6 @@
   <p:transition>
     <p:fade/>
   </p:transition>
-  <p:timing>
-    <p:tnLst>
-      <p:par>
-        <p:cTn id="1" dur="indefinite" restart="never" nodeType="tmRoot"/>
-      </p:par>
-    </p:tnLst>
-  </p:timing>
 </p:sldLayout>
 </file>
 
@@ -5871,35 +6157,35 @@
           <a:p>
             <a:pPr lvl="0"/>
             <a:r>
-              <a:rPr lang="en-US" smtClean="0"/>
+              <a:rPr lang="en-US"/>
               <a:t>Click to edit Master text styles</a:t>
             </a:r>
           </a:p>
           <a:p>
             <a:pPr lvl="1"/>
             <a:r>
-              <a:rPr lang="en-US" smtClean="0"/>
+              <a:rPr lang="en-US"/>
               <a:t>Second level</a:t>
             </a:r>
           </a:p>
           <a:p>
             <a:pPr lvl="2"/>
             <a:r>
-              <a:rPr lang="en-US" smtClean="0"/>
+              <a:rPr lang="en-US"/>
               <a:t>Third level</a:t>
             </a:r>
           </a:p>
           <a:p>
             <a:pPr lvl="3"/>
             <a:r>
-              <a:rPr lang="en-US" smtClean="0"/>
+              <a:rPr lang="en-US"/>
               <a:t>Fourth level</a:t>
             </a:r>
           </a:p>
           <a:p>
             <a:pPr lvl="4"/>
             <a:r>
-              <a:rPr lang="en-US" smtClean="0"/>
+              <a:rPr lang="en-US"/>
               <a:t>Fifth level</a:t>
             </a:r>
             <a:endParaRPr lang="en-GB" dirty="0"/>
@@ -5940,7 +6226,7 @@
           </a:lstStyle>
           <a:p>
             <a:r>
-              <a:rPr lang="en-US" smtClean="0"/>
+              <a:rPr lang="en-US"/>
               <a:t>Click to edit Master title style</a:t>
             </a:r>
             <a:endParaRPr lang="en-GB" dirty="0"/>
@@ -6019,18 +6305,17 @@
           </a:lstStyle>
           <a:p>
             <a:r>
-              <a:rPr lang="en-US" dirty="0" smtClean="0"/>
+              <a:rPr lang="en-US" dirty="0"/>
               <a:t> © 2014 Deloitte </a:t>
             </a:r>
             <a:r>
-              <a:rPr lang="en-US" dirty="0" err="1" smtClean="0"/>
+              <a:rPr lang="en-US" dirty="0" err="1"/>
               <a:t>Touche</a:t>
             </a:r>
             <a:r>
-              <a:rPr lang="en-US" dirty="0" smtClean="0"/>
+              <a:rPr lang="en-US" dirty="0"/>
               <a:t> Tohmatsu India Private Limited</a:t>
             </a:r>
-            <a:endParaRPr lang="en-US" dirty="0"/>
           </a:p>
         </p:txBody>
       </p:sp>
@@ -6042,13 +6327,6 @@
   <p:transition>
     <p:fade/>
   </p:transition>
-  <p:timing>
-    <p:tnLst>
-      <p:par>
-        <p:cTn id="1" dur="indefinite" restart="never" nodeType="tmRoot"/>
-      </p:par>
-    </p:tnLst>
-  </p:timing>
 </p:sldLayout>
 </file>
 
@@ -6223,35 +6501,35 @@
           <a:p>
             <a:pPr lvl="0"/>
             <a:r>
-              <a:rPr lang="en-US" smtClean="0"/>
+              <a:rPr lang="en-US"/>
               <a:t>Click to edit Master text styles</a:t>
             </a:r>
           </a:p>
           <a:p>
             <a:pPr lvl="1"/>
             <a:r>
-              <a:rPr lang="en-US" smtClean="0"/>
+              <a:rPr lang="en-US"/>
               <a:t>Second level</a:t>
             </a:r>
           </a:p>
           <a:p>
             <a:pPr lvl="2"/>
             <a:r>
-              <a:rPr lang="en-US" smtClean="0"/>
+              <a:rPr lang="en-US"/>
               <a:t>Third level</a:t>
             </a:r>
           </a:p>
           <a:p>
             <a:pPr lvl="3"/>
             <a:r>
-              <a:rPr lang="en-US" smtClean="0"/>
+              <a:rPr lang="en-US"/>
               <a:t>Fourth level</a:t>
             </a:r>
           </a:p>
           <a:p>
             <a:pPr lvl="4"/>
             <a:r>
-              <a:rPr lang="en-US" smtClean="0"/>
+              <a:rPr lang="en-US"/>
               <a:t>Fifth level</a:t>
             </a:r>
             <a:endParaRPr lang="en-GB" dirty="0"/>
@@ -6292,7 +6570,7 @@
           </a:lstStyle>
           <a:p>
             <a:r>
-              <a:rPr lang="en-US" smtClean="0"/>
+              <a:rPr lang="en-US"/>
               <a:t>Click to edit Master title style</a:t>
             </a:r>
             <a:endParaRPr lang="en-GB" dirty="0"/>
@@ -6371,18 +6649,17 @@
           </a:lstStyle>
           <a:p>
             <a:r>
-              <a:rPr lang="en-US" dirty="0" smtClean="0"/>
+              <a:rPr lang="en-US" dirty="0"/>
               <a:t> © 2014 Deloitte </a:t>
             </a:r>
             <a:r>
-              <a:rPr lang="en-US" dirty="0" err="1" smtClean="0"/>
+              <a:rPr lang="en-US" dirty="0" err="1"/>
               <a:t>Touche</a:t>
             </a:r>
             <a:r>
-              <a:rPr lang="en-US" dirty="0" smtClean="0"/>
+              <a:rPr lang="en-US" dirty="0"/>
               <a:t> Tohmatsu India Private Limited</a:t>
             </a:r>
-            <a:endParaRPr lang="en-US" dirty="0"/>
           </a:p>
         </p:txBody>
       </p:sp>
@@ -6394,13 +6671,6 @@
   <p:transition>
     <p:fade/>
   </p:transition>
-  <p:timing>
-    <p:tnLst>
-      <p:par>
-        <p:cTn id="1" dur="indefinite" restart="never" nodeType="tmRoot"/>
-      </p:par>
-    </p:tnLst>
-  </p:timing>
 </p:sldLayout>
 </file>
 
@@ -6460,7 +6730,7 @@
           </a:lstStyle>
           <a:p>
             <a:r>
-              <a:rPr lang="en-US" smtClean="0"/>
+              <a:rPr lang="en-US"/>
               <a:t>Click to edit Master title style</a:t>
             </a:r>
             <a:endParaRPr lang="en-GB" dirty="0"/>
@@ -6539,18 +6809,17 @@
           </a:lstStyle>
           <a:p>
             <a:r>
-              <a:rPr lang="en-US" dirty="0" smtClean="0"/>
+              <a:rPr lang="en-US" dirty="0"/>
               <a:t> © 2014 Deloitte </a:t>
             </a:r>
             <a:r>
-              <a:rPr lang="en-US" dirty="0" err="1" smtClean="0"/>
+              <a:rPr lang="en-US" dirty="0" err="1"/>
               <a:t>Touche</a:t>
             </a:r>
             <a:r>
-              <a:rPr lang="en-US" dirty="0" smtClean="0"/>
+              <a:rPr lang="en-US" dirty="0"/>
               <a:t> Tohmatsu India Private Limited</a:t>
             </a:r>
-            <a:endParaRPr lang="en-US" dirty="0"/>
           </a:p>
         </p:txBody>
       </p:sp>
@@ -6562,13 +6831,6 @@
   <p:transition>
     <p:fade/>
   </p:transition>
-  <p:timing>
-    <p:tnLst>
-      <p:par>
-        <p:cTn id="1" dur="indefinite" restart="never" nodeType="tmRoot"/>
-      </p:par>
-    </p:tnLst>
-  </p:timing>
 </p:sldLayout>
 </file>
 
@@ -6628,7 +6890,7 @@
           </a:lstStyle>
           <a:p>
             <a:r>
-              <a:rPr lang="en-US" smtClean="0"/>
+              <a:rPr lang="en-US"/>
               <a:t>Click to edit Master title style</a:t>
             </a:r>
             <a:endParaRPr lang="en-GB" dirty="0"/>
@@ -6707,18 +6969,17 @@
           </a:lstStyle>
           <a:p>
             <a:r>
-              <a:rPr lang="en-US" dirty="0" smtClean="0"/>
+              <a:rPr lang="en-US" dirty="0"/>
               <a:t> © 2014 Deloitte </a:t>
             </a:r>
             <a:r>
-              <a:rPr lang="en-US" dirty="0" err="1" smtClean="0"/>
+              <a:rPr lang="en-US" dirty="0" err="1"/>
               <a:t>Touche</a:t>
             </a:r>
             <a:r>
-              <a:rPr lang="en-US" dirty="0" smtClean="0"/>
+              <a:rPr lang="en-US" dirty="0"/>
               <a:t> Tohmatsu India Private Limited</a:t>
             </a:r>
-            <a:endParaRPr lang="en-US" dirty="0"/>
           </a:p>
         </p:txBody>
       </p:sp>
@@ -6730,13 +6991,6 @@
   <p:transition>
     <p:fade/>
   </p:transition>
-  <p:timing>
-    <p:tnLst>
-      <p:par>
-        <p:cTn id="1" dur="indefinite" restart="never" nodeType="tmRoot"/>
-      </p:par>
-    </p:tnLst>
-  </p:timing>
 </p:sldLayout>
 </file>
 
@@ -6796,7 +7050,7 @@
           </a:lstStyle>
           <a:p>
             <a:r>
-              <a:rPr lang="en-US" smtClean="0"/>
+              <a:rPr lang="en-US"/>
               <a:t>Click to edit Master title style</a:t>
             </a:r>
             <a:endParaRPr lang="en-GB" dirty="0"/>
@@ -6875,18 +7129,17 @@
           </a:lstStyle>
           <a:p>
             <a:r>
-              <a:rPr lang="en-US" dirty="0" smtClean="0"/>
+              <a:rPr lang="en-US" dirty="0"/>
               <a:t> © 2014 Deloitte </a:t>
             </a:r>
             <a:r>
-              <a:rPr lang="en-US" dirty="0" err="1" smtClean="0"/>
+              <a:rPr lang="en-US" dirty="0" err="1"/>
               <a:t>Touche</a:t>
             </a:r>
             <a:r>
-              <a:rPr lang="en-US" dirty="0" smtClean="0"/>
+              <a:rPr lang="en-US" dirty="0"/>
               <a:t> Tohmatsu India Private Limited</a:t>
             </a:r>
-            <a:endParaRPr lang="en-US" dirty="0"/>
           </a:p>
         </p:txBody>
       </p:sp>
@@ -6898,13 +7151,6 @@
   <p:transition>
     <p:fade/>
   </p:transition>
-  <p:timing>
-    <p:tnLst>
-      <p:par>
-        <p:cTn id="1" dur="indefinite" restart="never" nodeType="tmRoot"/>
-      </p:par>
-    </p:tnLst>
-  </p:timing>
 </p:sldLayout>
 </file>
 
@@ -6964,7 +7210,7 @@
           </a:lstStyle>
           <a:p>
             <a:r>
-              <a:rPr lang="en-US" smtClean="0"/>
+              <a:rPr lang="en-US"/>
               <a:t>Click to edit Master title style</a:t>
             </a:r>
             <a:endParaRPr lang="en-GB" dirty="0"/>
@@ -7043,18 +7289,17 @@
           </a:lstStyle>
           <a:p>
             <a:r>
-              <a:rPr lang="en-US" dirty="0" smtClean="0"/>
+              <a:rPr lang="en-US" dirty="0"/>
               <a:t> © 2014 Deloitte </a:t>
             </a:r>
             <a:r>
-              <a:rPr lang="en-US" dirty="0" err="1" smtClean="0"/>
+              <a:rPr lang="en-US" dirty="0" err="1"/>
               <a:t>Touche</a:t>
             </a:r>
             <a:r>
-              <a:rPr lang="en-US" dirty="0" smtClean="0"/>
+              <a:rPr lang="en-US" dirty="0"/>
               <a:t> Tohmatsu India Private Limited</a:t>
             </a:r>
-            <a:endParaRPr lang="en-US" dirty="0"/>
           </a:p>
         </p:txBody>
       </p:sp>
@@ -7066,13 +7311,6 @@
   <p:transition>
     <p:fade/>
   </p:transition>
-  <p:timing>
-    <p:tnLst>
-      <p:par>
-        <p:cTn id="1" dur="indefinite" restart="never" nodeType="tmRoot"/>
-      </p:par>
-    </p:tnLst>
-  </p:timing>
 </p:sldLayout>
 </file>
 
@@ -7132,7 +7370,7 @@
           </a:lstStyle>
           <a:p>
             <a:r>
-              <a:rPr lang="en-US" smtClean="0"/>
+              <a:rPr lang="en-US"/>
               <a:t>Click to edit Master title style</a:t>
             </a:r>
             <a:endParaRPr lang="en-GB" dirty="0"/>
@@ -7211,18 +7449,17 @@
           </a:lstStyle>
           <a:p>
             <a:r>
-              <a:rPr lang="en-US" dirty="0" smtClean="0"/>
+              <a:rPr lang="en-US" dirty="0"/>
               <a:t> © 2014 Deloitte </a:t>
             </a:r>
             <a:r>
-              <a:rPr lang="en-US" dirty="0" err="1" smtClean="0"/>
+              <a:rPr lang="en-US" dirty="0" err="1"/>
               <a:t>Touche</a:t>
             </a:r>
             <a:r>
-              <a:rPr lang="en-US" dirty="0" smtClean="0"/>
+              <a:rPr lang="en-US" dirty="0"/>
               <a:t> Tohmatsu India Private Limited</a:t>
             </a:r>
-            <a:endParaRPr lang="en-US" dirty="0"/>
           </a:p>
         </p:txBody>
       </p:sp>
@@ -7234,13 +7471,6 @@
   <p:transition>
     <p:fade/>
   </p:transition>
-  <p:timing>
-    <p:tnLst>
-      <p:par>
-        <p:cTn id="1" dur="indefinite" restart="never" nodeType="tmRoot"/>
-      </p:par>
-    </p:tnLst>
-  </p:timing>
 </p:sldLayout>
 </file>
 
@@ -7336,7 +7566,7 @@
           </a:lstStyle>
           <a:p>
             <a:r>
-              <a:rPr lang="en-US" smtClean="0"/>
+              <a:rPr lang="en-US"/>
               <a:t>Click to edit Master title style</a:t>
             </a:r>
             <a:endParaRPr lang="en-GB" dirty="0"/>
@@ -7461,7 +7691,7 @@
           </a:lstStyle>
           <a:p>
             <a:r>
-              <a:rPr lang="en-US" smtClean="0"/>
+              <a:rPr lang="en-US"/>
               <a:t>Click to edit Master subtitle style</a:t>
             </a:r>
             <a:endParaRPr lang="en-GB" dirty="0"/>
@@ -7540,18 +7770,17 @@
           </a:lstStyle>
           <a:p>
             <a:r>
-              <a:rPr lang="en-US" dirty="0" smtClean="0"/>
+              <a:rPr lang="en-US" dirty="0"/>
               <a:t> © 2014 Deloitte </a:t>
             </a:r>
             <a:r>
-              <a:rPr lang="en-US" dirty="0" err="1" smtClean="0"/>
+              <a:rPr lang="en-US" dirty="0" err="1"/>
               <a:t>Touche</a:t>
             </a:r>
             <a:r>
-              <a:rPr lang="en-US" dirty="0" smtClean="0"/>
+              <a:rPr lang="en-US" dirty="0"/>
               <a:t> Tohmatsu India Private Limited</a:t>
             </a:r>
-            <a:endParaRPr lang="en-US" dirty="0"/>
           </a:p>
         </p:txBody>
       </p:sp>
@@ -7587,13 +7816,6 @@
   <p:transition>
     <p:fade/>
   </p:transition>
-  <p:timing>
-    <p:tnLst>
-      <p:par>
-        <p:cTn id="1" dur="indefinite" restart="never" nodeType="tmRoot"/>
-      </p:par>
-    </p:tnLst>
-  </p:timing>
 </p:sldLayout>
 </file>
 
@@ -7699,7 +7921,7 @@
           </a:lstStyle>
           <a:p>
             <a:r>
-              <a:rPr lang="en-US" smtClean="0"/>
+              <a:rPr lang="en-US"/>
               <a:t>Click to edit Master title style</a:t>
             </a:r>
             <a:endParaRPr lang="en-GB" dirty="0"/>
@@ -7778,18 +8000,17 @@
           </a:lstStyle>
           <a:p>
             <a:r>
-              <a:rPr lang="en-US" dirty="0" smtClean="0"/>
+              <a:rPr lang="en-US" dirty="0"/>
               <a:t> © 2014 Deloitte </a:t>
             </a:r>
             <a:r>
-              <a:rPr lang="en-US" dirty="0" err="1" smtClean="0"/>
+              <a:rPr lang="en-US" dirty="0" err="1"/>
               <a:t>Touche</a:t>
             </a:r>
             <a:r>
-              <a:rPr lang="en-US" dirty="0" smtClean="0"/>
+              <a:rPr lang="en-US" dirty="0"/>
               <a:t> Tohmatsu India Private Limited</a:t>
             </a:r>
-            <a:endParaRPr lang="en-US" dirty="0"/>
           </a:p>
         </p:txBody>
       </p:sp>
@@ -7801,13 +8022,6 @@
   <p:transition>
     <p:fade/>
   </p:transition>
-  <p:timing>
-    <p:tnLst>
-      <p:par>
-        <p:cTn id="1" dur="indefinite" restart="never" nodeType="tmRoot"/>
-      </p:par>
-    </p:tnLst>
-  </p:timing>
 </p:sldLayout>
 </file>
 
@@ -7900,18 +8114,17 @@
           </a:lstStyle>
           <a:p>
             <a:r>
-              <a:rPr lang="en-US" dirty="0" smtClean="0"/>
+              <a:rPr lang="en-US" dirty="0"/>
               <a:t> © 2014 Deloitte </a:t>
             </a:r>
             <a:r>
-              <a:rPr lang="en-US" dirty="0" err="1" smtClean="0"/>
+              <a:rPr lang="en-US" dirty="0" err="1"/>
               <a:t>Touche</a:t>
             </a:r>
             <a:r>
-              <a:rPr lang="en-US" dirty="0" smtClean="0"/>
+              <a:rPr lang="en-US" dirty="0"/>
               <a:t> Tohmatsu India Private Limited</a:t>
             </a:r>
-            <a:endParaRPr lang="en-US" dirty="0"/>
           </a:p>
         </p:txBody>
       </p:sp>
@@ -7923,13 +8136,6 @@
   <p:transition>
     <p:fade/>
   </p:transition>
-  <p:timing>
-    <p:tnLst>
-      <p:par>
-        <p:cTn id="1" dur="indefinite" restart="never" nodeType="tmRoot"/>
-      </p:par>
-    </p:tnLst>
-  </p:timing>
 </p:sldLayout>
 </file>
 
@@ -8116,35 +8322,35 @@
           <a:p>
             <a:pPr lvl="0"/>
             <a:r>
-              <a:rPr lang="en-US" smtClean="0"/>
+              <a:rPr lang="en-US"/>
               <a:t>Click to edit Master text styles</a:t>
             </a:r>
           </a:p>
           <a:p>
             <a:pPr lvl="1"/>
             <a:r>
-              <a:rPr lang="en-US" smtClean="0"/>
+              <a:rPr lang="en-US"/>
               <a:t>Second level</a:t>
             </a:r>
           </a:p>
           <a:p>
             <a:pPr lvl="2"/>
             <a:r>
-              <a:rPr lang="en-US" smtClean="0"/>
+              <a:rPr lang="en-US"/>
               <a:t>Third level</a:t>
             </a:r>
           </a:p>
           <a:p>
             <a:pPr lvl="3"/>
             <a:r>
-              <a:rPr lang="en-US" smtClean="0"/>
+              <a:rPr lang="en-US"/>
               <a:t>Fourth level</a:t>
             </a:r>
           </a:p>
           <a:p>
             <a:pPr lvl="4"/>
             <a:r>
-              <a:rPr lang="en-US" smtClean="0"/>
+              <a:rPr lang="en-US"/>
               <a:t>Fifth level</a:t>
             </a:r>
             <a:endParaRPr lang="en-US" dirty="0"/>
@@ -8194,7 +8400,7 @@
               <a:defRPr/>
             </a:pPr>
             <a:r>
-              <a:rPr lang="en-US" smtClean="0"/>
+              <a:rPr lang="en-US"/>
               <a:t>Click to edit Master title style</a:t>
             </a:r>
             <a:endParaRPr lang="en-US" dirty="0"/>
@@ -8274,10 +8480,10 @@
           </a:lstStyle>
           <a:p>
             <a:r>
-              <a:rPr lang="en-US" smtClean="0"/>
+              <a:rPr lang="en-US"/>
               <a:t>Click to edit Master title style</a:t>
             </a:r>
-            <a:endParaRPr lang="en-US" dirty="0" smtClean="0"/>
+            <a:endParaRPr lang="en-US" dirty="0"/>
           </a:p>
         </p:txBody>
       </p:sp>
@@ -8316,10 +8522,10 @@
           </a:lstStyle>
           <a:p>
             <a:r>
-              <a:rPr lang="en-US" smtClean="0"/>
+              <a:rPr lang="en-US"/>
               <a:t>Click to edit Master subtitle style</a:t>
             </a:r>
-            <a:endParaRPr smtClean="0"/>
+            <a:endParaRPr/>
           </a:p>
         </p:txBody>
       </p:sp>
@@ -8423,10 +8629,10 @@
           </a:lstStyle>
           <a:p>
             <a:r>
-              <a:rPr lang="en-US" smtClean="0"/>
+              <a:rPr lang="en-US"/>
               <a:t>Click to edit Master title style</a:t>
             </a:r>
-            <a:endParaRPr lang="en-US" dirty="0" smtClean="0"/>
+            <a:endParaRPr lang="en-US" dirty="0"/>
           </a:p>
         </p:txBody>
       </p:sp>
@@ -8465,10 +8671,10 @@
           </a:lstStyle>
           <a:p>
             <a:r>
-              <a:rPr lang="en-US" smtClean="0"/>
+              <a:rPr lang="en-US"/>
               <a:t>Click to edit Master subtitle style</a:t>
             </a:r>
-            <a:endParaRPr smtClean="0"/>
+            <a:endParaRPr/>
           </a:p>
         </p:txBody>
       </p:sp>
@@ -8550,10 +8756,10 @@
           </a:lstStyle>
           <a:p>
             <a:r>
-              <a:rPr lang="en-US" smtClean="0"/>
+              <a:rPr lang="en-US"/>
               <a:t>Click to edit Master title style</a:t>
             </a:r>
-            <a:endParaRPr lang="en-US" dirty="0" smtClean="0"/>
+            <a:endParaRPr lang="en-US" dirty="0"/>
           </a:p>
         </p:txBody>
       </p:sp>
@@ -8595,10 +8801,10 @@
           </a:lstStyle>
           <a:p>
             <a:r>
-              <a:rPr lang="en-US" smtClean="0"/>
+              <a:rPr lang="en-US"/>
               <a:t>Click to edit Master subtitle style</a:t>
             </a:r>
-            <a:endParaRPr smtClean="0"/>
+            <a:endParaRPr/>
           </a:p>
         </p:txBody>
       </p:sp>
@@ -8809,35 +9015,35 @@
           <a:p>
             <a:pPr lvl="0"/>
             <a:r>
-              <a:rPr lang="en-US" smtClean="0"/>
+              <a:rPr lang="en-US"/>
               <a:t>Click to edit Master text styles</a:t>
             </a:r>
           </a:p>
           <a:p>
             <a:pPr lvl="1"/>
             <a:r>
-              <a:rPr lang="en-US" smtClean="0"/>
+              <a:rPr lang="en-US"/>
               <a:t>Second level</a:t>
             </a:r>
           </a:p>
           <a:p>
             <a:pPr lvl="2"/>
             <a:r>
-              <a:rPr lang="en-US" smtClean="0"/>
+              <a:rPr lang="en-US"/>
               <a:t>Third level</a:t>
             </a:r>
           </a:p>
           <a:p>
             <a:pPr lvl="3"/>
             <a:r>
-              <a:rPr lang="en-US" smtClean="0"/>
+              <a:rPr lang="en-US"/>
               <a:t>Fourth level</a:t>
             </a:r>
           </a:p>
           <a:p>
             <a:pPr lvl="4"/>
             <a:r>
-              <a:rPr lang="en-US" smtClean="0"/>
+              <a:rPr lang="en-US"/>
               <a:t>Fifth level</a:t>
             </a:r>
             <a:endParaRPr lang="en-US" dirty="0"/>
@@ -8887,7 +9093,7 @@
               <a:defRPr/>
             </a:pPr>
             <a:r>
-              <a:rPr lang="en-US" smtClean="0"/>
+              <a:rPr lang="en-US"/>
               <a:t>Click to edit Master title style</a:t>
             </a:r>
             <a:endParaRPr lang="en-US" dirty="0"/>
@@ -9090,35 +9296,35 @@
           <a:p>
             <a:pPr lvl="0"/>
             <a:r>
-              <a:rPr lang="en-US" smtClean="0"/>
+              <a:rPr lang="en-US"/>
               <a:t>Click to edit Master text styles</a:t>
             </a:r>
           </a:p>
           <a:p>
             <a:pPr lvl="1"/>
             <a:r>
-              <a:rPr lang="en-US" smtClean="0"/>
+              <a:rPr lang="en-US"/>
               <a:t>Second level</a:t>
             </a:r>
           </a:p>
           <a:p>
             <a:pPr lvl="2"/>
             <a:r>
-              <a:rPr lang="en-US" smtClean="0"/>
+              <a:rPr lang="en-US"/>
               <a:t>Third level</a:t>
             </a:r>
           </a:p>
           <a:p>
             <a:pPr lvl="3"/>
             <a:r>
-              <a:rPr lang="en-US" smtClean="0"/>
+              <a:rPr lang="en-US"/>
               <a:t>Fourth level</a:t>
             </a:r>
           </a:p>
           <a:p>
             <a:pPr lvl="4"/>
             <a:r>
-              <a:rPr lang="en-US" smtClean="0"/>
+              <a:rPr lang="en-US"/>
               <a:t>Fifth level</a:t>
             </a:r>
             <a:endParaRPr lang="en-US" dirty="0"/>
@@ -9168,7 +9374,7 @@
               <a:defRPr/>
             </a:pPr>
             <a:r>
-              <a:rPr lang="en-US" smtClean="0"/>
+              <a:rPr lang="en-US"/>
               <a:t>Click to edit Master title style</a:t>
             </a:r>
             <a:endParaRPr lang="en-US" dirty="0"/>
@@ -9360,35 +9566,35 @@
           <a:p>
             <a:pPr lvl="0"/>
             <a:r>
-              <a:rPr lang="en-US" smtClean="0"/>
+              <a:rPr lang="en-US"/>
               <a:t>Click to edit Master text styles</a:t>
             </a:r>
           </a:p>
           <a:p>
             <a:pPr lvl="1"/>
             <a:r>
-              <a:rPr lang="en-US" smtClean="0"/>
+              <a:rPr lang="en-US"/>
               <a:t>Second level</a:t>
             </a:r>
           </a:p>
           <a:p>
             <a:pPr lvl="2"/>
             <a:r>
-              <a:rPr lang="en-US" smtClean="0"/>
+              <a:rPr lang="en-US"/>
               <a:t>Third level</a:t>
             </a:r>
           </a:p>
           <a:p>
             <a:pPr lvl="3"/>
             <a:r>
-              <a:rPr lang="en-US" smtClean="0"/>
+              <a:rPr lang="en-US"/>
               <a:t>Fourth level</a:t>
             </a:r>
           </a:p>
           <a:p>
             <a:pPr lvl="4"/>
             <a:r>
-              <a:rPr lang="en-US" smtClean="0"/>
+              <a:rPr lang="en-US"/>
               <a:t>Fifth level</a:t>
             </a:r>
             <a:endParaRPr lang="en-US" dirty="0"/>
@@ -9438,7 +9644,7 @@
               <a:defRPr/>
             </a:pPr>
             <a:r>
-              <a:rPr lang="en-US" smtClean="0"/>
+              <a:rPr lang="en-US"/>
               <a:t>Click to edit Master title style</a:t>
             </a:r>
             <a:endParaRPr lang="en-US" dirty="0"/>
@@ -9600,35 +9806,35 @@
           <a:p>
             <a:pPr lvl="0"/>
             <a:r>
-              <a:rPr lang="en-US" smtClean="0"/>
+              <a:rPr lang="en-US"/>
               <a:t>Click to edit Master text styles</a:t>
             </a:r>
           </a:p>
           <a:p>
             <a:pPr lvl="1"/>
             <a:r>
-              <a:rPr lang="en-US" smtClean="0"/>
+              <a:rPr lang="en-US"/>
               <a:t>Second level</a:t>
             </a:r>
           </a:p>
           <a:p>
             <a:pPr lvl="2"/>
             <a:r>
-              <a:rPr lang="en-US" smtClean="0"/>
+              <a:rPr lang="en-US"/>
               <a:t>Third level</a:t>
             </a:r>
           </a:p>
           <a:p>
             <a:pPr lvl="3"/>
             <a:r>
-              <a:rPr lang="en-US" smtClean="0"/>
+              <a:rPr lang="en-US"/>
               <a:t>Fourth level</a:t>
             </a:r>
           </a:p>
           <a:p>
             <a:pPr lvl="4"/>
             <a:r>
-              <a:rPr lang="en-US" smtClean="0"/>
+              <a:rPr lang="en-US"/>
               <a:t>Fifth level</a:t>
             </a:r>
             <a:endParaRPr lang="en-US" dirty="0"/>
@@ -9708,7 +9914,7 @@
               <a:defRPr/>
             </a:pPr>
             <a:r>
-              <a:rPr lang="en-US" smtClean="0"/>
+              <a:rPr lang="en-US"/>
               <a:t>Click to edit Master title style</a:t>
             </a:r>
             <a:endParaRPr lang="en-US" dirty="0"/>
@@ -9870,35 +10076,35 @@
           <a:p>
             <a:pPr lvl="0"/>
             <a:r>
-              <a:rPr lang="en-US" smtClean="0"/>
+              <a:rPr lang="en-US"/>
               <a:t>Click to edit Master text styles</a:t>
             </a:r>
           </a:p>
           <a:p>
             <a:pPr lvl="1"/>
             <a:r>
-              <a:rPr lang="en-US" smtClean="0"/>
+              <a:rPr lang="en-US"/>
               <a:t>Second level</a:t>
             </a:r>
           </a:p>
           <a:p>
             <a:pPr lvl="2"/>
             <a:r>
-              <a:rPr lang="en-US" smtClean="0"/>
+              <a:rPr lang="en-US"/>
               <a:t>Third level</a:t>
             </a:r>
           </a:p>
           <a:p>
             <a:pPr lvl="3"/>
             <a:r>
-              <a:rPr lang="en-US" smtClean="0"/>
+              <a:rPr lang="en-US"/>
               <a:t>Fourth level</a:t>
             </a:r>
           </a:p>
           <a:p>
             <a:pPr lvl="4"/>
             <a:r>
-              <a:rPr lang="en-US" smtClean="0"/>
+              <a:rPr lang="en-US"/>
               <a:t>Fifth level</a:t>
             </a:r>
             <a:endParaRPr lang="en-US" dirty="0"/>
@@ -10060,35 +10266,35 @@
           <a:p>
             <a:pPr lvl="0"/>
             <a:r>
-              <a:rPr lang="en-US" smtClean="0"/>
+              <a:rPr lang="en-US"/>
               <a:t>Click to edit Master text styles</a:t>
             </a:r>
           </a:p>
           <a:p>
             <a:pPr lvl="1"/>
             <a:r>
-              <a:rPr lang="en-US" smtClean="0"/>
+              <a:rPr lang="en-US"/>
               <a:t>Second level</a:t>
             </a:r>
           </a:p>
           <a:p>
             <a:pPr lvl="2"/>
             <a:r>
-              <a:rPr lang="en-US" smtClean="0"/>
+              <a:rPr lang="en-US"/>
               <a:t>Third level</a:t>
             </a:r>
           </a:p>
           <a:p>
             <a:pPr lvl="3"/>
             <a:r>
-              <a:rPr lang="en-US" smtClean="0"/>
+              <a:rPr lang="en-US"/>
               <a:t>Fourth level</a:t>
             </a:r>
           </a:p>
           <a:p>
             <a:pPr lvl="4"/>
             <a:r>
-              <a:rPr lang="en-US" smtClean="0"/>
+              <a:rPr lang="en-US"/>
               <a:t>Fifth level</a:t>
             </a:r>
             <a:endParaRPr lang="en-US" dirty="0"/>
@@ -10250,35 +10456,35 @@
           <a:p>
             <a:pPr lvl="0"/>
             <a:r>
-              <a:rPr lang="en-US" smtClean="0"/>
+              <a:rPr lang="en-US"/>
               <a:t>Click to edit Master text styles</a:t>
             </a:r>
           </a:p>
           <a:p>
             <a:pPr lvl="1"/>
             <a:r>
-              <a:rPr lang="en-US" smtClean="0"/>
+              <a:rPr lang="en-US"/>
               <a:t>Second level</a:t>
             </a:r>
           </a:p>
           <a:p>
             <a:pPr lvl="2"/>
             <a:r>
-              <a:rPr lang="en-US" smtClean="0"/>
+              <a:rPr lang="en-US"/>
               <a:t>Third level</a:t>
             </a:r>
           </a:p>
           <a:p>
             <a:pPr lvl="3"/>
             <a:r>
-              <a:rPr lang="en-US" smtClean="0"/>
+              <a:rPr lang="en-US"/>
               <a:t>Fourth level</a:t>
             </a:r>
           </a:p>
           <a:p>
             <a:pPr lvl="4"/>
             <a:r>
-              <a:rPr lang="en-US" smtClean="0"/>
+              <a:rPr lang="en-US"/>
               <a:t>Fifth level</a:t>
             </a:r>
             <a:endParaRPr lang="en-US" dirty="0"/>
@@ -10390,7 +10596,7 @@
           </a:lstStyle>
           <a:p>
             <a:r>
-              <a:rPr lang="en-US" smtClean="0"/>
+              <a:rPr lang="en-US"/>
               <a:t>Click to edit Master title style</a:t>
             </a:r>
             <a:endParaRPr lang="en-GB" dirty="0"/>
@@ -10512,7 +10718,7 @@
           </a:lstStyle>
           <a:p>
             <a:r>
-              <a:rPr lang="en-US" smtClean="0"/>
+              <a:rPr lang="en-US"/>
               <a:t>Click to edit Master subtitle style</a:t>
             </a:r>
             <a:endParaRPr lang="en-GB" dirty="0"/>
@@ -10615,18 +10821,17 @@
           </a:lstStyle>
           <a:p>
             <a:r>
-              <a:rPr lang="en-US" dirty="0" smtClean="0"/>
+              <a:rPr lang="en-US" dirty="0"/>
               <a:t> © 2014 Deloitte </a:t>
             </a:r>
             <a:r>
-              <a:rPr lang="en-US" dirty="0" err="1" smtClean="0"/>
+              <a:rPr lang="en-US" dirty="0" err="1"/>
               <a:t>Touche</a:t>
             </a:r>
             <a:r>
-              <a:rPr lang="en-US" dirty="0" smtClean="0"/>
+              <a:rPr lang="en-US" dirty="0"/>
               <a:t> Tohmatsu India Private Limited</a:t>
             </a:r>
-            <a:endParaRPr lang="en-US" dirty="0"/>
           </a:p>
         </p:txBody>
       </p:sp>
@@ -10638,13 +10843,6 @@
   <p:transition>
     <p:fade/>
   </p:transition>
-  <p:timing>
-    <p:tnLst>
-      <p:par>
-        <p:cTn id="1" dur="indefinite" restart="never" nodeType="tmRoot"/>
-      </p:par>
-    </p:tnLst>
-  </p:timing>
 </p:sldLayout>
 </file>
 
@@ -10731,35 +10929,35 @@
           <a:p>
             <a:pPr lvl="0"/>
             <a:r>
-              <a:rPr lang="en-US" smtClean="0"/>
+              <a:rPr lang="en-US"/>
               <a:t>Click to edit Master text styles</a:t>
             </a:r>
           </a:p>
           <a:p>
             <a:pPr lvl="1"/>
             <a:r>
-              <a:rPr lang="en-US" smtClean="0"/>
+              <a:rPr lang="en-US"/>
               <a:t>Second level</a:t>
             </a:r>
           </a:p>
           <a:p>
             <a:pPr lvl="2"/>
             <a:r>
-              <a:rPr lang="en-US" smtClean="0"/>
+              <a:rPr lang="en-US"/>
               <a:t>Third level</a:t>
             </a:r>
           </a:p>
           <a:p>
             <a:pPr lvl="3"/>
             <a:r>
-              <a:rPr lang="en-US" smtClean="0"/>
+              <a:rPr lang="en-US"/>
               <a:t>Fourth level</a:t>
             </a:r>
           </a:p>
           <a:p>
             <a:pPr lvl="4"/>
             <a:r>
-              <a:rPr lang="en-US" smtClean="0"/>
+              <a:rPr lang="en-US"/>
               <a:t>Fifth level</a:t>
             </a:r>
             <a:endParaRPr lang="en-US" dirty="0"/>
@@ -10799,7 +10997,7 @@
           <a:p>
             <a:pPr lvl="0"/>
             <a:r>
-              <a:rPr lang="en-US" smtClean="0"/>
+              <a:rPr lang="en-US"/>
               <a:t>Click to edit Master text styles</a:t>
             </a:r>
           </a:p>
@@ -10923,7 +11121,7 @@
           <a:p>
             <a:pPr lvl="0"/>
             <a:r>
-              <a:rPr lang="en-US" smtClean="0"/>
+              <a:rPr lang="en-US"/>
               <a:t>Click to edit Master text styles</a:t>
             </a:r>
           </a:p>
@@ -10978,7 +11176,7 @@
               <a:defRPr/>
             </a:pPr>
             <a:r>
-              <a:rPr lang="en-US" smtClean="0"/>
+              <a:rPr lang="en-US"/>
               <a:t>Click to edit Master title style</a:t>
             </a:r>
             <a:endParaRPr lang="en-US" dirty="0"/>
@@ -11081,35 +11279,35 @@
           <a:p>
             <a:pPr lvl="0"/>
             <a:r>
-              <a:rPr lang="en-US" smtClean="0"/>
+              <a:rPr lang="en-US"/>
               <a:t>Click to edit Master text styles</a:t>
             </a:r>
           </a:p>
           <a:p>
             <a:pPr lvl="1"/>
             <a:r>
-              <a:rPr lang="en-US" smtClean="0"/>
+              <a:rPr lang="en-US"/>
               <a:t>Second level</a:t>
             </a:r>
           </a:p>
           <a:p>
             <a:pPr lvl="2"/>
             <a:r>
-              <a:rPr lang="en-US" smtClean="0"/>
+              <a:rPr lang="en-US"/>
               <a:t>Third level</a:t>
             </a:r>
           </a:p>
           <a:p>
             <a:pPr lvl="3"/>
             <a:r>
-              <a:rPr lang="en-US" smtClean="0"/>
+              <a:rPr lang="en-US"/>
               <a:t>Fourth level</a:t>
             </a:r>
           </a:p>
           <a:p>
             <a:pPr lvl="4"/>
             <a:r>
-              <a:rPr lang="en-US" smtClean="0"/>
+              <a:rPr lang="en-US"/>
               <a:t>Fifth level</a:t>
             </a:r>
             <a:endParaRPr lang="en-US" dirty="0"/>
@@ -11149,7 +11347,7 @@
           <a:p>
             <a:pPr lvl="0"/>
             <a:r>
-              <a:rPr lang="en-US" smtClean="0"/>
+              <a:rPr lang="en-US"/>
               <a:t>Click to edit Master text styles</a:t>
             </a:r>
           </a:p>
@@ -11273,7 +11471,7 @@
           <a:p>
             <a:pPr lvl="0"/>
             <a:r>
-              <a:rPr lang="en-US" smtClean="0"/>
+              <a:rPr lang="en-US"/>
               <a:t>Click to edit Master text styles</a:t>
             </a:r>
           </a:p>
@@ -11328,7 +11526,7 @@
               <a:defRPr/>
             </a:pPr>
             <a:r>
-              <a:rPr lang="en-US" smtClean="0"/>
+              <a:rPr lang="en-US"/>
               <a:t>Click to edit Master title style</a:t>
             </a:r>
             <a:endParaRPr lang="en-US" dirty="0"/>
@@ -11401,35 +11599,35 @@
           <a:p>
             <a:pPr lvl="0"/>
             <a:r>
-              <a:rPr lang="en-US" smtClean="0"/>
+              <a:rPr lang="en-US"/>
               <a:t>Click to edit Master text styles</a:t>
             </a:r>
           </a:p>
           <a:p>
             <a:pPr lvl="1"/>
             <a:r>
-              <a:rPr lang="en-US" smtClean="0"/>
+              <a:rPr lang="en-US"/>
               <a:t>Second level</a:t>
             </a:r>
           </a:p>
           <a:p>
             <a:pPr lvl="2"/>
             <a:r>
-              <a:rPr lang="en-US" smtClean="0"/>
+              <a:rPr lang="en-US"/>
               <a:t>Third level</a:t>
             </a:r>
           </a:p>
           <a:p>
             <a:pPr lvl="3"/>
             <a:r>
-              <a:rPr lang="en-US" smtClean="0"/>
+              <a:rPr lang="en-US"/>
               <a:t>Fourth level</a:t>
             </a:r>
           </a:p>
           <a:p>
             <a:pPr lvl="4"/>
             <a:r>
-              <a:rPr lang="en-US" smtClean="0"/>
+              <a:rPr lang="en-US"/>
               <a:t>Fifth level</a:t>
             </a:r>
             <a:endParaRPr lang="en-US" dirty="0"/>
@@ -11469,7 +11667,7 @@
           <a:p>
             <a:pPr lvl="0"/>
             <a:r>
-              <a:rPr lang="en-US" smtClean="0"/>
+              <a:rPr lang="en-US"/>
               <a:t>Click to edit Master text styles</a:t>
             </a:r>
           </a:p>
@@ -11593,7 +11791,7 @@
           <a:p>
             <a:pPr lvl="0"/>
             <a:r>
-              <a:rPr lang="en-US" smtClean="0"/>
+              <a:rPr lang="en-US"/>
               <a:t>Click to edit Master text styles</a:t>
             </a:r>
           </a:p>
@@ -11672,7 +11870,7 @@
               <a:defRPr/>
             </a:pPr>
             <a:r>
-              <a:rPr lang="en-US" smtClean="0"/>
+              <a:rPr lang="en-US"/>
               <a:t>Click to edit Master title style</a:t>
             </a:r>
             <a:endParaRPr lang="en-US" dirty="0"/>
@@ -11786,7 +11984,7 @@
           <a:p>
             <a:pPr lvl="0"/>
             <a:r>
-              <a:rPr lang="en-US" smtClean="0"/>
+              <a:rPr lang="en-US"/>
               <a:t>Click to edit Master text styles</a:t>
             </a:r>
           </a:p>
@@ -11848,10 +12046,9 @@
           </a:lstStyle>
           <a:p>
             <a:r>
-              <a:rPr lang="en-US" dirty="0" smtClean="0"/>
+              <a:rPr lang="en-US" dirty="0"/>
               <a:t>Click to edit Master title style</a:t>
             </a:r>
-            <a:endParaRPr lang="en-US" dirty="0"/>
           </a:p>
         </p:txBody>
       </p:sp>
@@ -11877,7 +12074,7 @@
           <a:p>
             <a:pPr lvl="0"/>
             <a:r>
-              <a:rPr lang="en-US" noProof="0" dirty="0" smtClean="0"/>
+              <a:rPr lang="en-US" noProof="0" dirty="0"/>
               <a:t>Click icon to add table</a:t>
             </a:r>
           </a:p>
@@ -11934,10 +12131,9 @@
           <a:lstStyle/>
           <a:p>
             <a:r>
-              <a:rPr lang="en-US" smtClean="0"/>
+              <a:rPr lang="en-US"/>
               <a:t>Click to edit Master title style</a:t>
             </a:r>
-            <a:endParaRPr lang="en-US"/>
           </a:p>
         </p:txBody>
       </p:sp>
@@ -11963,38 +12159,37 @@
           <a:p>
             <a:pPr lvl="0"/>
             <a:r>
-              <a:rPr lang="en-US" smtClean="0"/>
+              <a:rPr lang="en-US"/>
               <a:t>Click to edit Master text styles</a:t>
             </a:r>
           </a:p>
           <a:p>
             <a:pPr lvl="1"/>
             <a:r>
-              <a:rPr lang="en-US" smtClean="0"/>
+              <a:rPr lang="en-US"/>
               <a:t>Second level</a:t>
             </a:r>
           </a:p>
           <a:p>
             <a:pPr lvl="2"/>
             <a:r>
-              <a:rPr lang="en-US" smtClean="0"/>
+              <a:rPr lang="en-US"/>
               <a:t>Third level</a:t>
             </a:r>
           </a:p>
           <a:p>
             <a:pPr lvl="3"/>
             <a:r>
-              <a:rPr lang="en-US" smtClean="0"/>
+              <a:rPr lang="en-US"/>
               <a:t>Fourth level</a:t>
             </a:r>
           </a:p>
           <a:p>
             <a:pPr lvl="4"/>
             <a:r>
-              <a:rPr lang="en-US" smtClean="0"/>
+              <a:rPr lang="en-US"/>
               <a:t>Fifth level</a:t>
             </a:r>
-            <a:endParaRPr lang="en-US"/>
           </a:p>
         </p:txBody>
       </p:sp>
@@ -12173,10 +12368,9 @@
           <a:lstStyle/>
           <a:p>
             <a:r>
-              <a:rPr lang="en-US" smtClean="0"/>
+              <a:rPr lang="en-US"/>
               <a:t>Click to edit Master title style</a:t>
             </a:r>
-            <a:endParaRPr lang="en-US"/>
           </a:p>
         </p:txBody>
       </p:sp>
@@ -12230,38 +12424,37 @@
           <a:p>
             <a:pPr lvl="0"/>
             <a:r>
-              <a:rPr lang="en-US" smtClean="0"/>
+              <a:rPr lang="en-US"/>
               <a:t>Click to edit Master text styles</a:t>
             </a:r>
           </a:p>
           <a:p>
             <a:pPr lvl="1"/>
             <a:r>
-              <a:rPr lang="en-US" smtClean="0"/>
+              <a:rPr lang="en-US"/>
               <a:t>Second level</a:t>
             </a:r>
           </a:p>
           <a:p>
             <a:pPr lvl="2"/>
             <a:r>
-              <a:rPr lang="en-US" smtClean="0"/>
+              <a:rPr lang="en-US"/>
               <a:t>Third level</a:t>
             </a:r>
           </a:p>
           <a:p>
             <a:pPr lvl="3"/>
             <a:r>
-              <a:rPr lang="en-US" smtClean="0"/>
+              <a:rPr lang="en-US"/>
               <a:t>Fourth level</a:t>
             </a:r>
           </a:p>
           <a:p>
             <a:pPr lvl="4"/>
             <a:r>
-              <a:rPr lang="en-US" smtClean="0"/>
+              <a:rPr lang="en-US"/>
               <a:t>Fifth level</a:t>
             </a:r>
-            <a:endParaRPr lang="en-US"/>
           </a:p>
         </p:txBody>
       </p:sp>
@@ -12315,38 +12508,37 @@
           <a:p>
             <a:pPr lvl="0"/>
             <a:r>
-              <a:rPr lang="en-US" smtClean="0"/>
+              <a:rPr lang="en-US"/>
               <a:t>Click to edit Master text styles</a:t>
             </a:r>
           </a:p>
           <a:p>
             <a:pPr lvl="1"/>
             <a:r>
-              <a:rPr lang="en-US" smtClean="0"/>
+              <a:rPr lang="en-US"/>
               <a:t>Second level</a:t>
             </a:r>
           </a:p>
           <a:p>
             <a:pPr lvl="2"/>
             <a:r>
-              <a:rPr lang="en-US" smtClean="0"/>
+              <a:rPr lang="en-US"/>
               <a:t>Third level</a:t>
             </a:r>
           </a:p>
           <a:p>
             <a:pPr lvl="3"/>
             <a:r>
-              <a:rPr lang="en-US" smtClean="0"/>
+              <a:rPr lang="en-US"/>
               <a:t>Fourth level</a:t>
             </a:r>
           </a:p>
           <a:p>
             <a:pPr lvl="4"/>
             <a:r>
-              <a:rPr lang="en-US" smtClean="0"/>
+              <a:rPr lang="en-US"/>
               <a:t>Fifth level</a:t>
             </a:r>
-            <a:endParaRPr lang="en-US"/>
           </a:p>
         </p:txBody>
       </p:sp>
@@ -12572,10 +12764,9 @@
           </a:lstStyle>
           <a:p>
             <a:r>
-              <a:rPr lang="en-US" smtClean="0"/>
+              <a:rPr lang="en-US"/>
               <a:t>Click to edit Master title style</a:t>
             </a:r>
-            <a:endParaRPr lang="en-US"/>
           </a:p>
         </p:txBody>
       </p:sp>
@@ -12638,7 +12829,7 @@
           <a:p>
             <a:pPr lvl="0"/>
             <a:r>
-              <a:rPr lang="en-US" smtClean="0"/>
+              <a:rPr lang="en-US"/>
               <a:t>Click to edit Master text styles</a:t>
             </a:r>
           </a:p>
@@ -12654,13 +12845,6 @@
   <p:clrMapOvr>
     <a:masterClrMapping/>
   </p:clrMapOvr>
-  <p:timing>
-    <p:tnLst>
-      <p:par>
-        <p:cTn id="1" dur="indefinite" restart="never" nodeType="tmRoot"/>
-      </p:par>
-    </p:tnLst>
-  </p:timing>
 </p:sldLayout>
 </file>
 
@@ -12697,10 +12881,9 @@
           <a:lstStyle/>
           <a:p>
             <a:r>
-              <a:rPr lang="en-US" smtClean="0"/>
+              <a:rPr lang="en-US"/>
               <a:t>Click to edit Master title style</a:t>
             </a:r>
-            <a:endParaRPr lang="en-US"/>
           </a:p>
         </p:txBody>
       </p:sp>
@@ -12721,38 +12904,37 @@
           <a:p>
             <a:pPr lvl="0"/>
             <a:r>
-              <a:rPr lang="en-US" smtClean="0"/>
+              <a:rPr lang="en-US"/>
               <a:t>Click to edit Master text styles</a:t>
             </a:r>
           </a:p>
           <a:p>
             <a:pPr lvl="1"/>
             <a:r>
-              <a:rPr lang="en-US" smtClean="0"/>
+              <a:rPr lang="en-US"/>
               <a:t>Second level</a:t>
             </a:r>
           </a:p>
           <a:p>
             <a:pPr lvl="2"/>
             <a:r>
-              <a:rPr lang="en-US" smtClean="0"/>
+              <a:rPr lang="en-US"/>
               <a:t>Third level</a:t>
             </a:r>
           </a:p>
           <a:p>
             <a:pPr lvl="3"/>
             <a:r>
-              <a:rPr lang="en-US" smtClean="0"/>
+              <a:rPr lang="en-US"/>
               <a:t>Fourth level</a:t>
             </a:r>
           </a:p>
           <a:p>
             <a:pPr lvl="4"/>
             <a:r>
-              <a:rPr lang="en-US" smtClean="0"/>
+              <a:rPr lang="en-US"/>
               <a:t>Fifth level</a:t>
             </a:r>
-            <a:endParaRPr lang="en-US"/>
           </a:p>
         </p:txBody>
       </p:sp>
@@ -12819,7 +13001,7 @@
           <a:p>
             <a:pPr lvl="0"/>
             <a:r>
-              <a:rPr lang="en-US" smtClean="0"/>
+              <a:rPr lang="en-US"/>
               <a:t>Click to edit Master text styles</a:t>
             </a:r>
           </a:p>
@@ -12851,7 +13033,7 @@
           <a:lstStyle/>
           <a:p>
             <a:r>
-              <a:rPr lang="en-US" smtClean="0"/>
+              <a:rPr lang="en-US"/>
               <a:t>Click to edit Master title style</a:t>
             </a:r>
             <a:endParaRPr lang="en-GB" dirty="0"/>
@@ -12880,35 +13062,35 @@
           <a:p>
             <a:pPr lvl="0"/>
             <a:r>
-              <a:rPr lang="en-US" smtClean="0"/>
+              <a:rPr lang="en-US"/>
               <a:t>Click to edit Master text styles</a:t>
             </a:r>
           </a:p>
           <a:p>
             <a:pPr lvl="1"/>
             <a:r>
-              <a:rPr lang="en-US" smtClean="0"/>
+              <a:rPr lang="en-US"/>
               <a:t>Second level</a:t>
             </a:r>
           </a:p>
           <a:p>
             <a:pPr lvl="2"/>
             <a:r>
-              <a:rPr lang="en-US" smtClean="0"/>
+              <a:rPr lang="en-US"/>
               <a:t>Third level</a:t>
             </a:r>
           </a:p>
           <a:p>
             <a:pPr lvl="3"/>
             <a:r>
-              <a:rPr lang="en-US" smtClean="0"/>
+              <a:rPr lang="en-US"/>
               <a:t>Fourth level</a:t>
             </a:r>
           </a:p>
           <a:p>
             <a:pPr lvl="4"/>
             <a:r>
-              <a:rPr lang="en-US" smtClean="0"/>
+              <a:rPr lang="en-US"/>
               <a:t>Fifth level</a:t>
             </a:r>
             <a:endParaRPr lang="en-GB" dirty="0"/>
@@ -12947,18 +13129,17 @@
           </a:lstStyle>
           <a:p>
             <a:r>
-              <a:rPr lang="en-US" dirty="0" smtClean="0"/>
+              <a:rPr lang="en-US" dirty="0"/>
               <a:t> © 2014 Deloitte </a:t>
             </a:r>
             <a:r>
-              <a:rPr lang="en-US" dirty="0" err="1" smtClean="0"/>
+              <a:rPr lang="en-US" dirty="0" err="1"/>
               <a:t>Touche</a:t>
             </a:r>
             <a:r>
-              <a:rPr lang="en-US" dirty="0" smtClean="0"/>
+              <a:rPr lang="en-US" dirty="0"/>
               <a:t> Tohmatsu India Private Limited</a:t>
             </a:r>
-            <a:endParaRPr lang="en-US" dirty="0"/>
           </a:p>
         </p:txBody>
       </p:sp>
@@ -13010,13 +13191,6 @@
   <p:transition>
     <p:fade/>
   </p:transition>
-  <p:timing>
-    <p:tnLst>
-      <p:par>
-        <p:cTn id="1" dur="indefinite" restart="never" nodeType="tmRoot"/>
-      </p:par>
-    </p:tnLst>
-  </p:timing>
 </p:sldLayout>
 </file>
 
@@ -13058,10 +13232,9 @@
           <a:lstStyle/>
           <a:p>
             <a:r>
-              <a:rPr lang="en-US" smtClean="0"/>
+              <a:rPr lang="en-US"/>
               <a:t>Click to edit Master title style</a:t>
             </a:r>
-            <a:endParaRPr lang="en-US"/>
           </a:p>
         </p:txBody>
       </p:sp>
@@ -13087,38 +13260,37 @@
           <a:p>
             <a:pPr lvl="0"/>
             <a:r>
-              <a:rPr lang="en-US" smtClean="0"/>
+              <a:rPr lang="en-US"/>
               <a:t>Click to edit Master text styles</a:t>
             </a:r>
           </a:p>
           <a:p>
             <a:pPr lvl="1"/>
             <a:r>
-              <a:rPr lang="en-US" smtClean="0"/>
+              <a:rPr lang="en-US"/>
               <a:t>Second level</a:t>
             </a:r>
           </a:p>
           <a:p>
             <a:pPr lvl="2"/>
             <a:r>
-              <a:rPr lang="en-US" smtClean="0"/>
+              <a:rPr lang="en-US"/>
               <a:t>Third level</a:t>
             </a:r>
           </a:p>
           <a:p>
             <a:pPr lvl="3"/>
             <a:r>
-              <a:rPr lang="en-US" smtClean="0"/>
+              <a:rPr lang="en-US"/>
               <a:t>Fourth level</a:t>
             </a:r>
           </a:p>
           <a:p>
             <a:pPr lvl="4"/>
             <a:r>
-              <a:rPr lang="en-US" smtClean="0"/>
+              <a:rPr lang="en-US"/>
               <a:t>Fifth level</a:t>
             </a:r>
-            <a:endParaRPr lang="en-US"/>
           </a:p>
         </p:txBody>
       </p:sp>
@@ -13144,38 +13316,37 @@
           <a:p>
             <a:pPr lvl="0"/>
             <a:r>
-              <a:rPr lang="en-US" smtClean="0"/>
+              <a:rPr lang="en-US"/>
               <a:t>Click to edit Master text styles</a:t>
             </a:r>
           </a:p>
           <a:p>
             <a:pPr lvl="1"/>
             <a:r>
-              <a:rPr lang="en-US" smtClean="0"/>
+              <a:rPr lang="en-US"/>
               <a:t>Second level</a:t>
             </a:r>
           </a:p>
           <a:p>
             <a:pPr lvl="2"/>
             <a:r>
-              <a:rPr lang="en-US" smtClean="0"/>
+              <a:rPr lang="en-US"/>
               <a:t>Third level</a:t>
             </a:r>
           </a:p>
           <a:p>
             <a:pPr lvl="3"/>
             <a:r>
-              <a:rPr lang="en-US" smtClean="0"/>
+              <a:rPr lang="en-US"/>
               <a:t>Fourth level</a:t>
             </a:r>
           </a:p>
           <a:p>
             <a:pPr lvl="4"/>
             <a:r>
-              <a:rPr lang="en-US" smtClean="0"/>
+              <a:rPr lang="en-US"/>
               <a:t>Fifth level</a:t>
             </a:r>
-            <a:endParaRPr lang="en-US"/>
           </a:p>
         </p:txBody>
       </p:sp>
@@ -13201,38 +13372,37 @@
           <a:p>
             <a:pPr lvl="0"/>
             <a:r>
-              <a:rPr lang="en-US" smtClean="0"/>
+              <a:rPr lang="en-US"/>
               <a:t>Click to edit Master text styles</a:t>
             </a:r>
           </a:p>
           <a:p>
             <a:pPr lvl="1"/>
             <a:r>
-              <a:rPr lang="en-US" smtClean="0"/>
+              <a:rPr lang="en-US"/>
               <a:t>Second level</a:t>
             </a:r>
           </a:p>
           <a:p>
             <a:pPr lvl="2"/>
             <a:r>
-              <a:rPr lang="en-US" smtClean="0"/>
+              <a:rPr lang="en-US"/>
               <a:t>Third level</a:t>
             </a:r>
           </a:p>
           <a:p>
             <a:pPr lvl="3"/>
             <a:r>
-              <a:rPr lang="en-US" smtClean="0"/>
+              <a:rPr lang="en-US"/>
               <a:t>Fourth level</a:t>
             </a:r>
           </a:p>
           <a:p>
             <a:pPr lvl="4"/>
             <a:r>
-              <a:rPr lang="en-US" smtClean="0"/>
+              <a:rPr lang="en-US"/>
               <a:t>Fifth level</a:t>
             </a:r>
-            <a:endParaRPr lang="en-US"/>
           </a:p>
         </p:txBody>
       </p:sp>
@@ -13351,10 +13521,9 @@
           <a:lstStyle/>
           <a:p>
             <a:r>
-              <a:rPr lang="en-US" smtClean="0"/>
+              <a:rPr lang="en-US"/>
               <a:t>Click to edit Master title style</a:t>
             </a:r>
-            <a:endParaRPr lang="en-US"/>
           </a:p>
         </p:txBody>
       </p:sp>
@@ -13380,38 +13549,37 @@
           <a:p>
             <a:pPr lvl="0"/>
             <a:r>
-              <a:rPr lang="en-US" smtClean="0"/>
+              <a:rPr lang="en-US"/>
               <a:t>Click to edit Master text styles</a:t>
             </a:r>
           </a:p>
           <a:p>
             <a:pPr lvl="1"/>
             <a:r>
-              <a:rPr lang="en-US" smtClean="0"/>
+              <a:rPr lang="en-US"/>
               <a:t>Second level</a:t>
             </a:r>
           </a:p>
           <a:p>
             <a:pPr lvl="2"/>
             <a:r>
-              <a:rPr lang="en-US" smtClean="0"/>
+              <a:rPr lang="en-US"/>
               <a:t>Third level</a:t>
             </a:r>
           </a:p>
           <a:p>
             <a:pPr lvl="3"/>
             <a:r>
-              <a:rPr lang="en-US" smtClean="0"/>
+              <a:rPr lang="en-US"/>
               <a:t>Fourth level</a:t>
             </a:r>
           </a:p>
           <a:p>
             <a:pPr lvl="4"/>
             <a:r>
-              <a:rPr lang="en-US" smtClean="0"/>
+              <a:rPr lang="en-US"/>
               <a:t>Fifth level</a:t>
             </a:r>
-            <a:endParaRPr lang="en-US"/>
           </a:p>
         </p:txBody>
       </p:sp>
@@ -13437,38 +13605,37 @@
           <a:p>
             <a:pPr lvl="0"/>
             <a:r>
-              <a:rPr lang="en-US" smtClean="0"/>
+              <a:rPr lang="en-US"/>
               <a:t>Click to edit Master text styles</a:t>
             </a:r>
           </a:p>
           <a:p>
             <a:pPr lvl="1"/>
             <a:r>
-              <a:rPr lang="en-US" smtClean="0"/>
+              <a:rPr lang="en-US"/>
               <a:t>Second level</a:t>
             </a:r>
           </a:p>
           <a:p>
             <a:pPr lvl="2"/>
             <a:r>
-              <a:rPr lang="en-US" smtClean="0"/>
+              <a:rPr lang="en-US"/>
               <a:t>Third level</a:t>
             </a:r>
           </a:p>
           <a:p>
             <a:pPr lvl="3"/>
             <a:r>
-              <a:rPr lang="en-US" smtClean="0"/>
+              <a:rPr lang="en-US"/>
               <a:t>Fourth level</a:t>
             </a:r>
           </a:p>
           <a:p>
             <a:pPr lvl="4"/>
             <a:r>
-              <a:rPr lang="en-US" smtClean="0"/>
+              <a:rPr lang="en-US"/>
               <a:t>Fifth level</a:t>
             </a:r>
-            <a:endParaRPr lang="en-US"/>
           </a:p>
         </p:txBody>
       </p:sp>
@@ -13494,38 +13661,37 @@
           <a:p>
             <a:pPr lvl="0"/>
             <a:r>
-              <a:rPr lang="en-US" smtClean="0"/>
+              <a:rPr lang="en-US"/>
               <a:t>Click to edit Master text styles</a:t>
             </a:r>
           </a:p>
           <a:p>
             <a:pPr lvl="1"/>
             <a:r>
-              <a:rPr lang="en-US" smtClean="0"/>
+              <a:rPr lang="en-US"/>
               <a:t>Second level</a:t>
             </a:r>
           </a:p>
           <a:p>
             <a:pPr lvl="2"/>
             <a:r>
-              <a:rPr lang="en-US" smtClean="0"/>
+              <a:rPr lang="en-US"/>
               <a:t>Third level</a:t>
             </a:r>
           </a:p>
           <a:p>
             <a:pPr lvl="3"/>
             <a:r>
-              <a:rPr lang="en-US" smtClean="0"/>
+              <a:rPr lang="en-US"/>
               <a:t>Fourth level</a:t>
             </a:r>
           </a:p>
           <a:p>
             <a:pPr lvl="4"/>
             <a:r>
-              <a:rPr lang="en-US" smtClean="0"/>
+              <a:rPr lang="en-US"/>
               <a:t>Fifth level</a:t>
             </a:r>
-            <a:endParaRPr lang="en-US"/>
           </a:p>
         </p:txBody>
       </p:sp>
@@ -13644,10 +13810,9 @@
           <a:lstStyle/>
           <a:p>
             <a:r>
-              <a:rPr lang="en-US" smtClean="0"/>
+              <a:rPr lang="en-US"/>
               <a:t>Click to edit Master title style</a:t>
             </a:r>
-            <a:endParaRPr lang="en-US"/>
           </a:p>
         </p:txBody>
       </p:sp>
@@ -13673,38 +13838,37 @@
           <a:p>
             <a:pPr lvl="0"/>
             <a:r>
-              <a:rPr lang="en-US" smtClean="0"/>
+              <a:rPr lang="en-US"/>
               <a:t>Click to edit Master text styles</a:t>
             </a:r>
           </a:p>
           <a:p>
             <a:pPr lvl="1"/>
             <a:r>
-              <a:rPr lang="en-US" smtClean="0"/>
+              <a:rPr lang="en-US"/>
               <a:t>Second level</a:t>
             </a:r>
           </a:p>
           <a:p>
             <a:pPr lvl="2"/>
             <a:r>
-              <a:rPr lang="en-US" smtClean="0"/>
+              <a:rPr lang="en-US"/>
               <a:t>Third level</a:t>
             </a:r>
           </a:p>
           <a:p>
             <a:pPr lvl="3"/>
             <a:r>
-              <a:rPr lang="en-US" smtClean="0"/>
+              <a:rPr lang="en-US"/>
               <a:t>Fourth level</a:t>
             </a:r>
           </a:p>
           <a:p>
             <a:pPr lvl="4"/>
             <a:r>
-              <a:rPr lang="en-US" smtClean="0"/>
+              <a:rPr lang="en-US"/>
               <a:t>Fifth level</a:t>
             </a:r>
-            <a:endParaRPr lang="en-US"/>
           </a:p>
         </p:txBody>
       </p:sp>
@@ -13730,38 +13894,37 @@
           <a:p>
             <a:pPr lvl="0"/>
             <a:r>
-              <a:rPr lang="en-US" smtClean="0"/>
+              <a:rPr lang="en-US"/>
               <a:t>Click to edit Master text styles</a:t>
             </a:r>
           </a:p>
           <a:p>
             <a:pPr lvl="1"/>
             <a:r>
-              <a:rPr lang="en-US" smtClean="0"/>
+              <a:rPr lang="en-US"/>
               <a:t>Second level</a:t>
             </a:r>
           </a:p>
           <a:p>
             <a:pPr lvl="2"/>
             <a:r>
-              <a:rPr lang="en-US" smtClean="0"/>
+              <a:rPr lang="en-US"/>
               <a:t>Third level</a:t>
             </a:r>
           </a:p>
           <a:p>
             <a:pPr lvl="3"/>
             <a:r>
-              <a:rPr lang="en-US" smtClean="0"/>
+              <a:rPr lang="en-US"/>
               <a:t>Fourth level</a:t>
             </a:r>
           </a:p>
           <a:p>
             <a:pPr lvl="4"/>
             <a:r>
-              <a:rPr lang="en-US" smtClean="0"/>
+              <a:rPr lang="en-US"/>
               <a:t>Fifth level</a:t>
             </a:r>
-            <a:endParaRPr lang="en-US"/>
           </a:p>
         </p:txBody>
       </p:sp>
@@ -14203,7 +14366,7 @@
           <a:lstStyle/>
           <a:p>
             <a:r>
-              <a:rPr lang="en-US" smtClean="0"/>
+              <a:rPr lang="en-US"/>
               <a:t>Click to edit Master title style</a:t>
             </a:r>
             <a:endParaRPr lang="en-GB" dirty="0"/>
@@ -14242,35 +14405,35 @@
           <a:p>
             <a:pPr lvl="0"/>
             <a:r>
-              <a:rPr lang="en-US" smtClean="0"/>
+              <a:rPr lang="en-US"/>
               <a:t>Click to edit Master text styles</a:t>
             </a:r>
           </a:p>
           <a:p>
             <a:pPr lvl="1"/>
             <a:r>
-              <a:rPr lang="en-US" smtClean="0"/>
+              <a:rPr lang="en-US"/>
               <a:t>Second level</a:t>
             </a:r>
           </a:p>
           <a:p>
             <a:pPr lvl="2"/>
             <a:r>
-              <a:rPr lang="en-US" smtClean="0"/>
+              <a:rPr lang="en-US"/>
               <a:t>Third level</a:t>
             </a:r>
           </a:p>
           <a:p>
             <a:pPr lvl="3"/>
             <a:r>
-              <a:rPr lang="en-US" smtClean="0"/>
+              <a:rPr lang="en-US"/>
               <a:t>Fourth level</a:t>
             </a:r>
           </a:p>
           <a:p>
             <a:pPr lvl="4"/>
             <a:r>
-              <a:rPr lang="en-US" smtClean="0"/>
+              <a:rPr lang="en-US"/>
               <a:t>Fifth level</a:t>
             </a:r>
             <a:endParaRPr lang="en-GB" dirty="0"/>
@@ -14309,18 +14472,17 @@
           </a:lstStyle>
           <a:p>
             <a:r>
-              <a:rPr lang="en-US" dirty="0" smtClean="0"/>
+              <a:rPr lang="en-US" dirty="0"/>
               <a:t> © 2014 Deloitte </a:t>
             </a:r>
             <a:r>
-              <a:rPr lang="en-US" dirty="0" err="1" smtClean="0"/>
+              <a:rPr lang="en-US" dirty="0" err="1"/>
               <a:t>Touche</a:t>
             </a:r>
             <a:r>
-              <a:rPr lang="en-US" dirty="0" smtClean="0"/>
+              <a:rPr lang="en-US" dirty="0"/>
               <a:t> Tohmatsu India Private Limited</a:t>
             </a:r>
-            <a:endParaRPr lang="en-US" dirty="0"/>
           </a:p>
         </p:txBody>
       </p:sp>
@@ -14372,13 +14534,6 @@
   <p:transition>
     <p:fade/>
   </p:transition>
-  <p:timing>
-    <p:tnLst>
-      <p:par>
-        <p:cTn id="1" dur="indefinite" restart="never" nodeType="tmRoot"/>
-      </p:par>
-    </p:tnLst>
-  </p:timing>
 </p:sldLayout>
 </file>
 
@@ -14425,7 +14580,7 @@
           <a:lstStyle/>
           <a:p>
             <a:r>
-              <a:rPr lang="en-US" smtClean="0"/>
+              <a:rPr lang="en-US"/>
               <a:t>Click to edit Master title style</a:t>
             </a:r>
             <a:endParaRPr lang="en-GB" dirty="0"/>
@@ -14465,7 +14620,7 @@
           <a:p>
             <a:pPr lvl="0"/>
             <a:r>
-              <a:rPr lang="en-US" smtClean="0"/>
+              <a:rPr lang="en-US"/>
               <a:t>Click to edit Master text styles</a:t>
             </a:r>
           </a:p>
@@ -14493,35 +14648,35 @@
           <a:p>
             <a:pPr lvl="0"/>
             <a:r>
-              <a:rPr lang="en-US" smtClean="0"/>
+              <a:rPr lang="en-US"/>
               <a:t>Click to edit Master text styles</a:t>
             </a:r>
           </a:p>
           <a:p>
             <a:pPr lvl="1"/>
             <a:r>
-              <a:rPr lang="en-US" smtClean="0"/>
+              <a:rPr lang="en-US"/>
               <a:t>Second level</a:t>
             </a:r>
           </a:p>
           <a:p>
             <a:pPr lvl="2"/>
             <a:r>
-              <a:rPr lang="en-US" smtClean="0"/>
+              <a:rPr lang="en-US"/>
               <a:t>Third level</a:t>
             </a:r>
           </a:p>
           <a:p>
             <a:pPr lvl="3"/>
             <a:r>
-              <a:rPr lang="en-US" smtClean="0"/>
+              <a:rPr lang="en-US"/>
               <a:t>Fourth level</a:t>
             </a:r>
           </a:p>
           <a:p>
             <a:pPr lvl="4"/>
             <a:r>
-              <a:rPr lang="en-US" smtClean="0"/>
+              <a:rPr lang="en-US"/>
               <a:t>Fifth level</a:t>
             </a:r>
             <a:endParaRPr lang="en-GB" dirty="0"/>
@@ -14560,18 +14715,17 @@
           </a:lstStyle>
           <a:p>
             <a:r>
-              <a:rPr lang="en-US" dirty="0" smtClean="0"/>
+              <a:rPr lang="en-US" dirty="0"/>
               <a:t> © 2014 Deloitte </a:t>
             </a:r>
             <a:r>
-              <a:rPr lang="en-US" dirty="0" err="1" smtClean="0"/>
+              <a:rPr lang="en-US" dirty="0" err="1"/>
               <a:t>Touche</a:t>
             </a:r>
             <a:r>
-              <a:rPr lang="en-US" dirty="0" smtClean="0"/>
+              <a:rPr lang="en-US" dirty="0"/>
               <a:t> Tohmatsu India Private Limited</a:t>
             </a:r>
-            <a:endParaRPr lang="en-US" dirty="0"/>
           </a:p>
         </p:txBody>
       </p:sp>
@@ -14636,7 +14790,7 @@
           <a:lstStyle/>
           <a:p>
             <a:r>
-              <a:rPr lang="en-US" smtClean="0"/>
+              <a:rPr lang="en-US"/>
               <a:t>Click icon to add chart</a:t>
             </a:r>
             <a:endParaRPr lang="en-GB" dirty="0"/>
@@ -14651,13 +14805,6 @@
   <p:transition>
     <p:fade/>
   </p:transition>
-  <p:timing>
-    <p:tnLst>
-      <p:par>
-        <p:cTn id="1" dur="indefinite" restart="never" nodeType="tmRoot"/>
-      </p:par>
-    </p:tnLst>
-  </p:timing>
 </p:sldLayout>
 </file>
 
@@ -14719,35 +14866,35 @@
           <a:p>
             <a:pPr lvl="0"/>
             <a:r>
-              <a:rPr lang="en-US" smtClean="0"/>
+              <a:rPr lang="en-US"/>
               <a:t>Click to edit Master text styles</a:t>
             </a:r>
           </a:p>
           <a:p>
             <a:pPr lvl="1"/>
             <a:r>
-              <a:rPr lang="en-US" smtClean="0"/>
+              <a:rPr lang="en-US"/>
               <a:t>Second level</a:t>
             </a:r>
           </a:p>
           <a:p>
             <a:pPr lvl="2"/>
             <a:r>
-              <a:rPr lang="en-US" smtClean="0"/>
+              <a:rPr lang="en-US"/>
               <a:t>Third level</a:t>
             </a:r>
           </a:p>
           <a:p>
             <a:pPr lvl="3"/>
             <a:r>
-              <a:rPr lang="en-US" smtClean="0"/>
+              <a:rPr lang="en-US"/>
               <a:t>Fourth level</a:t>
             </a:r>
           </a:p>
           <a:p>
             <a:pPr lvl="4"/>
             <a:r>
-              <a:rPr lang="en-US" smtClean="0"/>
+              <a:rPr lang="en-US"/>
               <a:t>Fifth level</a:t>
             </a:r>
             <a:endParaRPr lang="en-GB" dirty="0"/>
@@ -14780,7 +14927,7 @@
           <a:lstStyle/>
           <a:p>
             <a:r>
-              <a:rPr lang="en-US" smtClean="0"/>
+              <a:rPr lang="en-US"/>
               <a:t>Click to edit Master title style</a:t>
             </a:r>
             <a:endParaRPr lang="en-GB" dirty="0"/>
@@ -14820,7 +14967,7 @@
           <a:p>
             <a:pPr lvl="0"/>
             <a:r>
-              <a:rPr lang="en-US" smtClean="0"/>
+              <a:rPr lang="en-US"/>
               <a:t>Click to edit Master text styles</a:t>
             </a:r>
           </a:p>
@@ -14898,18 +15045,17 @@
           </a:lstStyle>
           <a:p>
             <a:r>
-              <a:rPr lang="en-US" dirty="0" smtClean="0"/>
+              <a:rPr lang="en-US" dirty="0"/>
               <a:t> © 2014 Deloitte </a:t>
             </a:r>
             <a:r>
-              <a:rPr lang="en-US" dirty="0" err="1" smtClean="0"/>
+              <a:rPr lang="en-US" dirty="0" err="1"/>
               <a:t>Touche</a:t>
             </a:r>
             <a:r>
-              <a:rPr lang="en-US" dirty="0" smtClean="0"/>
+              <a:rPr lang="en-US" dirty="0"/>
               <a:t> Tohmatsu India Private Limited</a:t>
             </a:r>
-            <a:endParaRPr lang="en-US" dirty="0"/>
           </a:p>
         </p:txBody>
       </p:sp>
@@ -14921,13 +15067,6 @@
   <p:transition>
     <p:fade/>
   </p:transition>
-  <p:timing>
-    <p:tnLst>
-      <p:par>
-        <p:cTn id="1" dur="indefinite" restart="never" nodeType="tmRoot"/>
-      </p:par>
-    </p:tnLst>
-  </p:timing>
 </p:sldLayout>
 </file>
 
@@ -15032,35 +15171,35 @@
           <a:p>
             <a:pPr lvl="0"/>
             <a:r>
-              <a:rPr lang="en-US" smtClean="0"/>
+              <a:rPr lang="en-US"/>
               <a:t>Click to edit Master text styles</a:t>
             </a:r>
           </a:p>
           <a:p>
             <a:pPr lvl="1"/>
             <a:r>
-              <a:rPr lang="en-US" smtClean="0"/>
+              <a:rPr lang="en-US"/>
               <a:t>Second level</a:t>
             </a:r>
           </a:p>
           <a:p>
             <a:pPr lvl="2"/>
             <a:r>
-              <a:rPr lang="en-US" smtClean="0"/>
+              <a:rPr lang="en-US"/>
               <a:t>Third level</a:t>
             </a:r>
           </a:p>
           <a:p>
             <a:pPr lvl="3"/>
             <a:r>
-              <a:rPr lang="en-US" smtClean="0"/>
+              <a:rPr lang="en-US"/>
               <a:t>Fourth level</a:t>
             </a:r>
           </a:p>
           <a:p>
             <a:pPr lvl="4"/>
             <a:r>
-              <a:rPr lang="en-US" smtClean="0"/>
+              <a:rPr lang="en-US"/>
               <a:t>Fifth level</a:t>
             </a:r>
             <a:endParaRPr lang="en-GB" dirty="0"/>
@@ -15093,7 +15232,7 @@
           <a:lstStyle/>
           <a:p>
             <a:r>
-              <a:rPr lang="en-US" smtClean="0"/>
+              <a:rPr lang="en-US"/>
               <a:t>Click to edit Master title style</a:t>
             </a:r>
             <a:endParaRPr lang="en-GB" dirty="0"/>
@@ -15133,7 +15272,7 @@
           <a:p>
             <a:pPr lvl="0"/>
             <a:r>
-              <a:rPr lang="en-US" smtClean="0"/>
+              <a:rPr lang="en-US"/>
               <a:t>Click to edit Master text styles</a:t>
             </a:r>
           </a:p>
@@ -15211,18 +15350,17 @@
           </a:lstStyle>
           <a:p>
             <a:r>
-              <a:rPr lang="en-US" dirty="0" smtClean="0"/>
+              <a:rPr lang="en-US" dirty="0"/>
               <a:t> © 2014 Deloitte </a:t>
             </a:r>
             <a:r>
-              <a:rPr lang="en-US" dirty="0" err="1" smtClean="0"/>
+              <a:rPr lang="en-US" dirty="0" err="1"/>
               <a:t>Touche</a:t>
             </a:r>
             <a:r>
-              <a:rPr lang="en-US" dirty="0" smtClean="0"/>
+              <a:rPr lang="en-US" dirty="0"/>
               <a:t> Tohmatsu India Private Limited</a:t>
             </a:r>
-            <a:endParaRPr lang="en-US" dirty="0"/>
           </a:p>
         </p:txBody>
       </p:sp>
@@ -15234,13 +15372,6 @@
   <p:transition>
     <p:fade/>
   </p:transition>
-  <p:timing>
-    <p:tnLst>
-      <p:par>
-        <p:cTn id="1" dur="indefinite" restart="never" nodeType="tmRoot"/>
-      </p:par>
-    </p:tnLst>
-  </p:timing>
 </p:sldLayout>
 </file>
 
@@ -15345,35 +15476,35 @@
           <a:p>
             <a:pPr lvl="0"/>
             <a:r>
-              <a:rPr lang="en-US" smtClean="0"/>
+              <a:rPr lang="en-US"/>
               <a:t>Click to edit Master text styles</a:t>
             </a:r>
           </a:p>
           <a:p>
             <a:pPr lvl="1"/>
             <a:r>
-              <a:rPr lang="en-US" smtClean="0"/>
+              <a:rPr lang="en-US"/>
               <a:t>Second level</a:t>
             </a:r>
           </a:p>
           <a:p>
             <a:pPr lvl="2"/>
             <a:r>
-              <a:rPr lang="en-US" smtClean="0"/>
+              <a:rPr lang="en-US"/>
               <a:t>Third level</a:t>
             </a:r>
           </a:p>
           <a:p>
             <a:pPr lvl="3"/>
             <a:r>
-              <a:rPr lang="en-US" smtClean="0"/>
+              <a:rPr lang="en-US"/>
               <a:t>Fourth level</a:t>
             </a:r>
           </a:p>
           <a:p>
             <a:pPr lvl="4"/>
             <a:r>
-              <a:rPr lang="en-US" smtClean="0"/>
+              <a:rPr lang="en-US"/>
               <a:t>Fifth level</a:t>
             </a:r>
             <a:endParaRPr lang="en-GB" dirty="0"/>
@@ -15414,7 +15545,7 @@
           </a:lstStyle>
           <a:p>
             <a:r>
-              <a:rPr lang="en-US" smtClean="0"/>
+              <a:rPr lang="en-US"/>
               <a:t>Click to edit Master title style</a:t>
             </a:r>
             <a:endParaRPr lang="en-GB" dirty="0"/>
@@ -15454,7 +15585,7 @@
           <a:p>
             <a:pPr lvl="0"/>
             <a:r>
-              <a:rPr lang="en-US" smtClean="0"/>
+              <a:rPr lang="en-US"/>
               <a:t>Click to edit Master text styles</a:t>
             </a:r>
           </a:p>
@@ -15546,7 +15677,7 @@
           </a:lstStyle>
           <a:p>
             <a:r>
-              <a:rPr lang="en-US" dirty="0" smtClean="0">
+              <a:rPr lang="en-US" dirty="0">
                 <a:solidFill>
                   <a:srgbClr val="8C8C8C"/>
                 </a:solidFill>
@@ -15554,7 +15685,7 @@
               <a:t> © 2014 Deloitte </a:t>
             </a:r>
             <a:r>
-              <a:rPr lang="en-US" dirty="0" err="1" smtClean="0">
+              <a:rPr lang="en-US" dirty="0" err="1">
                 <a:solidFill>
                   <a:srgbClr val="8C8C8C"/>
                 </a:solidFill>
@@ -15562,18 +15693,13 @@
               <a:t>Touche</a:t>
             </a:r>
             <a:r>
-              <a:rPr lang="en-US" dirty="0" smtClean="0">
+              <a:rPr lang="en-US" dirty="0">
                 <a:solidFill>
                   <a:srgbClr val="8C8C8C"/>
                 </a:solidFill>
               </a:rPr>
               <a:t> Tohmatsu India Private Limited</a:t>
             </a:r>
-            <a:endParaRPr lang="en-US" dirty="0">
-              <a:solidFill>
-                <a:srgbClr val="8C8C8C"/>
-              </a:solidFill>
-            </a:endParaRPr>
           </a:p>
         </p:txBody>
       </p:sp>
@@ -15631,13 +15757,6 @@
   <p:transition>
     <p:fade/>
   </p:transition>
-  <p:timing>
-    <p:tnLst>
-      <p:par>
-        <p:cTn id="1" dur="indefinite" restart="never" nodeType="tmRoot"/>
-      </p:par>
-    </p:tnLst>
-  </p:timing>
 </p:sldLayout>
 </file>
 
@@ -15689,7 +15808,7 @@
           <a:lstStyle/>
           <a:p>
             <a:r>
-              <a:rPr lang="en-US" smtClean="0"/>
+              <a:rPr lang="en-US"/>
               <a:t>Click to edit Master title style</a:t>
             </a:r>
             <a:endParaRPr lang="en-GB" dirty="0"/>
@@ -15723,35 +15842,35 @@
           <a:p>
             <a:pPr lvl="0"/>
             <a:r>
-              <a:rPr lang="en-US" smtClean="0"/>
+              <a:rPr lang="en-US"/>
               <a:t>Click to edit Master text styles</a:t>
             </a:r>
           </a:p>
           <a:p>
             <a:pPr lvl="1"/>
             <a:r>
-              <a:rPr lang="en-US" smtClean="0"/>
+              <a:rPr lang="en-US"/>
               <a:t>Second level</a:t>
             </a:r>
           </a:p>
           <a:p>
             <a:pPr lvl="2"/>
             <a:r>
-              <a:rPr lang="en-US" smtClean="0"/>
+              <a:rPr lang="en-US"/>
               <a:t>Third level</a:t>
             </a:r>
           </a:p>
           <a:p>
             <a:pPr lvl="3"/>
             <a:r>
-              <a:rPr lang="en-US" smtClean="0"/>
+              <a:rPr lang="en-US"/>
               <a:t>Fourth level</a:t>
             </a:r>
           </a:p>
           <a:p>
             <a:pPr lvl="4"/>
             <a:r>
-              <a:rPr lang="en-US" smtClean="0"/>
+              <a:rPr lang="en-US"/>
               <a:t>Fifth level</a:t>
             </a:r>
             <a:endParaRPr lang="en-GB" dirty="0"/>
@@ -15790,18 +15909,17 @@
           </a:lstStyle>
           <a:p>
             <a:r>
-              <a:rPr lang="en-US" dirty="0" smtClean="0"/>
+              <a:rPr lang="en-US" dirty="0"/>
               <a:t> © 2014 Deloitte </a:t>
             </a:r>
             <a:r>
-              <a:rPr lang="en-US" dirty="0" err="1" smtClean="0"/>
+              <a:rPr lang="en-US" dirty="0" err="1"/>
               <a:t>Touche</a:t>
             </a:r>
             <a:r>
-              <a:rPr lang="en-US" dirty="0" smtClean="0"/>
+              <a:rPr lang="en-US" dirty="0"/>
               <a:t> Tohmatsu India Private Limited</a:t>
             </a:r>
-            <a:endParaRPr lang="en-US" dirty="0"/>
           </a:p>
         </p:txBody>
       </p:sp>
@@ -15875,13 +15993,6 @@
   <p:transition>
     <p:fade/>
   </p:transition>
-  <p:timing>
-    <p:tnLst>
-      <p:par>
-        <p:cTn id="1" dur="indefinite" restart="never" nodeType="tmRoot"/>
-      </p:par>
-    </p:tnLst>
-  </p:timing>
   <p:hf hdr="0" dt="0"/>
   <p:txStyles>
     <p:titleStyle>
@@ -16203,41 +16314,8 @@
                 </a:solidFill>
                 <a:cs typeface="Arial" pitchFamily="34" charset="0"/>
               </a:rPr>
-              <a:t>Copyright © </a:t>
-            </a:r>
-            <a:r>
-              <a:rPr lang="en-US" sz="700" dirty="0" smtClean="0">
-                <a:solidFill>
-                  <a:srgbClr val="002776"/>
-                </a:solidFill>
-                <a:cs typeface="Arial" pitchFamily="34" charset="0"/>
-              </a:rPr>
-              <a:t>2011 Deloitte </a:t>
-            </a:r>
-            <a:r>
-              <a:rPr lang="en-US" sz="700" dirty="0">
-                <a:solidFill>
-                  <a:srgbClr val="002776"/>
-                </a:solidFill>
-                <a:cs typeface="Arial" pitchFamily="34" charset="0"/>
-              </a:rPr>
-              <a:t>Development LLC. </a:t>
-            </a:r>
-            <a:r>
-              <a:rPr lang="en-US" sz="700" dirty="0" smtClean="0">
-                <a:solidFill>
-                  <a:srgbClr val="002776"/>
-                </a:solidFill>
-                <a:cs typeface="Arial" pitchFamily="34" charset="0"/>
-              </a:rPr>
-              <a:t>All rights reserved.</a:t>
-            </a:r>
-            <a:endParaRPr lang="en-US" sz="700" dirty="0">
-              <a:solidFill>
-                <a:srgbClr val="002776"/>
-              </a:solidFill>
-              <a:cs typeface="Arial" pitchFamily="34" charset="0"/>
-            </a:endParaRPr>
+              <a:t>Copyright © 2011 Deloitte Development LLC. All rights reserved.</a:t>
+            </a:r>
           </a:p>
         </p:txBody>
       </p:sp>
@@ -16344,7 +16422,7 @@
               </a:spcAft>
             </a:pPr>
             <a:r>
-              <a:rPr lang="en-US" sz="1000" dirty="0" smtClean="0">
+              <a:rPr lang="en-US" sz="1000" dirty="0">
                 <a:solidFill>
                   <a:srgbClr val="002776"/>
                 </a:solidFill>
@@ -16352,12 +16430,6 @@
               </a:rPr>
               <a:t>BI/DW concepts and architecture</a:t>
             </a:r>
-            <a:endParaRPr lang="en-US" sz="1000" dirty="0">
-              <a:solidFill>
-                <a:srgbClr val="002776"/>
-              </a:solidFill>
-              <a:cs typeface="Arial" pitchFamily="34" charset="0"/>
-            </a:endParaRPr>
           </a:p>
         </p:txBody>
       </p:sp>
@@ -16404,7 +16476,7 @@
               <a:defRPr/>
             </a:pPr>
             <a:r>
-              <a:rPr lang="en-US" smtClean="0"/>
+              <a:rPr lang="en-US"/>
               <a:t>Click to edit Master title style</a:t>
             </a:r>
             <a:endParaRPr lang="en-US" dirty="0"/>
@@ -16438,35 +16510,35 @@
           <a:p>
             <a:pPr lvl="0"/>
             <a:r>
-              <a:rPr lang="en-US" smtClean="0"/>
+              <a:rPr lang="en-US"/>
               <a:t>Click to edit Master text styles</a:t>
             </a:r>
           </a:p>
           <a:p>
             <a:pPr lvl="1"/>
             <a:r>
-              <a:rPr lang="en-US" smtClean="0"/>
+              <a:rPr lang="en-US"/>
               <a:t>Second level</a:t>
             </a:r>
           </a:p>
           <a:p>
             <a:pPr lvl="2"/>
             <a:r>
-              <a:rPr lang="en-US" smtClean="0"/>
+              <a:rPr lang="en-US"/>
               <a:t>Third level</a:t>
             </a:r>
           </a:p>
           <a:p>
             <a:pPr lvl="3"/>
             <a:r>
-              <a:rPr lang="en-US" smtClean="0"/>
+              <a:rPr lang="en-US"/>
               <a:t>Fourth level</a:t>
             </a:r>
           </a:p>
           <a:p>
             <a:pPr lvl="4"/>
             <a:r>
-              <a:rPr lang="en-US" smtClean="0"/>
+              <a:rPr lang="en-US"/>
               <a:t>Fifth level</a:t>
             </a:r>
             <a:endParaRPr lang="en-US" dirty="0"/>
@@ -17000,25 +17072,24 @@
           <a:lstStyle/>
           <a:p>
             <a:pPr algn="ctr"/>
-            <a:r>
-              <a:rPr lang="en-US" sz="4800" dirty="0" smtClean="0"/>
-              <a:t/>
-            </a:r>
-            <a:br>
-              <a:rPr lang="en-US" sz="4800" dirty="0" smtClean="0"/>
-            </a:br>
-            <a:r>
-              <a:rPr lang="en-US" sz="4800" dirty="0"/>
-              <a:t/>
-            </a:r>
             <a:br>
               <a:rPr lang="en-US" sz="4800" dirty="0"/>
             </a:br>
-            <a:r>
-              <a:rPr lang="en-US" sz="4800" dirty="0" smtClean="0"/>
-              <a:t>BI/DW Fundamentals	</a:t>
-            </a:r>
-            <a:endParaRPr lang="en-US" sz="4800" dirty="0"/>
+            <a:br>
+              <a:rPr lang="en-US" sz="4800" dirty="0"/>
+            </a:br>
+            <a:r>
+              <a:rPr lang="en-US" sz="4800" dirty="0"/>
+              <a:t>BI/</a:t>
+            </a:r>
+            <a:r>
+              <a:rPr lang="en-US" sz="4800"/>
+              <a:t>DW Fundamental</a:t>
+            </a:r>
+            <a:r>
+              <a:rPr lang="en-US" sz="4800" dirty="0"/>
+              <a:t>	</a:t>
+            </a:r>
           </a:p>
         </p:txBody>
       </p:sp>
@@ -17054,13 +17125,6 @@
   <p:transition>
     <p:fade/>
   </p:transition>
-  <p:timing>
-    <p:tnLst>
-      <p:par>
-        <p:cTn id="1" dur="indefinite" restart="never" nodeType="tmRoot"/>
-      </p:par>
-    </p:tnLst>
-  </p:timing>
 </p:sld>
 </file>
 
@@ -17097,7 +17161,7 @@
           <a:lstStyle/>
           <a:p>
             <a:r>
-              <a:rPr lang="en-US" dirty="0" smtClean="0"/>
+              <a:rPr lang="en-US" dirty="0"/>
               <a:t>Operational Data Store (ODS)</a:t>
             </a:r>
           </a:p>
@@ -17119,7 +17183,7 @@
           <a:lstStyle/>
           <a:p>
             <a:r>
-              <a:rPr lang="en-GB" sz="1400" dirty="0" smtClean="0"/>
+              <a:rPr lang="en-GB" sz="1400" dirty="0"/>
               <a:t>ODS environments were originally developed for an integrated reporting database to support tactical and operational activities.</a:t>
             </a:r>
           </a:p>
@@ -17128,10 +17192,10 @@
               <a:buNone/>
             </a:pPr>
             <a:r>
-              <a:rPr lang="en-GB" sz="1400" dirty="0" smtClean="0"/>
+              <a:rPr lang="en-GB" sz="1400" dirty="0"/>
               <a:t>ODS has developed into a repository where we collect and integrate operational data before loading it into a data warehouse. It is a separate project from the data warehouse, and acts as a distribution centre for current valued, integrated data used to support an operational activity</a:t>
             </a:r>
-            <a:endParaRPr lang="en-US" sz="1400" dirty="0" smtClean="0"/>
+            <a:endParaRPr lang="en-US" sz="1400" dirty="0"/>
           </a:p>
         </p:txBody>
       </p:sp>
@@ -17893,13 +17957,6 @@
     <a:masterClrMapping/>
   </p:clrMapOvr>
   <p:transition spd="slow"/>
-  <p:timing>
-    <p:tnLst>
-      <p:par>
-        <p:cTn id="1" dur="indefinite" restart="never" nodeType="tmRoot"/>
-      </p:par>
-    </p:tnLst>
-  </p:timing>
 </p:sld>
 </file>
 
@@ -17936,10 +17993,9 @@
           <a:lstStyle/>
           <a:p>
             <a:r>
-              <a:rPr lang="en-US" dirty="0" smtClean="0"/>
+              <a:rPr lang="en-US" dirty="0"/>
               <a:t>Stage area</a:t>
             </a:r>
-            <a:endParaRPr lang="en-US" dirty="0"/>
           </a:p>
         </p:txBody>
       </p:sp>
@@ -17976,16 +18032,7 @@
                 </a:solidFill>
                 <a:latin typeface="Arial"/>
               </a:rPr>
-              <a:t>Staging Area is temporary location where data from source systems is copied to. It is an area where a sanitized, integrated and detailed data in normalized form exists</a:t>
-            </a:r>
-            <a:r>
-              <a:rPr lang="en-US" sz="1400" dirty="0" smtClean="0">
-                <a:solidFill>
-                  <a:srgbClr val="002776"/>
-                </a:solidFill>
-                <a:latin typeface="Arial"/>
-              </a:rPr>
-              <a:t>.</a:t>
+              <a:t>Staging Area is temporary location where data from source systems is copied to. It is an area where a sanitized, integrated and detailed data in normalized form exists.</a:t>
             </a:r>
           </a:p>
           <a:p>
@@ -18009,7 +18056,7 @@
               </a:spcBef>
               <a:buNone/>
             </a:pPr>
-            <a:endParaRPr lang="en-US" sz="1400" dirty="0" smtClean="0">
+            <a:endParaRPr lang="en-US" sz="1400" dirty="0">
               <a:solidFill>
                 <a:srgbClr val="002776"/>
               </a:solidFill>
@@ -18022,15 +18069,6 @@
                 <a:spcPts val="500"/>
               </a:spcBef>
             </a:pPr>
-            <a:r>
-              <a:rPr lang="en-US" sz="1400" dirty="0" smtClean="0">
-                <a:solidFill>
-                  <a:srgbClr val="002776"/>
-                </a:solidFill>
-                <a:latin typeface="Arial"/>
-              </a:rPr>
-              <a:t>Integration </a:t>
-            </a:r>
             <a:r>
               <a:rPr lang="en-US" sz="1400" dirty="0">
                 <a:solidFill>
@@ -18038,11 +18076,11 @@
                 </a:solidFill>
                 <a:latin typeface="Arial"/>
               </a:rPr>
-              <a:t>— Accepts data from different sources </a:t>
-            </a:r>
-          </a:p>
-          <a:p>
-            <a:endParaRPr lang="en-US" dirty="0" smtClean="0"/>
+              <a:t>Integration — Accepts data from different sources </a:t>
+            </a:r>
+          </a:p>
+          <a:p>
+            <a:endParaRPr lang="en-US" dirty="0"/>
           </a:p>
         </p:txBody>
       </p:sp>
@@ -18105,7 +18143,7 @@
             <a:p>
               <a:pPr algn="ctr"/>
               <a:r>
-                <a:rPr lang="en-US" sz="1200" dirty="0" smtClean="0">
+                <a:rPr lang="en-US" sz="1200" dirty="0">
                   <a:latin typeface="Arial" pitchFamily="34" charset="0"/>
                   <a:cs typeface="Arial" pitchFamily="34" charset="0"/>
                 </a:rPr>
@@ -18215,7 +18253,7 @@
               <a:lstStyle/>
               <a:p>
                 <a:r>
-                  <a:rPr lang="en-US" sz="1200" dirty="0" smtClean="0">
+                  <a:rPr lang="en-US" sz="1200" dirty="0">
                     <a:solidFill>
                       <a:schemeClr val="bg1"/>
                     </a:solidFill>
@@ -18224,13 +18262,6 @@
                   </a:rPr>
                   <a:t>Flat Files</a:t>
                 </a:r>
-                <a:endParaRPr lang="en-US" sz="1200" dirty="0">
-                  <a:solidFill>
-                    <a:schemeClr val="bg1"/>
-                  </a:solidFill>
-                  <a:latin typeface="Arial" pitchFamily="34" charset="0"/>
-                  <a:cs typeface="Arial" pitchFamily="34" charset="0"/>
-                </a:endParaRPr>
               </a:p>
             </p:txBody>
           </p:sp>
@@ -18280,16 +18311,12 @@
             <a:p>
               <a:pPr algn="ctr"/>
               <a:r>
-                <a:rPr lang="en-US" sz="1400" dirty="0" smtClean="0">
+                <a:rPr lang="en-US" sz="1400" dirty="0">
                   <a:latin typeface="Arial" pitchFamily="34" charset="0"/>
                   <a:cs typeface="Arial" pitchFamily="34" charset="0"/>
                 </a:rPr>
                 <a:t>Stage Area</a:t>
               </a:r>
-              <a:endParaRPr lang="en-US" sz="1400" dirty="0">
-                <a:latin typeface="Arial" pitchFamily="34" charset="0"/>
-                <a:cs typeface="Arial" pitchFamily="34" charset="0"/>
-              </a:endParaRPr>
             </a:p>
           </p:txBody>
         </p:sp>
@@ -18386,7 +18413,7 @@
             <a:p>
               <a:pPr algn="ctr"/>
               <a:r>
-                <a:rPr lang="en-US" sz="1200" dirty="0" smtClean="0">
+                <a:rPr lang="en-US" sz="1200" dirty="0">
                   <a:latin typeface="Arial" pitchFamily="34" charset="0"/>
                   <a:cs typeface="Arial" pitchFamily="34" charset="0"/>
                 </a:rPr>
@@ -18522,7 +18549,7 @@
               <a:buChar char="•"/>
             </a:pPr>
             <a:r>
-              <a:rPr lang="en-US" sz="1400" b="0" dirty="0" smtClean="0">
+              <a:rPr lang="en-US" sz="1400" b="0" dirty="0">
                 <a:solidFill>
                   <a:srgbClr val="002776"/>
                 </a:solidFill>
@@ -18539,7 +18566,7 @@
               <a:buFont typeface="Arial" pitchFamily="34" charset="0"/>
               <a:buChar char="•"/>
             </a:pPr>
-            <a:endParaRPr lang="en-US" sz="1400" b="0" dirty="0" smtClean="0">
+            <a:endParaRPr lang="en-US" sz="1400" b="0" dirty="0">
               <a:solidFill>
                 <a:srgbClr val="002776"/>
               </a:solidFill>
@@ -18555,7 +18582,7 @@
               <a:buChar char="•"/>
             </a:pPr>
             <a:r>
-              <a:rPr lang="en-US" sz="1400" b="0" dirty="0" smtClean="0">
+              <a:rPr lang="en-US" sz="1400" b="0" dirty="0">
                 <a:solidFill>
                   <a:srgbClr val="002776"/>
                 </a:solidFill>
@@ -18572,7 +18599,7 @@
               <a:buFont typeface="Arial" pitchFamily="34" charset="0"/>
               <a:buChar char="•"/>
             </a:pPr>
-            <a:endParaRPr lang="en-US" sz="1400" b="0" dirty="0" smtClean="0">
+            <a:endParaRPr lang="en-US" sz="1400" b="0" dirty="0">
               <a:solidFill>
                 <a:srgbClr val="002776"/>
               </a:solidFill>
@@ -18588,7 +18615,7 @@
               <a:buChar char="•"/>
             </a:pPr>
             <a:r>
-              <a:rPr lang="en-US" sz="1400" b="0" dirty="0" smtClean="0">
+              <a:rPr lang="en-US" sz="1400" b="0" dirty="0">
                 <a:solidFill>
                   <a:srgbClr val="002776"/>
                 </a:solidFill>
@@ -18605,7 +18632,7 @@
               <a:buFont typeface="Arial" pitchFamily="34" charset="0"/>
               <a:buChar char="•"/>
             </a:pPr>
-            <a:endParaRPr lang="en-US" sz="1400" b="0" dirty="0" smtClean="0">
+            <a:endParaRPr lang="en-US" sz="1400" b="0" dirty="0">
               <a:solidFill>
                 <a:srgbClr val="002776"/>
               </a:solidFill>
@@ -18621,7 +18648,7 @@
               <a:buChar char="•"/>
             </a:pPr>
             <a:r>
-              <a:rPr lang="en-US" sz="1400" b="0" dirty="0" smtClean="0">
+              <a:rPr lang="en-US" sz="1400" b="0" dirty="0">
                 <a:solidFill>
                   <a:srgbClr val="002776"/>
                 </a:solidFill>
@@ -18645,13 +18672,6 @@
   <p:transition>
     <p:fade/>
   </p:transition>
-  <p:timing>
-    <p:tnLst>
-      <p:par>
-        <p:cTn id="1" dur="indefinite" restart="never" nodeType="tmRoot"/>
-      </p:par>
-    </p:tnLst>
-  </p:timing>
 </p:sld>
 </file>
 
@@ -18688,7 +18708,7 @@
           <a:lstStyle/>
           <a:p>
             <a:r>
-              <a:rPr lang="en-US" dirty="0" smtClean="0"/>
+              <a:rPr lang="en-US" dirty="0"/>
               <a:t>Data marts</a:t>
             </a:r>
           </a:p>
@@ -18715,7 +18735,7 @@
           <a:lstStyle/>
           <a:p>
             <a:r>
-              <a:rPr lang="en-GB" sz="1400" dirty="0" smtClean="0"/>
+              <a:rPr lang="en-GB" sz="1400" dirty="0"/>
               <a:t>A data mart is a decision support system focused on a specific business problem in a single business unit across all subject areas.</a:t>
             </a:r>
           </a:p>
@@ -18724,7 +18744,7 @@
               <a:buNone/>
             </a:pPr>
             <a:r>
-              <a:rPr lang="en-US" sz="1400" b="1" dirty="0" smtClean="0"/>
+              <a:rPr lang="en-US" sz="1400" b="1" dirty="0"/>
               <a:t>Data mart</a:t>
             </a:r>
           </a:p>
@@ -18733,10 +18753,10 @@
               <a:buNone/>
             </a:pPr>
             <a:r>
-              <a:rPr lang="en-GB" sz="1300" dirty="0" smtClean="0"/>
+              <a:rPr lang="en-GB" sz="1300" dirty="0"/>
               <a:t>The data marts are summarized and partitioned in a variety of ways to support specific functional and organizational requirements. The data mart store selected data tailored for specific reporting and analysis patterns, which is by far the most common and popular database tier. It is tightly integrated with the analytical application engines and end-user tools and is closely governed by the business areas.</a:t>
             </a:r>
-            <a:endParaRPr lang="en-US" sz="1300" dirty="0" smtClean="0"/>
+            <a:endParaRPr lang="en-US" sz="1300" dirty="0"/>
           </a:p>
         </p:txBody>
       </p:sp>
@@ -18775,28 +18795,8 @@
               <a:buNone/>
             </a:pPr>
             <a:r>
-              <a:rPr lang="en-US" sz="1300" dirty="0" smtClean="0"/>
-              <a:t>Predefined </a:t>
-            </a:r>
-            <a:r>
               <a:rPr lang="en-US" sz="1300" dirty="0"/>
-              <a:t>provisioning is the routing of data to </a:t>
-            </a:r>
-            <a:r>
-              <a:rPr lang="en-US" sz="1300" dirty="0" smtClean="0"/>
-              <a:t>repositories</a:t>
-            </a:r>
-            <a:r>
-              <a:rPr lang="en-US" sz="1300" dirty="0"/>
-              <a:t>, or data marts, for specific, predefined </a:t>
-            </a:r>
-            <a:r>
-              <a:rPr lang="en-US" sz="1300" dirty="0" smtClean="0"/>
-              <a:t>analysis </a:t>
-            </a:r>
-            <a:r>
-              <a:rPr lang="en-US" sz="1300" dirty="0"/>
-              <a:t>or application support</a:t>
+              <a:t>Predefined provisioning is the routing of data to repositories, or data marts, for specific, predefined analysis or application support</a:t>
             </a:r>
           </a:p>
           <a:p>
@@ -18809,13 +18809,8 @@
             </a:r>
             <a:r>
               <a:rPr lang="en-US" sz="1400" dirty="0"/>
-              <a:t>functional </a:t>
-            </a:r>
-            <a:r>
-              <a:rPr lang="en-US" sz="1400" dirty="0" smtClean="0"/>
-              <a:t>areas</a:t>
-            </a:r>
-            <a:endParaRPr lang="en-US" sz="1400" dirty="0"/>
+              <a:t>functional areas</a:t>
+            </a:r>
           </a:p>
         </p:txBody>
       </p:sp>
@@ -19633,7 +19628,7 @@
               <a:tabLst/>
               <a:defRPr/>
             </a:pPr>
-            <a:endParaRPr kumimoji="0" lang="en-US" sz="1300" b="0" i="0" u="none" strike="noStrike" kern="1200" cap="none" spc="0" normalizeH="0" baseline="0" noProof="0" dirty="0" smtClean="0">
+            <a:endParaRPr kumimoji="0" lang="en-US" sz="1300" b="0" i="0" u="none" strike="noStrike" kern="1200" cap="none" spc="0" normalizeH="0" baseline="0" noProof="0" dirty="0">
               <a:ln>
                 <a:noFill/>
               </a:ln>
@@ -19665,7 +19660,7 @@
               <a:defRPr/>
             </a:pPr>
             <a:r>
-              <a:rPr kumimoji="0" lang="en-US" sz="1300" b="0" i="0" u="none" strike="noStrike" kern="1200" cap="none" spc="0" normalizeH="0" baseline="0" noProof="0" dirty="0" smtClean="0">
+              <a:rPr kumimoji="0" lang="en-US" sz="1300" b="0" i="0" u="none" strike="noStrike" kern="1200" cap="none" spc="0" normalizeH="0" baseline="0" noProof="0" dirty="0">
                 <a:ln>
                   <a:noFill/>
                 </a:ln>
@@ -19699,7 +19694,7 @@
               <a:defRPr/>
             </a:pPr>
             <a:r>
-              <a:rPr kumimoji="0" lang="en-US" sz="1300" b="0" i="0" u="none" strike="noStrike" kern="1200" cap="none" spc="0" normalizeH="0" baseline="0" noProof="0" dirty="0" smtClean="0">
+              <a:rPr kumimoji="0" lang="en-US" sz="1300" b="0" i="0" u="none" strike="noStrike" kern="1200" cap="none" spc="0" normalizeH="0" baseline="0" noProof="0" dirty="0">
                 <a:ln>
                   <a:noFill/>
                 </a:ln>
@@ -19733,7 +19728,7 @@
               <a:defRPr/>
             </a:pPr>
             <a:r>
-              <a:rPr kumimoji="0" lang="en-US" sz="1300" b="0" i="0" u="none" strike="noStrike" kern="1200" cap="none" spc="0" normalizeH="0" baseline="0" noProof="0" dirty="0" smtClean="0">
+              <a:rPr kumimoji="0" lang="en-US" sz="1300" b="0" i="0" u="none" strike="noStrike" kern="1200" cap="none" spc="0" normalizeH="0" baseline="0" noProof="0" dirty="0">
                 <a:ln>
                   <a:noFill/>
                 </a:ln>
@@ -19794,7 +19789,7 @@
           <a:lstStyle/>
           <a:p>
             <a:pPr algn="ctr"/>
-            <a:endParaRPr lang="en-US" sz="2000" b="0" dirty="0" smtClean="0"/>
+            <a:endParaRPr lang="en-US" sz="2000" b="0" dirty="0"/>
           </a:p>
         </p:txBody>
       </p:sp>
@@ -19809,13 +19804,6 @@
     <a:masterClrMapping/>
   </p:clrMapOvr>
   <p:transition spd="slow"/>
-  <p:timing>
-    <p:tnLst>
-      <p:par>
-        <p:cTn id="1" dur="indefinite" restart="never" nodeType="tmRoot"/>
-      </p:par>
-    </p:tnLst>
-  </p:timing>
 </p:sld>
 </file>
 
@@ -19923,25 +19911,8 @@
                 <a:latin typeface="Arial" pitchFamily="34" charset="0"/>
                 <a:cs typeface="Arial" pitchFamily="34" charset="0"/>
               </a:rPr>
-              <a:t>Dependent Data </a:t>
-            </a:r>
-            <a:r>
-              <a:rPr lang="en-US" sz="1600" b="1" dirty="0" smtClean="0">
-                <a:solidFill>
-                  <a:schemeClr val="bg1"/>
-                </a:solidFill>
-                <a:latin typeface="Arial" pitchFamily="34" charset="0"/>
-                <a:cs typeface="Arial" pitchFamily="34" charset="0"/>
-              </a:rPr>
-              <a:t>Mart</a:t>
-            </a:r>
-            <a:endParaRPr lang="en-US" sz="1600" b="1" dirty="0">
-              <a:solidFill>
-                <a:schemeClr val="bg1"/>
-              </a:solidFill>
-              <a:latin typeface="Arial" pitchFamily="34" charset="0"/>
-              <a:cs typeface="Arial" pitchFamily="34" charset="0"/>
-            </a:endParaRPr>
+              <a:t>Dependent Data Mart</a:t>
+            </a:r>
           </a:p>
         </p:txBody>
       </p:sp>
@@ -22035,7 +22006,7 @@
           <a:lstStyle/>
           <a:p>
             <a:r>
-              <a:rPr lang="en-US" dirty="0" smtClean="0"/>
+              <a:rPr lang="en-US" dirty="0"/>
               <a:t>Data marts (cont.)</a:t>
             </a:r>
           </a:p>
@@ -22062,10 +22033,10 @@
           <a:lstStyle/>
           <a:p>
             <a:r>
-              <a:rPr lang="en-GB" sz="1400" dirty="0" smtClean="0"/>
+              <a:rPr lang="en-GB" sz="1400" dirty="0"/>
               <a:t>Data Marts are designed in many ways to provide data to the user.</a:t>
             </a:r>
-            <a:endParaRPr lang="en-US" sz="1400" dirty="0" smtClean="0"/>
+            <a:endParaRPr lang="en-US" sz="1400" dirty="0"/>
           </a:p>
         </p:txBody>
       </p:sp>
@@ -22120,17 +22091,7 @@
                 <a:latin typeface="Arial" pitchFamily="34" charset="0"/>
                 <a:cs typeface="Arial" pitchFamily="34" charset="0"/>
               </a:rPr>
-              <a:t>Federated Data </a:t>
-            </a:r>
-            <a:r>
-              <a:rPr lang="en-US" sz="1600" b="1" dirty="0" smtClean="0">
-                <a:solidFill>
-                  <a:schemeClr val="bg1"/>
-                </a:solidFill>
-                <a:latin typeface="Arial" pitchFamily="34" charset="0"/>
-                <a:cs typeface="Arial" pitchFamily="34" charset="0"/>
-              </a:rPr>
-              <a:t>Warehouse</a:t>
+              <a:t>Federated Data Warehouse</a:t>
             </a:r>
             <a:endParaRPr lang="en-US" sz="1600" b="1" dirty="0">
               <a:solidFill>
@@ -22191,25 +22152,8 @@
                 <a:latin typeface="Arial" pitchFamily="34" charset="0"/>
                 <a:cs typeface="Arial" pitchFamily="34" charset="0"/>
               </a:rPr>
-              <a:t>Independent Data </a:t>
-            </a:r>
-            <a:r>
-              <a:rPr lang="en-US" sz="1600" b="1" dirty="0" smtClean="0">
-                <a:solidFill>
-                  <a:schemeClr val="bg1"/>
-                </a:solidFill>
-                <a:latin typeface="Arial" pitchFamily="34" charset="0"/>
-                <a:cs typeface="Arial" pitchFamily="34" charset="0"/>
-              </a:rPr>
-              <a:t>Mart</a:t>
-            </a:r>
-            <a:endParaRPr lang="en-US" sz="1600" b="1" dirty="0">
-              <a:solidFill>
-                <a:schemeClr val="bg1"/>
-              </a:solidFill>
-              <a:latin typeface="Arial" pitchFamily="34" charset="0"/>
-              <a:cs typeface="Arial" pitchFamily="34" charset="0"/>
-            </a:endParaRPr>
+              <a:t>Independent Data Mart</a:t>
+            </a:r>
           </a:p>
         </p:txBody>
       </p:sp>
@@ -22255,7 +22199,7 @@
           <a:lstStyle/>
           <a:p>
             <a:pPr algn="ctr"/>
-            <a:endParaRPr lang="en-US" sz="2000" b="0" dirty="0" smtClean="0"/>
+            <a:endParaRPr lang="en-US" sz="2000" b="0" dirty="0"/>
           </a:p>
         </p:txBody>
       </p:sp>
@@ -22301,7 +22245,7 @@
           <a:lstStyle/>
           <a:p>
             <a:pPr algn="ctr"/>
-            <a:endParaRPr lang="en-US" sz="2000" b="0" dirty="0" smtClean="0"/>
+            <a:endParaRPr lang="en-US" sz="2000" b="0" dirty="0"/>
           </a:p>
         </p:txBody>
       </p:sp>
@@ -22347,7 +22291,7 @@
           <a:lstStyle/>
           <a:p>
             <a:pPr algn="ctr"/>
-            <a:endParaRPr lang="en-US" sz="2000" b="0" dirty="0" smtClean="0"/>
+            <a:endParaRPr lang="en-US" sz="2000" b="0" dirty="0"/>
           </a:p>
         </p:txBody>
       </p:sp>
@@ -22362,13 +22306,6 @@
     <a:masterClrMapping/>
   </p:clrMapOvr>
   <p:transition spd="slow"/>
-  <p:timing>
-    <p:tnLst>
-      <p:par>
-        <p:cTn id="1" dur="indefinite" restart="never" nodeType="tmRoot"/>
-      </p:par>
-    </p:tnLst>
-  </p:timing>
 </p:sld>
 </file>
 
@@ -22411,14 +22348,10 @@
               <a:rPr lang="en-US" dirty="0"/>
               <a:t>Why data warehouse?</a:t>
             </a:r>
-            <a:r>
-              <a:rPr lang="en-US" altLang="ja-JP" dirty="0" smtClean="0"/>
-              <a:t/>
-            </a:r>
             <a:br>
-              <a:rPr lang="en-US" altLang="ja-JP" dirty="0" smtClean="0"/>
+              <a:rPr lang="en-US" altLang="ja-JP" dirty="0"/>
             </a:br>
-            <a:endParaRPr lang="en-US" dirty="0" smtClean="0">
+            <a:endParaRPr lang="en-US" dirty="0">
               <a:solidFill>
                 <a:srgbClr val="575757"/>
               </a:solidFill>
@@ -22446,7 +22379,7 @@
           <a:graphicData uri="http://schemas.openxmlformats.org/presentationml/2006/ole">
             <mc:AlternateContent xmlns:mc="http://schemas.openxmlformats.org/markup-compatibility/2006">
               <mc:Choice xmlns:v="urn:schemas-microsoft-com:vml" Requires="v">
-                <p:oleObj spid="_x0000_s3098" name="think-cell Slide" r:id="rId6" imgW="0" imgH="0" progId="">
+                <p:oleObj spid="_x0000_s3101" name="think-cell Slide" r:id="rId6" imgW="0" imgH="0" progId="">
                   <p:embed/>
                 </p:oleObj>
               </mc:Choice>
@@ -22544,7 +22477,7 @@
           <a:lstStyle/>
           <a:p>
             <a:pPr algn="ctr"/>
-            <a:endParaRPr lang="en-US" sz="1400" dirty="0" err="1" smtClean="0">
+            <a:endParaRPr lang="en-US" sz="1400" dirty="0" err="1">
               <a:solidFill>
                 <a:schemeClr val="tx2"/>
               </a:solidFill>
@@ -22596,7 +22529,7 @@
           <a:lstStyle/>
           <a:p>
             <a:pPr algn="ctr"/>
-            <a:endParaRPr lang="en-US" sz="1400" dirty="0" err="1" smtClean="0">
+            <a:endParaRPr lang="en-US" sz="1400" dirty="0" err="1">
               <a:solidFill>
                 <a:schemeClr val="tx2"/>
               </a:solidFill>
@@ -22648,7 +22581,7 @@
           <a:lstStyle/>
           <a:p>
             <a:pPr algn="ctr"/>
-            <a:endParaRPr lang="en-US" sz="1400" dirty="0" err="1" smtClean="0">
+            <a:endParaRPr lang="en-US" sz="1400" dirty="0" err="1">
               <a:solidFill>
                 <a:schemeClr val="tx2"/>
               </a:solidFill>
@@ -22700,7 +22633,7 @@
           <a:lstStyle/>
           <a:p>
             <a:pPr algn="ctr"/>
-            <a:endParaRPr lang="en-US" sz="1400" dirty="0" err="1" smtClean="0">
+            <a:endParaRPr lang="en-US" sz="1400" dirty="0" err="1">
               <a:solidFill>
                 <a:schemeClr val="tx2"/>
               </a:solidFill>
@@ -22752,7 +22685,7 @@
           <a:lstStyle/>
           <a:p>
             <a:pPr algn="ctr"/>
-            <a:endParaRPr lang="en-US" sz="1400" dirty="0" err="1" smtClean="0">
+            <a:endParaRPr lang="en-US" sz="1400" dirty="0" err="1">
               <a:solidFill>
                 <a:schemeClr val="tx2"/>
               </a:solidFill>
@@ -22811,7 +22744,7 @@
               <a:rPr lang="en-US" sz="2000" b="1" dirty="0"/>
               <a:t>Enhances Data Quality and Consistency</a:t>
             </a:r>
-            <a:endParaRPr lang="en-US" sz="2000" b="0" dirty="0" smtClean="0"/>
+            <a:endParaRPr lang="en-US" sz="2000" b="0" dirty="0"/>
           </a:p>
         </p:txBody>
       </p:sp>
@@ -22859,7 +22792,7 @@
           <a:lstStyle/>
           <a:p>
             <a:pPr algn="ctr"/>
-            <a:endParaRPr lang="en-US" sz="1400" dirty="0" err="1" smtClean="0">
+            <a:endParaRPr lang="en-US" sz="1400" dirty="0" err="1">
               <a:solidFill>
                 <a:schemeClr val="tx2"/>
               </a:solidFill>
@@ -22915,7 +22848,7 @@
           <a:p>
             <a:pPr algn="ctr"/>
             <a:r>
-              <a:rPr lang="en-US" sz="2000" b="1" dirty="0" smtClean="0"/>
+              <a:rPr lang="en-US" sz="2000" b="1" dirty="0"/>
               <a:t>Analyze Historical Data and Gain Insights</a:t>
             </a:r>
           </a:p>
@@ -22965,7 +22898,7 @@
           <a:lstStyle/>
           <a:p>
             <a:pPr algn="ctr"/>
-            <a:endParaRPr lang="en-US" sz="1400" dirty="0" err="1" smtClean="0">
+            <a:endParaRPr lang="en-US" sz="1400" dirty="0" err="1">
               <a:solidFill>
                 <a:schemeClr val="tx2"/>
               </a:solidFill>
@@ -23020,7 +22953,7 @@
           <a:lstStyle/>
           <a:p>
             <a:pPr algn="ctr"/>
-            <a:endParaRPr lang="en-US" sz="2000" b="1" dirty="0" err="1" smtClean="0"/>
+            <a:endParaRPr lang="en-US" sz="2000" b="1" dirty="0" err="1"/>
           </a:p>
         </p:txBody>
       </p:sp>
@@ -23068,7 +23001,7 @@
           <a:lstStyle/>
           <a:p>
             <a:pPr algn="ctr"/>
-            <a:endParaRPr lang="en-US" sz="1400" dirty="0" err="1" smtClean="0">
+            <a:endParaRPr lang="en-US" sz="1400" dirty="0" err="1">
               <a:solidFill>
                 <a:schemeClr val="tx2"/>
               </a:solidFill>
@@ -23123,7 +23056,7 @@
           <a:lstStyle/>
           <a:p>
             <a:pPr algn="ctr"/>
-            <a:endParaRPr lang="en-US" sz="2000" b="0" dirty="0" err="1" smtClean="0">
+            <a:endParaRPr lang="en-US" sz="2000" b="0" dirty="0" err="1">
               <a:solidFill>
                 <a:schemeClr val="tx1"/>
               </a:solidFill>
@@ -23155,7 +23088,7 @@
           <a:p>
             <a:pPr algn="ctr"/>
             <a:r>
-              <a:rPr lang="en-US" sz="4800" b="1" dirty="0" smtClean="0">
+              <a:rPr lang="en-US" sz="4800" b="1" dirty="0">
                 <a:solidFill>
                   <a:schemeClr val="bg2"/>
                 </a:solidFill>
@@ -23189,7 +23122,7 @@
           <a:p>
             <a:pPr algn="ctr"/>
             <a:r>
-              <a:rPr lang="en-US" sz="4800" b="1" dirty="0" smtClean="0">
+              <a:rPr lang="en-US" sz="4800" b="1" dirty="0">
                 <a:solidFill>
                   <a:schemeClr val="bg2"/>
                 </a:solidFill>
@@ -23223,7 +23156,7 @@
           <a:p>
             <a:pPr algn="ctr"/>
             <a:r>
-              <a:rPr lang="en-US" sz="4800" b="1" dirty="0" smtClean="0">
+              <a:rPr lang="en-US" sz="4800" b="1" dirty="0">
                 <a:solidFill>
                   <a:schemeClr val="bg2"/>
                 </a:solidFill>
@@ -23260,34 +23193,13 @@
               </a:spcAft>
             </a:pPr>
             <a:r>
-              <a:rPr lang="en-US" sz="2000" b="1" dirty="0" smtClean="0">
-                <a:solidFill>
-                  <a:schemeClr val="bg2"/>
-                </a:solidFill>
-              </a:rPr>
-              <a:t>Delivers</a:t>
-            </a:r>
-            <a:r>
               <a:rPr lang="en-US" sz="2000" b="1" dirty="0">
                 <a:solidFill>
                   <a:schemeClr val="bg2"/>
                 </a:solidFill>
               </a:rPr>
-              <a:t> Enhanced Business </a:t>
-            </a:r>
-            <a:r>
-              <a:rPr lang="en-US" sz="2000" b="1" dirty="0" smtClean="0">
-                <a:solidFill>
-                  <a:schemeClr val="bg2"/>
-                </a:solidFill>
-              </a:rPr>
-              <a:t>Intelligence</a:t>
-            </a:r>
-            <a:endParaRPr lang="en-US" sz="2000" b="1" dirty="0">
-              <a:solidFill>
-                <a:schemeClr val="bg2"/>
-              </a:solidFill>
-            </a:endParaRPr>
+              <a:t>Delivers Enhanced Business Intelligence</a:t>
+            </a:r>
           </a:p>
         </p:txBody>
       </p:sp>
@@ -23314,47 +23226,14 @@
           <a:lstStyle/>
           <a:p>
             <a:r>
-              <a:rPr lang="en-US" i="1" dirty="0" smtClean="0"/>
-              <a:t>Data </a:t>
-            </a:r>
-            <a:r>
               <a:rPr lang="en-US" i="1" dirty="0"/>
-              <a:t>warehouse is the foundation for a successful BI program. </a:t>
-            </a:r>
-            <a:endParaRPr lang="en-US" i="1" dirty="0" smtClean="0"/>
-          </a:p>
-          <a:p>
-            <a:r>
-              <a:rPr lang="en-US" i="1" dirty="0" smtClean="0"/>
-              <a:t>	The </a:t>
-            </a:r>
+              <a:t>Data warehouse is the foundation for a successful BI program. </a:t>
+            </a:r>
+          </a:p>
+          <a:p>
             <a:r>
               <a:rPr lang="en-US" i="1" dirty="0"/>
-              <a:t>concept of data warehousing is </a:t>
-            </a:r>
-            <a:r>
-              <a:rPr lang="en-US" i="1" dirty="0" smtClean="0"/>
-              <a:t>to </a:t>
-            </a:r>
-            <a:r>
-              <a:rPr lang="en-US" i="1" dirty="0"/>
-              <a:t>create a central location </a:t>
-            </a:r>
-            <a:r>
-              <a:rPr lang="en-US" i="1" dirty="0" smtClean="0"/>
-              <a:t>	and </a:t>
-            </a:r>
-            <a:r>
-              <a:rPr lang="en-US" i="1" dirty="0"/>
-              <a:t>permanent storage space for the various data sources needed </a:t>
-            </a:r>
-            <a:r>
-              <a:rPr lang="en-US" i="1" dirty="0" smtClean="0"/>
-              <a:t>	to </a:t>
-            </a:r>
-            <a:r>
-              <a:rPr lang="en-US" i="1" dirty="0"/>
-              <a:t>support a company’s analysis,  reporting and other BI functions. </a:t>
+              <a:t>	The concept of data warehousing is to create a central location 	and permanent storage space for the various data sources needed 	to support a company’s analysis,  reporting and other BI functions. </a:t>
             </a:r>
           </a:p>
         </p:txBody>
@@ -23386,18 +23265,13 @@
               </a:spcAft>
             </a:pPr>
             <a:r>
-              <a:rPr lang="en-US" sz="2000" b="1" dirty="0" smtClean="0">
+              <a:rPr lang="en-US" sz="2000" b="1" dirty="0">
                 <a:solidFill>
                   <a:schemeClr val="bg2"/>
                 </a:solidFill>
               </a:rPr>
               <a:t>Saves Time</a:t>
             </a:r>
-            <a:endParaRPr lang="en-US" sz="2000" b="1" dirty="0">
-              <a:solidFill>
-                <a:schemeClr val="bg2"/>
-              </a:solidFill>
-            </a:endParaRPr>
           </a:p>
         </p:txBody>
       </p:sp>
@@ -23432,11 +23306,6 @@
               </a:rPr>
               <a:t>1</a:t>
             </a:r>
-            <a:endParaRPr lang="en-US" sz="4800" b="1" dirty="0" smtClean="0">
-              <a:solidFill>
-                <a:schemeClr val="bg2"/>
-              </a:solidFill>
-            </a:endParaRPr>
           </a:p>
         </p:txBody>
       </p:sp>
@@ -23453,13 +23322,6 @@
   <p:transition>
     <p:fade/>
   </p:transition>
-  <p:timing>
-    <p:tnLst>
-      <p:par>
-        <p:cTn id="1" dur="indefinite" restart="never" nodeType="tmRoot"/>
-      </p:par>
-    </p:tnLst>
-  </p:timing>
 </p:sld>
 </file>
 
@@ -23526,10 +23388,9 @@
           <a:lstStyle/>
           <a:p>
             <a:r>
-              <a:rPr lang="en-US" dirty="0" smtClean="0"/>
+              <a:rPr lang="en-US" dirty="0"/>
               <a:t>Attributes of Data Warehouse</a:t>
             </a:r>
-            <a:endParaRPr lang="en-US" dirty="0"/>
           </a:p>
         </p:txBody>
       </p:sp>
@@ -23543,13 +23404,6 @@
   <p:clrMapOvr>
     <a:masterClrMapping/>
   </p:clrMapOvr>
-  <p:timing>
-    <p:tnLst>
-      <p:par>
-        <p:cTn id="1" dur="indefinite" restart="never" nodeType="tmRoot"/>
-      </p:par>
-    </p:tnLst>
-  </p:timing>
 </p:sld>
 </file>
 
@@ -23591,7 +23445,7 @@
           <a:lstStyle/>
           <a:p>
             <a:r>
-              <a:rPr lang="en-US" sz="1400" dirty="0" smtClean="0"/>
+              <a:rPr lang="en-US" sz="1400" dirty="0"/>
               <a:t>There is a difference between the databases designed for operating the business and those for managing the business.</a:t>
             </a:r>
           </a:p>
@@ -23618,7 +23472,7 @@
           <a:lstStyle/>
           <a:p>
             <a:r>
-              <a:rPr lang="en-US" dirty="0" smtClean="0"/>
+              <a:rPr lang="en-US" dirty="0"/>
               <a:t>Data warehouses versus operational systems</a:t>
             </a:r>
           </a:p>
@@ -23710,9 +23564,27 @@
             <a:tbl>
               <a:tblPr/>
               <a:tblGrid>
-                <a:gridCol w="1489301"/>
-                <a:gridCol w="3516086"/>
-                <a:gridCol w="3327400"/>
+                <a:gridCol w="1489301">
+                  <a:extLst>
+                    <a:ext uri="{9D8B030D-6E8A-4147-A177-3AD203B41FA5}">
+                      <a16:colId xmlns:a16="http://schemas.microsoft.com/office/drawing/2014/main" val="20000"/>
+                    </a:ext>
+                  </a:extLst>
+                </a:gridCol>
+                <a:gridCol w="3516086">
+                  <a:extLst>
+                    <a:ext uri="{9D8B030D-6E8A-4147-A177-3AD203B41FA5}">
+                      <a16:colId xmlns:a16="http://schemas.microsoft.com/office/drawing/2014/main" val="20001"/>
+                    </a:ext>
+                  </a:extLst>
+                </a:gridCol>
+                <a:gridCol w="3327400">
+                  <a:extLst>
+                    <a:ext uri="{9D8B030D-6E8A-4147-A177-3AD203B41FA5}">
+                      <a16:colId xmlns:a16="http://schemas.microsoft.com/office/drawing/2014/main" val="20002"/>
+                    </a:ext>
+                  </a:extLst>
+                </a:gridCol>
               </a:tblGrid>
               <a:tr h="349067">
                 <a:tc>
@@ -23739,7 +23611,7 @@
                         <a:tabLst/>
                       </a:pPr>
                       <a:r>
-                        <a:rPr kumimoji="0" lang="en-US" sz="1400" b="1" i="0" u="none" strike="noStrike" cap="none" normalizeH="0" baseline="0" dirty="0" smtClean="0">
+                        <a:rPr kumimoji="0" lang="en-US" sz="1400" b="1" i="0" u="none" strike="noStrike" cap="none" normalizeH="0" baseline="0" dirty="0">
                           <a:ln>
                             <a:noFill/>
                           </a:ln>
@@ -23821,7 +23693,7 @@
                         <a:tabLst/>
                       </a:pPr>
                       <a:r>
-                        <a:rPr kumimoji="0" lang="en-US" sz="1400" b="1" i="0" u="none" strike="noStrike" cap="none" normalizeH="0" baseline="0" dirty="0" smtClean="0">
+                        <a:rPr kumimoji="0" lang="en-US" sz="1400" b="1" i="0" u="none" strike="noStrike" cap="none" normalizeH="0" baseline="0" dirty="0">
                           <a:ln>
                             <a:noFill/>
                           </a:ln>
@@ -23905,7 +23777,7 @@
                         <a:tabLst/>
                       </a:pPr>
                       <a:r>
-                        <a:rPr kumimoji="0" lang="en-US" sz="1400" b="1" i="0" u="none" strike="noStrike" cap="none" normalizeH="0" baseline="0" dirty="0" smtClean="0">
+                        <a:rPr kumimoji="0" lang="en-US" sz="1400" b="1" i="0" u="none" strike="noStrike" cap="none" normalizeH="0" baseline="0" dirty="0">
                           <a:ln>
                             <a:noFill/>
                           </a:ln>
@@ -23963,6 +23835,11 @@
                     </a:solidFill>
                   </a:tcPr>
                 </a:tc>
+                <a:extLst>
+                  <a:ext uri="{0D108BD9-81ED-4DB2-BD59-A6C34878D82A}">
+                    <a16:rowId xmlns:a16="http://schemas.microsoft.com/office/drawing/2014/main" val="10000"/>
+                  </a:ext>
+                </a:extLst>
               </a:tr>
               <a:tr h="595690">
                 <a:tc rowSpan="4">
@@ -23989,7 +23866,7 @@
                         <a:tabLst/>
                       </a:pPr>
                       <a:r>
-                        <a:rPr kumimoji="0" lang="en-US" sz="1400" b="1" i="0" u="none" strike="noStrike" cap="none" normalizeH="0" baseline="0" dirty="0" smtClean="0">
+                        <a:rPr kumimoji="0" lang="en-US" sz="1400" b="1" i="0" u="none" strike="noStrike" cap="none" normalizeH="0" baseline="0" dirty="0">
                           <a:ln>
                             <a:noFill/>
                           </a:ln>
@@ -24071,7 +23948,7 @@
                         <a:tabLst/>
                       </a:pPr>
                       <a:r>
-                        <a:rPr lang="en-US" sz="1400" kern="1200" dirty="0" smtClean="0">
+                        <a:rPr lang="en-US" sz="1400" kern="1200" dirty="0">
                           <a:solidFill>
                             <a:srgbClr val="002776"/>
                           </a:solidFill>
@@ -24151,7 +24028,7 @@
                         <a:tabLst/>
                       </a:pPr>
                       <a:r>
-                        <a:rPr lang="en-US" sz="1400" kern="1200" dirty="0" smtClean="0">
+                        <a:rPr lang="en-US" sz="1400" kern="1200" dirty="0">
                           <a:solidFill>
                             <a:srgbClr val="002776"/>
                           </a:solidFill>
@@ -24207,6 +24084,11 @@
                     </a:solidFill>
                   </a:tcPr>
                 </a:tc>
+                <a:extLst>
+                  <a:ext uri="{0D108BD9-81ED-4DB2-BD59-A6C34878D82A}">
+                    <a16:rowId xmlns:a16="http://schemas.microsoft.com/office/drawing/2014/main" val="10001"/>
+                  </a:ext>
+                </a:extLst>
               </a:tr>
               <a:tr h="349067">
                 <a:tc vMerge="1">
@@ -24243,7 +24125,7 @@
                         <a:tabLst/>
                       </a:pPr>
                       <a:r>
-                        <a:rPr lang="en-US" sz="1400" kern="1200" dirty="0" smtClean="0">
+                        <a:rPr lang="en-US" sz="1400" kern="1200" dirty="0">
                           <a:solidFill>
                             <a:srgbClr val="002776"/>
                           </a:solidFill>
@@ -24323,7 +24205,7 @@
                         <a:tabLst/>
                       </a:pPr>
                       <a:r>
-                        <a:rPr lang="en-US" sz="1400" kern="1200" dirty="0" smtClean="0">
+                        <a:rPr lang="en-US" sz="1400" kern="1200" dirty="0">
                           <a:solidFill>
                             <a:srgbClr val="002776"/>
                           </a:solidFill>
@@ -24379,6 +24261,11 @@
                     </a:solidFill>
                   </a:tcPr>
                 </a:tc>
+                <a:extLst>
+                  <a:ext uri="{0D108BD9-81ED-4DB2-BD59-A6C34878D82A}">
+                    <a16:rowId xmlns:a16="http://schemas.microsoft.com/office/drawing/2014/main" val="10002"/>
+                  </a:ext>
+                </a:extLst>
               </a:tr>
               <a:tr h="349067">
                 <a:tc vMerge="1">
@@ -24415,7 +24302,7 @@
                         <a:tabLst/>
                       </a:pPr>
                       <a:r>
-                        <a:rPr lang="en-US" sz="1400" kern="1200" dirty="0" smtClean="0">
+                        <a:rPr lang="en-US" sz="1400" kern="1200" dirty="0">
                           <a:solidFill>
                             <a:srgbClr val="002776"/>
                           </a:solidFill>
@@ -24495,7 +24382,7 @@
                         <a:tabLst/>
                       </a:pPr>
                       <a:r>
-                        <a:rPr lang="en-US" sz="1400" kern="1200" dirty="0" smtClean="0">
+                        <a:rPr lang="en-US" sz="1400" kern="1200" dirty="0">
                           <a:solidFill>
                             <a:srgbClr val="002776"/>
                           </a:solidFill>
@@ -24551,6 +24438,11 @@
                     </a:solidFill>
                   </a:tcPr>
                 </a:tc>
+                <a:extLst>
+                  <a:ext uri="{0D108BD9-81ED-4DB2-BD59-A6C34878D82A}">
+                    <a16:rowId xmlns:a16="http://schemas.microsoft.com/office/drawing/2014/main" val="10003"/>
+                  </a:ext>
+                </a:extLst>
               </a:tr>
               <a:tr h="349067">
                 <a:tc vMerge="1">
@@ -24587,7 +24479,7 @@
                         <a:tabLst/>
                       </a:pPr>
                       <a:r>
-                        <a:rPr lang="en-US" sz="1400" kern="1200" dirty="0" smtClean="0">
+                        <a:rPr lang="en-US" sz="1400" kern="1200" dirty="0">
                           <a:solidFill>
                             <a:srgbClr val="002776"/>
                           </a:solidFill>
@@ -24667,7 +24559,7 @@
                         <a:tabLst/>
                       </a:pPr>
                       <a:r>
-                        <a:rPr lang="en-US" sz="1400" kern="1200" dirty="0" smtClean="0">
+                        <a:rPr lang="en-US" sz="1400" kern="1200" dirty="0">
                           <a:solidFill>
                             <a:srgbClr val="002776"/>
                           </a:solidFill>
@@ -24723,6 +24615,11 @@
                     </a:solidFill>
                   </a:tcPr>
                 </a:tc>
+                <a:extLst>
+                  <a:ext uri="{0D108BD9-81ED-4DB2-BD59-A6C34878D82A}">
+                    <a16:rowId xmlns:a16="http://schemas.microsoft.com/office/drawing/2014/main" val="10004"/>
+                  </a:ext>
+                </a:extLst>
               </a:tr>
               <a:tr h="595690">
                 <a:tc rowSpan="6">
@@ -24749,7 +24646,7 @@
                         <a:tabLst/>
                       </a:pPr>
                       <a:r>
-                        <a:rPr kumimoji="0" lang="en-US" sz="1400" b="1" i="0" u="none" strike="noStrike" cap="none" normalizeH="0" baseline="0" dirty="0" smtClean="0">
+                        <a:rPr kumimoji="0" lang="en-US" sz="1400" b="1" i="0" u="none" strike="noStrike" cap="none" normalizeH="0" baseline="0" dirty="0">
                           <a:ln>
                             <a:noFill/>
                           </a:ln>
@@ -24831,7 +24728,7 @@
                         <a:tabLst/>
                       </a:pPr>
                       <a:r>
-                        <a:rPr lang="en-US" sz="1400" kern="1200" dirty="0" smtClean="0">
+                        <a:rPr lang="en-US" sz="1400" kern="1200" dirty="0">
                           <a:solidFill>
                             <a:srgbClr val="002776"/>
                           </a:solidFill>
@@ -24911,7 +24808,7 @@
                         <a:tabLst/>
                       </a:pPr>
                       <a:r>
-                        <a:rPr lang="en-US" sz="1400" kern="1200" dirty="0" smtClean="0">
+                        <a:rPr lang="en-US" sz="1400" kern="1200" dirty="0">
                           <a:solidFill>
                             <a:srgbClr val="002776"/>
                           </a:solidFill>
@@ -24967,6 +24864,11 @@
                     </a:solidFill>
                   </a:tcPr>
                 </a:tc>
+                <a:extLst>
+                  <a:ext uri="{0D108BD9-81ED-4DB2-BD59-A6C34878D82A}">
+                    <a16:rowId xmlns:a16="http://schemas.microsoft.com/office/drawing/2014/main" val="10005"/>
+                  </a:ext>
+                </a:extLst>
               </a:tr>
               <a:tr h="349067">
                 <a:tc vMerge="1">
@@ -25003,7 +24905,7 @@
                         <a:tabLst/>
                       </a:pPr>
                       <a:r>
-                        <a:rPr lang="en-US" sz="1400" kern="1200" dirty="0" smtClean="0">
+                        <a:rPr lang="en-US" sz="1400" kern="1200" dirty="0">
                           <a:solidFill>
                             <a:srgbClr val="002776"/>
                           </a:solidFill>
@@ -25083,7 +24985,7 @@
                         <a:tabLst/>
                       </a:pPr>
                       <a:r>
-                        <a:rPr lang="en-US" sz="1400" kern="1200" dirty="0" smtClean="0">
+                        <a:rPr lang="en-US" sz="1400" kern="1200" dirty="0">
                           <a:solidFill>
                             <a:srgbClr val="002776"/>
                           </a:solidFill>
@@ -25139,6 +25041,11 @@
                     </a:solidFill>
                   </a:tcPr>
                 </a:tc>
+                <a:extLst>
+                  <a:ext uri="{0D108BD9-81ED-4DB2-BD59-A6C34878D82A}">
+                    <a16:rowId xmlns:a16="http://schemas.microsoft.com/office/drawing/2014/main" val="10006"/>
+                  </a:ext>
+                </a:extLst>
               </a:tr>
               <a:tr h="349067">
                 <a:tc vMerge="1">
@@ -25175,7 +25082,7 @@
                         <a:tabLst/>
                       </a:pPr>
                       <a:r>
-                        <a:rPr lang="en-US" sz="1400" kern="1200" dirty="0" smtClean="0">
+                        <a:rPr lang="en-US" sz="1400" kern="1200" dirty="0">
                           <a:solidFill>
                             <a:srgbClr val="002776"/>
                           </a:solidFill>
@@ -25255,7 +25162,7 @@
                         <a:tabLst/>
                       </a:pPr>
                       <a:r>
-                        <a:rPr lang="en-US" sz="1400" kern="1200" dirty="0" smtClean="0">
+                        <a:rPr lang="en-US" sz="1400" kern="1200" dirty="0">
                           <a:solidFill>
                             <a:srgbClr val="002776"/>
                           </a:solidFill>
@@ -25311,6 +25218,11 @@
                     </a:solidFill>
                   </a:tcPr>
                 </a:tc>
+                <a:extLst>
+                  <a:ext uri="{0D108BD9-81ED-4DB2-BD59-A6C34878D82A}">
+                    <a16:rowId xmlns:a16="http://schemas.microsoft.com/office/drawing/2014/main" val="10007"/>
+                  </a:ext>
+                </a:extLst>
               </a:tr>
               <a:tr h="349067">
                 <a:tc vMerge="1">
@@ -25347,7 +25259,7 @@
                         <a:tabLst/>
                       </a:pPr>
                       <a:r>
-                        <a:rPr lang="en-US" sz="1400" kern="1200" dirty="0" smtClean="0">
+                        <a:rPr lang="en-US" sz="1400" kern="1200" dirty="0">
                           <a:solidFill>
                             <a:srgbClr val="002776"/>
                           </a:solidFill>
@@ -25427,7 +25339,7 @@
                         <a:tabLst/>
                       </a:pPr>
                       <a:r>
-                        <a:rPr lang="en-US" sz="1400" kern="1200" dirty="0" smtClean="0">
+                        <a:rPr lang="en-US" sz="1400" kern="1200" dirty="0">
                           <a:solidFill>
                             <a:srgbClr val="002776"/>
                           </a:solidFill>
@@ -25483,6 +25395,11 @@
                     </a:solidFill>
                   </a:tcPr>
                 </a:tc>
+                <a:extLst>
+                  <a:ext uri="{0D108BD9-81ED-4DB2-BD59-A6C34878D82A}">
+                    <a16:rowId xmlns:a16="http://schemas.microsoft.com/office/drawing/2014/main" val="10008"/>
+                  </a:ext>
+                </a:extLst>
               </a:tr>
               <a:tr h="349067">
                 <a:tc vMerge="1">
@@ -25519,7 +25436,7 @@
                         <a:tabLst/>
                       </a:pPr>
                       <a:r>
-                        <a:rPr lang="en-US" sz="1400" kern="1200" dirty="0" smtClean="0">
+                        <a:rPr lang="en-US" sz="1400" kern="1200" dirty="0">
                           <a:solidFill>
                             <a:srgbClr val="002776"/>
                           </a:solidFill>
@@ -25599,7 +25516,7 @@
                         <a:tabLst/>
                       </a:pPr>
                       <a:r>
-                        <a:rPr lang="en-US" sz="1400" kern="1200" dirty="0" smtClean="0">
+                        <a:rPr lang="en-US" sz="1400" kern="1200" dirty="0">
                           <a:solidFill>
                             <a:srgbClr val="002776"/>
                           </a:solidFill>
@@ -25655,6 +25572,11 @@
                     </a:solidFill>
                   </a:tcPr>
                 </a:tc>
+                <a:extLst>
+                  <a:ext uri="{0D108BD9-81ED-4DB2-BD59-A6C34878D82A}">
+                    <a16:rowId xmlns:a16="http://schemas.microsoft.com/office/drawing/2014/main" val="10009"/>
+                  </a:ext>
+                </a:extLst>
               </a:tr>
               <a:tr h="595690">
                 <a:tc vMerge="1">
@@ -25691,7 +25613,7 @@
                         <a:tabLst/>
                       </a:pPr>
                       <a:r>
-                        <a:rPr lang="en-US" sz="1400" kern="1200" dirty="0" smtClean="0">
+                        <a:rPr lang="en-US" sz="1400" kern="1200" dirty="0">
                           <a:solidFill>
                             <a:srgbClr val="002776"/>
                           </a:solidFill>
@@ -25771,7 +25693,7 @@
                         <a:tabLst/>
                       </a:pPr>
                       <a:r>
-                        <a:rPr lang="en-US" sz="1400" kern="1200" dirty="0" smtClean="0">
+                        <a:rPr lang="en-US" sz="1400" kern="1200" dirty="0">
                           <a:solidFill>
                             <a:srgbClr val="002776"/>
                           </a:solidFill>
@@ -25827,6 +25749,11 @@
                     </a:solidFill>
                   </a:tcPr>
                 </a:tc>
+                <a:extLst>
+                  <a:ext uri="{0D108BD9-81ED-4DB2-BD59-A6C34878D82A}">
+                    <a16:rowId xmlns:a16="http://schemas.microsoft.com/office/drawing/2014/main" val="10010"/>
+                  </a:ext>
+                </a:extLst>
               </a:tr>
               <a:tr h="349067">
                 <a:tc>
@@ -25853,7 +25780,7 @@
                         <a:tabLst/>
                       </a:pPr>
                       <a:r>
-                        <a:rPr kumimoji="0" lang="en-US" sz="1400" b="1" i="0" u="none" strike="noStrike" kern="1200" cap="none" normalizeH="0" baseline="0" dirty="0" smtClean="0">
+                        <a:rPr kumimoji="0" lang="en-US" sz="1400" b="1" i="0" u="none" strike="noStrike" kern="1200" cap="none" normalizeH="0" baseline="0" dirty="0">
                           <a:ln>
                             <a:noFill/>
                           </a:ln>
@@ -25937,7 +25864,7 @@
                         <a:tabLst/>
                       </a:pPr>
                       <a:r>
-                        <a:rPr lang="en-US" sz="1400" kern="1200" dirty="0" smtClean="0">
+                        <a:rPr lang="en-US" sz="1400" kern="1200" dirty="0">
                           <a:solidFill>
                             <a:srgbClr val="002776"/>
                           </a:solidFill>
@@ -26017,7 +25944,7 @@
                         <a:tabLst/>
                       </a:pPr>
                       <a:r>
-                        <a:rPr lang="en-US" sz="1400" kern="1200" dirty="0" smtClean="0">
+                        <a:rPr lang="en-US" sz="1400" kern="1200" dirty="0">
                           <a:solidFill>
                             <a:srgbClr val="002776"/>
                           </a:solidFill>
@@ -26073,6 +26000,11 @@
                     </a:solidFill>
                   </a:tcPr>
                 </a:tc>
+                <a:extLst>
+                  <a:ext uri="{0D108BD9-81ED-4DB2-BD59-A6C34878D82A}">
+                    <a16:rowId xmlns:a16="http://schemas.microsoft.com/office/drawing/2014/main" val="10011"/>
+                  </a:ext>
+                </a:extLst>
               </a:tr>
             </a:tbl>
           </a:graphicData>
@@ -26088,13 +26020,6 @@
   <p:clrMapOvr>
     <a:masterClrMapping/>
   </p:clrMapOvr>
-  <p:timing>
-    <p:tnLst>
-      <p:par>
-        <p:cTn id="1" dur="indefinite" restart="never" nodeType="tmRoot"/>
-      </p:par>
-    </p:tnLst>
-  </p:timing>
 </p:sld>
 </file>
 
@@ -26136,18 +26061,13 @@
           <a:lstStyle/>
           <a:p>
             <a:r>
-              <a:rPr lang="en-US" sz="3000" b="0" dirty="0" smtClean="0">
+              <a:rPr lang="en-US" sz="3000" b="0" dirty="0">
                 <a:solidFill>
                   <a:schemeClr val="accent2"/>
                 </a:solidFill>
               </a:rPr>
               <a:t>DW — High level architecture</a:t>
             </a:r>
-            <a:endParaRPr lang="en-US" sz="3000" b="0" dirty="0">
-              <a:solidFill>
-                <a:schemeClr val="accent2"/>
-              </a:solidFill>
-            </a:endParaRPr>
           </a:p>
         </p:txBody>
       </p:sp>
@@ -26245,7 +26165,7 @@
                     </a:spcAft>
                   </a:pPr>
                   <a:r>
-                    <a:rPr lang="en-US" sz="1050" b="1" dirty="0" smtClean="0">
+                    <a:rPr lang="en-US" sz="1050" b="1" dirty="0">
                       <a:solidFill>
                         <a:srgbClr val="FFFFFF"/>
                       </a:solidFill>
@@ -26314,7 +26234,7 @@
                     </a:rPr>
                     <a:t>Reports</a:t>
                   </a:r>
-                  <a:endParaRPr lang="en-US" sz="1050" dirty="0" smtClean="0">
+                  <a:endParaRPr lang="en-US" sz="1050" dirty="0">
                     <a:solidFill>
                       <a:srgbClr val="FFFFFF"/>
                     </a:solidFill>
@@ -26419,7 +26339,7 @@
                           </a:spcAft>
                         </a:pPr>
                         <a:r>
-                          <a:rPr lang="en-US" sz="800" dirty="0" smtClean="0">
+                          <a:rPr lang="en-US" sz="800" dirty="0">
                             <a:solidFill>
                               <a:srgbClr val="002776"/>
                             </a:solidFill>
@@ -26486,7 +26406,7 @@
                           </a:spcAft>
                         </a:pPr>
                         <a:r>
-                          <a:rPr lang="en-US" sz="800" dirty="0" smtClean="0">
+                          <a:rPr lang="en-US" sz="800" dirty="0">
                             <a:solidFill>
                               <a:srgbClr val="002776"/>
                             </a:solidFill>
@@ -26553,7 +26473,7 @@
                         </a:spcAft>
                       </a:pPr>
                       <a:r>
-                        <a:rPr lang="en-US" sz="1050" b="1" dirty="0" smtClean="0">
+                        <a:rPr lang="en-US" sz="1050" b="1" dirty="0">
                           <a:solidFill>
                             <a:srgbClr val="FFFFFF"/>
                           </a:solidFill>
@@ -26631,7 +26551,7 @@
                           </a:spcAft>
                         </a:pPr>
                         <a:r>
-                          <a:rPr lang="en-US" sz="1050" b="1" dirty="0" smtClean="0">
+                          <a:rPr lang="en-US" sz="1050" b="1" dirty="0">
                             <a:solidFill>
                               <a:srgbClr val="002776"/>
                             </a:solidFill>
@@ -26770,7 +26690,7 @@
                         </a:spcAft>
                       </a:pPr>
                       <a:r>
-                        <a:rPr lang="en-US" sz="1050" b="1" dirty="0" smtClean="0">
+                        <a:rPr lang="en-US" sz="1050" b="1" dirty="0">
                           <a:solidFill>
                             <a:srgbClr val="FFFFFF"/>
                           </a:solidFill>
@@ -26836,7 +26756,7 @@
                         </a:spcAft>
                       </a:pPr>
                       <a:r>
-                        <a:rPr lang="en-US" sz="1050" b="1" dirty="0" smtClean="0">
+                        <a:rPr lang="en-US" sz="1050" b="1" dirty="0">
                           <a:solidFill>
                             <a:srgbClr val="FFFFFF"/>
                           </a:solidFill>
@@ -26902,7 +26822,7 @@
                         </a:spcAft>
                       </a:pPr>
                       <a:r>
-                        <a:rPr lang="en-US" sz="1050" b="1" dirty="0" smtClean="0">
+                        <a:rPr lang="en-US" sz="1050" b="1" dirty="0">
                           <a:solidFill>
                             <a:srgbClr val="FFFFFF"/>
                           </a:solidFill>
@@ -26968,7 +26888,7 @@
                         </a:spcAft>
                       </a:pPr>
                       <a:r>
-                        <a:rPr lang="en-US" sz="1050" b="1" dirty="0" err="1" smtClean="0">
+                        <a:rPr lang="en-US" sz="1050" b="1" dirty="0" err="1">
                           <a:solidFill>
                             <a:srgbClr val="FFFFFF"/>
                           </a:solidFill>
@@ -26976,7 +26896,7 @@
                         <a:t>Agg</a:t>
                       </a:r>
                       <a:r>
-                        <a:rPr lang="en-US" sz="1050" b="1" dirty="0" smtClean="0">
+                        <a:rPr lang="en-US" sz="1050" b="1" dirty="0">
                           <a:solidFill>
                             <a:srgbClr val="FFFFFF"/>
                           </a:solidFill>
@@ -27054,7 +26974,7 @@
                           </a:spcAft>
                         </a:pPr>
                         <a:r>
-                          <a:rPr lang="en-US" sz="1050" b="1" dirty="0" smtClean="0">
+                          <a:rPr lang="en-US" sz="1050" b="1" dirty="0">
                             <a:solidFill>
                               <a:srgbClr val="002776"/>
                             </a:solidFill>
@@ -27205,7 +27125,7 @@
                           </a:spcAft>
                         </a:pPr>
                         <a:r>
-                          <a:rPr lang="en-US" sz="1050" b="1" dirty="0" smtClean="0">
+                          <a:rPr lang="en-US" sz="1050" b="1" dirty="0">
                             <a:solidFill>
                               <a:srgbClr val="002776"/>
                             </a:solidFill>
@@ -27356,7 +27276,7 @@
                           </a:spcAft>
                         </a:pPr>
                         <a:r>
-                          <a:rPr lang="en-US" sz="1050" b="1" dirty="0" smtClean="0">
+                          <a:rPr lang="en-US" sz="1050" b="1" dirty="0">
                             <a:solidFill>
                               <a:srgbClr val="002776"/>
                             </a:solidFill>
@@ -27507,7 +27427,7 @@
                           </a:spcAft>
                         </a:pPr>
                         <a:r>
-                          <a:rPr lang="en-US" sz="1050" b="1" dirty="0" smtClean="0">
+                          <a:rPr lang="en-US" sz="1050" b="1" dirty="0">
                             <a:solidFill>
                               <a:srgbClr val="002776"/>
                             </a:solidFill>
@@ -27791,23 +27711,8 @@
                       </a:solidFill>
                       <a:cs typeface="Arial" pitchFamily="34" charset="0"/>
                     </a:rPr>
-                    <a:t>Data </a:t>
+                    <a:t>Data Acquisition</a:t>
                   </a:r>
-                  <a:r>
-                    <a:rPr lang="en-US" sz="1100" b="1" dirty="0" smtClean="0">
-                      <a:solidFill>
-                        <a:srgbClr val="FFFFFF"/>
-                      </a:solidFill>
-                      <a:cs typeface="Arial" pitchFamily="34" charset="0"/>
-                    </a:rPr>
-                    <a:t>Acquisition</a:t>
-                  </a:r>
-                  <a:endParaRPr lang="en-US" sz="1100" b="1" dirty="0">
-                    <a:solidFill>
-                      <a:srgbClr val="FFFFFF"/>
-                    </a:solidFill>
-                    <a:cs typeface="Arial" pitchFamily="34" charset="0"/>
-                  </a:endParaRPr>
                 </a:p>
               </p:txBody>
             </p:sp>
@@ -27938,23 +27843,8 @@
                       </a:solidFill>
                       <a:cs typeface="Arial" pitchFamily="34" charset="0"/>
                     </a:rPr>
-                    <a:t>Data </a:t>
+                    <a:t>Data Integration</a:t>
                   </a:r>
-                  <a:r>
-                    <a:rPr lang="en-US" sz="1100" b="1" dirty="0" smtClean="0">
-                      <a:solidFill>
-                        <a:srgbClr val="FFFFFF"/>
-                      </a:solidFill>
-                      <a:cs typeface="Arial" pitchFamily="34" charset="0"/>
-                    </a:rPr>
-                    <a:t>Integration</a:t>
-                  </a:r>
-                  <a:endParaRPr lang="en-US" sz="1100" b="1" dirty="0">
-                    <a:solidFill>
-                      <a:srgbClr val="FFFFFF"/>
-                    </a:solidFill>
-                    <a:cs typeface="Arial" pitchFamily="34" charset="0"/>
-                  </a:endParaRPr>
                 </a:p>
               </p:txBody>
             </p:sp>
@@ -28085,23 +27975,8 @@
                       </a:solidFill>
                       <a:cs typeface="Arial" pitchFamily="34" charset="0"/>
                     </a:rPr>
-                    <a:t>Data </a:t>
+                    <a:t>Data Aggregation</a:t>
                   </a:r>
-                  <a:r>
-                    <a:rPr lang="en-US" sz="1100" b="1" dirty="0" smtClean="0">
-                      <a:solidFill>
-                        <a:srgbClr val="FFFFFF"/>
-                      </a:solidFill>
-                      <a:cs typeface="Arial" pitchFamily="34" charset="0"/>
-                    </a:rPr>
-                    <a:t>Aggregation</a:t>
-                  </a:r>
-                  <a:endParaRPr lang="en-US" sz="1100" b="1" dirty="0">
-                    <a:solidFill>
-                      <a:srgbClr val="FFFFFF"/>
-                    </a:solidFill>
-                    <a:cs typeface="Arial" pitchFamily="34" charset="0"/>
-                  </a:endParaRPr>
                 </a:p>
               </p:txBody>
             </p:sp>
@@ -28169,7 +28044,7 @@
                     <a:defRPr/>
                   </a:pPr>
                   <a:r>
-                    <a:rPr lang="en-US" sz="1100" b="1" dirty="0" smtClean="0">
+                    <a:rPr lang="en-US" sz="1100" b="1" dirty="0">
                       <a:solidFill>
                         <a:srgbClr val="FFFFFF"/>
                       </a:solidFill>
@@ -28177,12 +28052,6 @@
                     </a:rPr>
                     <a:t>BI &amp; Information delivery </a:t>
                   </a:r>
-                  <a:endParaRPr lang="en-US" sz="1100" b="1" dirty="0">
-                    <a:solidFill>
-                      <a:srgbClr val="FFFFFF"/>
-                    </a:solidFill>
-                    <a:cs typeface="Arial" pitchFamily="34" charset="0"/>
-                  </a:endParaRPr>
                 </a:p>
               </p:txBody>
             </p:sp>
@@ -28583,13 +28452,6 @@
   <p:clrMapOvr>
     <a:masterClrMapping/>
   </p:clrMapOvr>
-  <p:timing>
-    <p:tnLst>
-      <p:par>
-        <p:cTn id="1" dur="indefinite" restart="never" nodeType="tmRoot"/>
-      </p:par>
-    </p:tnLst>
-  </p:timing>
 </p:sld>
 </file>
 
@@ -28626,7 +28488,7 @@
           <a:lstStyle/>
           <a:p>
             <a:r>
-              <a:rPr lang="en-US" dirty="0" smtClean="0"/>
+              <a:rPr lang="en-US" dirty="0"/>
               <a:t>Technology architecture components</a:t>
             </a:r>
           </a:p>
@@ -28653,7 +28515,7 @@
           <a:lstStyle/>
           <a:p>
             <a:r>
-              <a:rPr lang="en-US" sz="1400" dirty="0" smtClean="0"/>
+              <a:rPr lang="en-US" sz="1400" dirty="0"/>
               <a:t>Below is an overview of the EIM technology architecture components:</a:t>
             </a:r>
           </a:p>
@@ -28685,8 +28547,20 @@
             <a:tbl>
               <a:tblPr/>
               <a:tblGrid>
-                <a:gridCol w="1373249"/>
-                <a:gridCol w="6957951"/>
+                <a:gridCol w="1373249">
+                  <a:extLst>
+                    <a:ext uri="{9D8B030D-6E8A-4147-A177-3AD203B41FA5}">
+                      <a16:colId xmlns:a16="http://schemas.microsoft.com/office/drawing/2014/main" val="20000"/>
+                    </a:ext>
+                  </a:extLst>
+                </a:gridCol>
+                <a:gridCol w="6957951">
+                  <a:extLst>
+                    <a:ext uri="{9D8B030D-6E8A-4147-A177-3AD203B41FA5}">
+                      <a16:colId xmlns:a16="http://schemas.microsoft.com/office/drawing/2014/main" val="20001"/>
+                    </a:ext>
+                  </a:extLst>
+                </a:gridCol>
               </a:tblGrid>
               <a:tr h="333251">
                 <a:tc>
@@ -28713,7 +28587,7 @@
                         <a:tabLst/>
                       </a:pPr>
                       <a:r>
-                        <a:rPr kumimoji="0" lang="en-US" sz="1400" b="1" i="0" u="none" strike="noStrike" cap="none" normalizeH="0" baseline="0" dirty="0" smtClean="0">
+                        <a:rPr kumimoji="0" lang="en-US" sz="1400" b="1" i="0" u="none" strike="noStrike" cap="none" normalizeH="0" baseline="0" dirty="0">
                           <a:ln>
                             <a:noFill/>
                           </a:ln>
@@ -28793,7 +28667,7 @@
                         <a:tabLst/>
                       </a:pPr>
                       <a:r>
-                        <a:rPr kumimoji="0" lang="en-US" sz="1400" b="1" i="0" u="none" strike="noStrike" cap="none" normalizeH="0" baseline="0" dirty="0" smtClean="0">
+                        <a:rPr kumimoji="0" lang="en-US" sz="1400" b="1" i="0" u="none" strike="noStrike" cap="none" normalizeH="0" baseline="0" dirty="0">
                           <a:ln>
                             <a:noFill/>
                           </a:ln>
@@ -28849,6 +28723,11 @@
                     </a:solidFill>
                   </a:tcPr>
                 </a:tc>
+                <a:extLst>
+                  <a:ext uri="{0D108BD9-81ED-4DB2-BD59-A6C34878D82A}">
+                    <a16:rowId xmlns:a16="http://schemas.microsoft.com/office/drawing/2014/main" val="10000"/>
+                  </a:ext>
+                </a:extLst>
               </a:tr>
               <a:tr h="1313007">
                 <a:tc>
@@ -28875,7 +28754,7 @@
                         <a:tabLst/>
                       </a:pPr>
                       <a:r>
-                        <a:rPr lang="en-US" sz="1400" b="1" kern="1200" dirty="0" smtClean="0">
+                        <a:rPr lang="en-US" sz="1400" b="1" kern="1200" dirty="0">
                           <a:solidFill>
                             <a:srgbClr val="002776"/>
                           </a:solidFill>
@@ -28953,7 +28832,7 @@
                         <a:tabLst/>
                       </a:pPr>
                       <a:r>
-                        <a:rPr lang="en-US" sz="1400" b="1" kern="1200" dirty="0" smtClean="0">
+                        <a:rPr lang="en-US" sz="1400" b="1" kern="1200" dirty="0">
                           <a:solidFill>
                             <a:srgbClr val="002776"/>
                           </a:solidFill>
@@ -28964,7 +28843,7 @@
                         <a:t>Operational and transactional sources: </a:t>
                       </a:r>
                       <a:r>
-                        <a:rPr lang="en-US" sz="1400" kern="1200" dirty="0" smtClean="0">
+                        <a:rPr lang="en-US" sz="1400" kern="1200" dirty="0">
                           <a:solidFill>
                             <a:srgbClr val="002776"/>
                           </a:solidFill>
@@ -28995,7 +28874,7 @@
                         <a:tabLst/>
                       </a:pPr>
                       <a:r>
-                        <a:rPr lang="en-US" sz="1400" b="1" kern="1200" dirty="0" smtClean="0">
+                        <a:rPr lang="en-US" sz="1400" b="1" kern="1200" dirty="0">
                           <a:solidFill>
                             <a:srgbClr val="002776"/>
                           </a:solidFill>
@@ -29006,7 +28885,7 @@
                         <a:t>External sources: </a:t>
                       </a:r>
                       <a:r>
-                        <a:rPr lang="en-US" sz="1400" kern="1200" dirty="0" smtClean="0">
+                        <a:rPr lang="en-US" sz="1400" kern="1200" dirty="0">
                           <a:solidFill>
                             <a:srgbClr val="002776"/>
                           </a:solidFill>
@@ -29037,7 +28916,7 @@
                         <a:tabLst/>
                       </a:pPr>
                       <a:r>
-                        <a:rPr lang="en-US" sz="1400" b="1" kern="1200" dirty="0" smtClean="0">
+                        <a:rPr lang="en-US" sz="1400" b="1" kern="1200" dirty="0">
                           <a:solidFill>
                             <a:srgbClr val="002776"/>
                           </a:solidFill>
@@ -29048,7 +28927,7 @@
                         <a:t>Reference and master sources</a:t>
                       </a:r>
                       <a:r>
-                        <a:rPr lang="en-US" sz="1400" kern="1200" dirty="0" smtClean="0">
+                        <a:rPr lang="en-US" sz="1400" kern="1200" dirty="0">
                           <a:solidFill>
                             <a:srgbClr val="002776"/>
                           </a:solidFill>
@@ -29079,7 +28958,7 @@
                         <a:tabLst/>
                       </a:pPr>
                       <a:r>
-                        <a:rPr lang="en-US" sz="1400" b="1" kern="1200" dirty="0" smtClean="0">
+                        <a:rPr lang="en-US" sz="1400" b="1" kern="1200" dirty="0">
                           <a:solidFill>
                             <a:srgbClr val="002776"/>
                           </a:solidFill>
@@ -29090,7 +28969,7 @@
                         <a:t>Unstructured: </a:t>
                       </a:r>
                       <a:r>
-                        <a:rPr lang="en-US" sz="1400" kern="1200" dirty="0" smtClean="0">
+                        <a:rPr lang="en-US" sz="1400" kern="1200" dirty="0">
                           <a:solidFill>
                             <a:srgbClr val="002776"/>
                           </a:solidFill>
@@ -29144,6 +29023,11 @@
                     </a:solidFill>
                   </a:tcPr>
                 </a:tc>
+                <a:extLst>
+                  <a:ext uri="{0D108BD9-81ED-4DB2-BD59-A6C34878D82A}">
+                    <a16:rowId xmlns:a16="http://schemas.microsoft.com/office/drawing/2014/main" val="10001"/>
+                  </a:ext>
+                </a:extLst>
               </a:tr>
               <a:tr h="1269685">
                 <a:tc>
@@ -29170,7 +29054,7 @@
                         <a:tabLst/>
                       </a:pPr>
                       <a:r>
-                        <a:rPr lang="en-US" sz="1400" b="1" kern="1200" dirty="0" smtClean="0">
+                        <a:rPr lang="en-US" sz="1400" b="1" kern="1200" dirty="0">
                           <a:solidFill>
                             <a:srgbClr val="002776"/>
                           </a:solidFill>
@@ -29250,7 +29134,7 @@
                         <a:tabLst/>
                       </a:pPr>
                       <a:r>
-                        <a:rPr lang="en-US" sz="1400" b="1" kern="1200" dirty="0" smtClean="0">
+                        <a:rPr lang="en-US" sz="1400" b="1" kern="1200" dirty="0">
                           <a:solidFill>
                             <a:srgbClr val="002776"/>
                           </a:solidFill>
@@ -29261,7 +29145,7 @@
                         <a:t>Business rule and consolidation engines</a:t>
                       </a:r>
                       <a:r>
-                        <a:rPr lang="en-US" sz="1400" kern="1200" dirty="0" smtClean="0">
+                        <a:rPr lang="en-US" sz="1400" kern="1200" dirty="0">
                           <a:solidFill>
                             <a:srgbClr val="002776"/>
                           </a:solidFill>
@@ -29292,7 +29176,7 @@
                         <a:tabLst/>
                       </a:pPr>
                       <a:r>
-                        <a:rPr lang="en-US" sz="1400" b="1" kern="1200" dirty="0" smtClean="0">
+                        <a:rPr lang="en-US" sz="1400" b="1" kern="1200" dirty="0">
                           <a:solidFill>
                             <a:srgbClr val="002776"/>
                           </a:solidFill>
@@ -29303,7 +29187,7 @@
                         <a:t>Data mapping and transport: </a:t>
                       </a:r>
                       <a:r>
-                        <a:rPr lang="en-US" sz="1400" kern="1200" dirty="0" smtClean="0">
+                        <a:rPr lang="en-US" sz="1400" kern="1200" dirty="0">
                           <a:solidFill>
                             <a:srgbClr val="002776"/>
                           </a:solidFill>
@@ -29334,7 +29218,7 @@
                         <a:tabLst/>
                       </a:pPr>
                       <a:r>
-                        <a:rPr lang="en-US" sz="1400" b="1" kern="1200" dirty="0" smtClean="0">
+                        <a:rPr lang="en-US" sz="1400" b="1" kern="1200" dirty="0">
                           <a:solidFill>
                             <a:srgbClr val="002776"/>
                           </a:solidFill>
@@ -29345,7 +29229,7 @@
                         <a:t>Image content: </a:t>
                       </a:r>
                       <a:r>
-                        <a:rPr lang="en-US" sz="1400" kern="1200" dirty="0" smtClean="0">
+                        <a:rPr lang="en-US" sz="1400" kern="1200" dirty="0">
                           <a:solidFill>
                             <a:srgbClr val="002776"/>
                           </a:solidFill>
@@ -29401,6 +29285,11 @@
                     </a:solidFill>
                   </a:tcPr>
                 </a:tc>
+                <a:extLst>
+                  <a:ext uri="{0D108BD9-81ED-4DB2-BD59-A6C34878D82A}">
+                    <a16:rowId xmlns:a16="http://schemas.microsoft.com/office/drawing/2014/main" val="10002"/>
+                  </a:ext>
+                </a:extLst>
               </a:tr>
               <a:tr h="2439394">
                 <a:tc>
@@ -29427,7 +29316,7 @@
                         <a:tabLst/>
                       </a:pPr>
                       <a:r>
-                        <a:rPr lang="en-US" sz="1400" b="1" kern="1200" dirty="0" smtClean="0">
+                        <a:rPr lang="en-US" sz="1400" b="1" kern="1200" dirty="0">
                           <a:solidFill>
                             <a:srgbClr val="002776"/>
                           </a:solidFill>
@@ -29507,7 +29396,7 @@
                         <a:tabLst/>
                       </a:pPr>
                       <a:r>
-                        <a:rPr lang="en-US" sz="1400" b="1" kern="1200" dirty="0" smtClean="0">
+                        <a:rPr lang="en-US" sz="1400" b="1" kern="1200" dirty="0">
                           <a:solidFill>
                             <a:srgbClr val="002776"/>
                           </a:solidFill>
@@ -29518,7 +29407,7 @@
                         <a:t>Enterprise data warehouse: </a:t>
                       </a:r>
                       <a:r>
-                        <a:rPr lang="en-US" sz="1400" kern="1200" dirty="0" smtClean="0">
+                        <a:rPr lang="en-US" sz="1400" kern="1200" dirty="0">
                           <a:solidFill>
                             <a:srgbClr val="002776"/>
                           </a:solidFill>
@@ -29549,7 +29438,7 @@
                         <a:tabLst/>
                       </a:pPr>
                       <a:r>
-                        <a:rPr lang="en-US" sz="1400" b="1" kern="1200" dirty="0" smtClean="0">
+                        <a:rPr lang="en-US" sz="1400" b="1" kern="1200" dirty="0">
                           <a:solidFill>
                             <a:srgbClr val="002776"/>
                           </a:solidFill>
@@ -29560,7 +29449,7 @@
                         <a:t>Operational data store (ODS): </a:t>
                       </a:r>
                       <a:r>
-                        <a:rPr lang="en-US" sz="1400" kern="1200" dirty="0" smtClean="0">
+                        <a:rPr lang="en-US" sz="1400" kern="1200" dirty="0">
                           <a:solidFill>
                             <a:srgbClr val="002776"/>
                           </a:solidFill>
@@ -29591,7 +29480,7 @@
                         <a:tabLst/>
                       </a:pPr>
                       <a:r>
-                        <a:rPr lang="en-US" sz="1400" b="1" kern="1200" dirty="0" smtClean="0">
+                        <a:rPr lang="en-US" sz="1400" b="1" kern="1200" dirty="0">
                           <a:solidFill>
                             <a:srgbClr val="002776"/>
                           </a:solidFill>
@@ -29602,7 +29491,7 @@
                         <a:t>Data marts:</a:t>
                       </a:r>
                       <a:r>
-                        <a:rPr lang="en-US" sz="1400" kern="1200" dirty="0" smtClean="0">
+                        <a:rPr lang="en-US" sz="1400" kern="1200" dirty="0">
                           <a:solidFill>
                             <a:srgbClr val="002776"/>
                           </a:solidFill>
@@ -29633,7 +29522,7 @@
                         <a:tabLst/>
                       </a:pPr>
                       <a:r>
-                        <a:rPr lang="en-US" sz="1400" b="1" kern="1200" dirty="0" smtClean="0">
+                        <a:rPr lang="en-US" sz="1400" b="1" kern="1200" dirty="0">
                           <a:solidFill>
                             <a:srgbClr val="002776"/>
                           </a:solidFill>
@@ -29644,7 +29533,7 @@
                         <a:t>Business process management: </a:t>
                       </a:r>
                       <a:r>
-                        <a:rPr lang="en-US" sz="1400" kern="1200" dirty="0" smtClean="0">
+                        <a:rPr lang="en-US" sz="1400" kern="1200" dirty="0">
                           <a:solidFill>
                             <a:srgbClr val="002776"/>
                           </a:solidFill>
@@ -29675,7 +29564,7 @@
                         <a:tabLst/>
                       </a:pPr>
                       <a:r>
-                        <a:rPr lang="en-US" sz="1400" b="1" kern="1200" dirty="0" smtClean="0">
+                        <a:rPr lang="en-US" sz="1400" b="1" kern="1200" dirty="0">
                           <a:solidFill>
                             <a:srgbClr val="002776"/>
                           </a:solidFill>
@@ -29686,7 +29575,7 @@
                         <a:t>Content repositories: </a:t>
                       </a:r>
                       <a:r>
-                        <a:rPr lang="en-US" sz="1400" kern="1200" dirty="0" smtClean="0">
+                        <a:rPr lang="en-US" sz="1400" kern="1200" dirty="0">
                           <a:solidFill>
                             <a:srgbClr val="002776"/>
                           </a:solidFill>
@@ -29742,6 +29631,11 @@
                     </a:solidFill>
                   </a:tcPr>
                 </a:tc>
+                <a:extLst>
+                  <a:ext uri="{0D108BD9-81ED-4DB2-BD59-A6C34878D82A}">
+                    <a16:rowId xmlns:a16="http://schemas.microsoft.com/office/drawing/2014/main" val="10003"/>
+                  </a:ext>
+                </a:extLst>
               </a:tr>
             </a:tbl>
           </a:graphicData>
@@ -29760,13 +29654,6 @@
   <p:transition>
     <p:fade/>
   </p:transition>
-  <p:timing>
-    <p:tnLst>
-      <p:par>
-        <p:cTn id="1" dur="indefinite" restart="never" nodeType="tmRoot"/>
-      </p:par>
-    </p:tnLst>
-  </p:timing>
 </p:sld>
 </file>
 
@@ -29803,7 +29690,7 @@
           <a:lstStyle/>
           <a:p>
             <a:r>
-              <a:rPr lang="en-US" dirty="0" smtClean="0"/>
+              <a:rPr lang="en-US" dirty="0"/>
               <a:t>Information Delivery and Consumption</a:t>
             </a:r>
           </a:p>
@@ -29832,8 +29719,20 @@
             <a:tbl>
               <a:tblPr/>
               <a:tblGrid>
-                <a:gridCol w="1373249"/>
-                <a:gridCol w="6957951"/>
+                <a:gridCol w="1373249">
+                  <a:extLst>
+                    <a:ext uri="{9D8B030D-6E8A-4147-A177-3AD203B41FA5}">
+                      <a16:colId xmlns:a16="http://schemas.microsoft.com/office/drawing/2014/main" val="20000"/>
+                    </a:ext>
+                  </a:extLst>
+                </a:gridCol>
+                <a:gridCol w="6957951">
+                  <a:extLst>
+                    <a:ext uri="{9D8B030D-6E8A-4147-A177-3AD203B41FA5}">
+                      <a16:colId xmlns:a16="http://schemas.microsoft.com/office/drawing/2014/main" val="20001"/>
+                    </a:ext>
+                  </a:extLst>
+                </a:gridCol>
               </a:tblGrid>
               <a:tr h="0">
                 <a:tc>
@@ -29860,7 +29759,7 @@
                         <a:tabLst/>
                       </a:pPr>
                       <a:r>
-                        <a:rPr kumimoji="0" lang="en-US" sz="1400" b="1" i="0" u="none" strike="noStrike" cap="none" normalizeH="0" baseline="0" dirty="0" smtClean="0">
+                        <a:rPr kumimoji="0" lang="en-US" sz="1400" b="1" i="0" u="none" strike="noStrike" cap="none" normalizeH="0" baseline="0" dirty="0">
                           <a:ln>
                             <a:noFill/>
                           </a:ln>
@@ -29940,7 +29839,7 @@
                         <a:tabLst/>
                       </a:pPr>
                       <a:r>
-                        <a:rPr kumimoji="0" lang="en-US" sz="1400" b="1" i="0" u="none" strike="noStrike" cap="none" normalizeH="0" baseline="0" dirty="0" smtClean="0">
+                        <a:rPr kumimoji="0" lang="en-US" sz="1400" b="1" i="0" u="none" strike="noStrike" cap="none" normalizeH="0" baseline="0" dirty="0">
                           <a:ln>
                             <a:noFill/>
                           </a:ln>
@@ -29996,6 +29895,11 @@
                     </a:solidFill>
                   </a:tcPr>
                 </a:tc>
+                <a:extLst>
+                  <a:ext uri="{0D108BD9-81ED-4DB2-BD59-A6C34878D82A}">
+                    <a16:rowId xmlns:a16="http://schemas.microsoft.com/office/drawing/2014/main" val="10000"/>
+                  </a:ext>
+                </a:extLst>
               </a:tr>
               <a:tr h="316627">
                 <a:tc>
@@ -30021,7 +29925,7 @@
                         <a:buNone/>
                         <a:tabLst/>
                       </a:pPr>
-                      <a:endParaRPr kumimoji="0" lang="en-US" sz="1200" b="1" i="0" u="none" strike="noStrike" cap="none" normalizeH="0" baseline="0" dirty="0" smtClean="0">
+                      <a:endParaRPr kumimoji="0" lang="en-US" sz="1200" b="1" i="0" u="none" strike="noStrike" cap="none" normalizeH="0" baseline="0" dirty="0">
                         <a:ln>
                           <a:noFill/>
                         </a:ln>
@@ -30051,7 +29955,7 @@
                         <a:buNone/>
                         <a:tabLst/>
                       </a:pPr>
-                      <a:endParaRPr kumimoji="0" lang="en-US" sz="1200" b="1" i="0" u="none" strike="noStrike" cap="none" normalizeH="0" baseline="0" dirty="0" smtClean="0">
+                      <a:endParaRPr kumimoji="0" lang="en-US" sz="1200" b="1" i="0" u="none" strike="noStrike" cap="none" normalizeH="0" baseline="0" dirty="0">
                         <a:ln>
                           <a:noFill/>
                         </a:ln>
@@ -30081,7 +29985,7 @@
                         <a:buNone/>
                         <a:tabLst/>
                       </a:pPr>
-                      <a:endParaRPr kumimoji="0" lang="en-US" sz="1200" b="1" i="0" u="none" strike="noStrike" cap="none" normalizeH="0" baseline="0" dirty="0" smtClean="0">
+                      <a:endParaRPr kumimoji="0" lang="en-US" sz="1200" b="1" i="0" u="none" strike="noStrike" cap="none" normalizeH="0" baseline="0" dirty="0">
                         <a:ln>
                           <a:noFill/>
                         </a:ln>
@@ -30111,7 +30015,7 @@
                         <a:buNone/>
                         <a:tabLst/>
                       </a:pPr>
-                      <a:endParaRPr kumimoji="0" lang="en-US" sz="1200" b="1" i="0" u="none" strike="noStrike" cap="none" normalizeH="0" baseline="0" dirty="0" smtClean="0">
+                      <a:endParaRPr kumimoji="0" lang="en-US" sz="1200" b="1" i="0" u="none" strike="noStrike" cap="none" normalizeH="0" baseline="0" dirty="0">
                         <a:ln>
                           <a:noFill/>
                         </a:ln>
@@ -30141,7 +30045,7 @@
                         <a:buNone/>
                         <a:tabLst/>
                       </a:pPr>
-                      <a:endParaRPr kumimoji="0" lang="en-US" sz="1200" b="1" i="0" u="none" strike="noStrike" cap="none" normalizeH="0" baseline="0" dirty="0" smtClean="0">
+                      <a:endParaRPr kumimoji="0" lang="en-US" sz="1200" b="1" i="0" u="none" strike="noStrike" cap="none" normalizeH="0" baseline="0" dirty="0">
                         <a:ln>
                           <a:noFill/>
                         </a:ln>
@@ -30171,7 +30075,7 @@
                         <a:buNone/>
                         <a:tabLst/>
                       </a:pPr>
-                      <a:endParaRPr kumimoji="0" lang="en-US" sz="1200" b="1" i="0" u="none" strike="noStrike" cap="none" normalizeH="0" baseline="0" dirty="0" smtClean="0">
+                      <a:endParaRPr kumimoji="0" lang="en-US" sz="1200" b="1" i="0" u="none" strike="noStrike" cap="none" normalizeH="0" baseline="0" dirty="0">
                         <a:ln>
                           <a:noFill/>
                         </a:ln>
@@ -30201,7 +30105,7 @@
                         <a:buNone/>
                         <a:tabLst/>
                       </a:pPr>
-                      <a:endParaRPr kumimoji="0" lang="en-US" sz="1200" b="1" i="0" u="none" strike="noStrike" cap="none" normalizeH="0" baseline="0" dirty="0" smtClean="0">
+                      <a:endParaRPr kumimoji="0" lang="en-US" sz="1200" b="1" i="0" u="none" strike="noStrike" cap="none" normalizeH="0" baseline="0" dirty="0">
                         <a:ln>
                           <a:noFill/>
                         </a:ln>
@@ -30231,7 +30135,7 @@
                         <a:buNone/>
                         <a:tabLst/>
                       </a:pPr>
-                      <a:endParaRPr kumimoji="0" lang="en-US" sz="1200" b="1" i="0" u="none" strike="noStrike" cap="none" normalizeH="0" baseline="0" dirty="0" smtClean="0">
+                      <a:endParaRPr kumimoji="0" lang="en-US" sz="1200" b="1" i="0" u="none" strike="noStrike" cap="none" normalizeH="0" baseline="0" dirty="0">
                         <a:ln>
                           <a:noFill/>
                         </a:ln>
@@ -30262,7 +30166,7 @@
                         <a:tabLst/>
                       </a:pPr>
                       <a:r>
-                        <a:rPr kumimoji="0" lang="en-US" sz="1300" b="1" i="0" u="none" strike="noStrike" cap="none" normalizeH="0" baseline="0" dirty="0" smtClean="0">
+                        <a:rPr kumimoji="0" lang="en-US" sz="1300" b="1" i="0" u="none" strike="noStrike" cap="none" normalizeH="0" baseline="0" dirty="0">
                           <a:ln>
                             <a:noFill/>
                           </a:ln>
@@ -30342,7 +30246,7 @@
                         <a:tabLst/>
                       </a:pPr>
                       <a:r>
-                        <a:rPr kumimoji="0" lang="en-US" sz="1300" b="1" i="0" u="none" strike="noStrike" cap="none" normalizeH="0" baseline="0" dirty="0" smtClean="0">
+                        <a:rPr kumimoji="0" lang="en-US" sz="1300" b="1" i="0" u="none" strike="noStrike" cap="none" normalizeH="0" baseline="0" dirty="0">
                           <a:ln>
                             <a:noFill/>
                           </a:ln>
@@ -30355,7 +30259,7 @@
                         <a:t>Business intelligence (BI):</a:t>
                       </a:r>
                       <a:r>
-                        <a:rPr kumimoji="0" lang="en-US" sz="1300" b="0" i="0" u="none" strike="noStrike" cap="none" normalizeH="0" baseline="0" dirty="0" smtClean="0">
+                        <a:rPr kumimoji="0" lang="en-US" sz="1300" b="0" i="0" u="none" strike="noStrike" cap="none" normalizeH="0" baseline="0" dirty="0">
                           <a:ln>
                             <a:noFill/>
                           </a:ln>
@@ -30388,7 +30292,7 @@
                         <a:tabLst/>
                       </a:pPr>
                       <a:r>
-                        <a:rPr kumimoji="0" lang="en-US" sz="1300" b="1" i="0" u="none" strike="noStrike" cap="none" normalizeH="0" baseline="0" dirty="0" smtClean="0">
+                        <a:rPr kumimoji="0" lang="en-US" sz="1300" b="1" i="0" u="none" strike="noStrike" cap="none" normalizeH="0" baseline="0" dirty="0">
                           <a:ln>
                             <a:noFill/>
                           </a:ln>
@@ -30401,7 +30305,7 @@
                         <a:t>Business activity monitoring:</a:t>
                       </a:r>
                       <a:r>
-                        <a:rPr kumimoji="0" lang="en-US" sz="1300" b="0" i="0" u="none" strike="noStrike" cap="none" normalizeH="0" baseline="0" dirty="0" smtClean="0">
+                        <a:rPr kumimoji="0" lang="en-US" sz="1300" b="0" i="0" u="none" strike="noStrike" cap="none" normalizeH="0" baseline="0" dirty="0">
                           <a:ln>
                             <a:noFill/>
                           </a:ln>
@@ -30434,7 +30338,7 @@
                         <a:tabLst/>
                       </a:pPr>
                       <a:r>
-                        <a:rPr kumimoji="0" lang="en-US" sz="1300" b="1" i="0" u="none" strike="noStrike" cap="none" normalizeH="0" baseline="0" dirty="0" smtClean="0">
+                        <a:rPr kumimoji="0" lang="en-US" sz="1300" b="1" i="0" u="none" strike="noStrike" cap="none" normalizeH="0" baseline="0" dirty="0">
                           <a:ln>
                             <a:noFill/>
                           </a:ln>
@@ -30447,7 +30351,7 @@
                         <a:t>Content management: </a:t>
                       </a:r>
                       <a:r>
-                        <a:rPr kumimoji="0" lang="en-US" sz="1300" b="0" i="0" u="none" strike="noStrike" cap="none" normalizeH="0" baseline="0" dirty="0" smtClean="0">
+                        <a:rPr kumimoji="0" lang="en-US" sz="1300" b="0" i="0" u="none" strike="noStrike" cap="none" normalizeH="0" baseline="0" dirty="0">
                           <a:ln>
                             <a:noFill/>
                           </a:ln>
@@ -30480,7 +30384,7 @@
                         <a:tabLst/>
                       </a:pPr>
                       <a:r>
-                        <a:rPr kumimoji="0" lang="en-US" sz="1300" b="1" i="0" u="none" strike="noStrike" cap="none" normalizeH="0" baseline="0" dirty="0" smtClean="0">
+                        <a:rPr kumimoji="0" lang="en-US" sz="1300" b="1" i="0" u="none" strike="noStrike" cap="none" normalizeH="0" baseline="0" dirty="0">
                           <a:ln>
                             <a:noFill/>
                           </a:ln>
@@ -30493,7 +30397,7 @@
                         <a:t>Enterprise content management services:</a:t>
                       </a:r>
                       <a:r>
-                        <a:rPr kumimoji="0" lang="en-US" sz="1300" b="0" i="0" u="none" strike="noStrike" cap="none" normalizeH="0" baseline="0" dirty="0" smtClean="0">
+                        <a:rPr kumimoji="0" lang="en-US" sz="1300" b="0" i="0" u="none" strike="noStrike" cap="none" normalizeH="0" baseline="0" dirty="0">
                           <a:ln>
                             <a:noFill/>
                           </a:ln>
@@ -30526,7 +30430,7 @@
                         <a:tabLst/>
                       </a:pPr>
                       <a:r>
-                        <a:rPr kumimoji="0" lang="en-US" sz="1300" b="1" i="0" u="none" strike="noStrike" cap="none" normalizeH="0" baseline="0" dirty="0" smtClean="0">
+                        <a:rPr kumimoji="0" lang="en-US" sz="1300" b="1" i="0" u="none" strike="noStrike" cap="none" normalizeH="0" baseline="0" dirty="0">
                           <a:ln>
                             <a:noFill/>
                           </a:ln>
@@ -30539,7 +30443,7 @@
                         <a:t>Enterprise information portal (EIP):</a:t>
                       </a:r>
                       <a:r>
-                        <a:rPr kumimoji="0" lang="en-US" sz="1300" b="0" i="0" u="none" strike="noStrike" cap="none" normalizeH="0" baseline="0" dirty="0" smtClean="0">
+                        <a:rPr kumimoji="0" lang="en-US" sz="1300" b="0" i="0" u="none" strike="noStrike" cap="none" normalizeH="0" baseline="0" dirty="0">
                           <a:ln>
                             <a:noFill/>
                           </a:ln>
@@ -30572,7 +30476,7 @@
                         <a:tabLst/>
                       </a:pPr>
                       <a:r>
-                        <a:rPr kumimoji="0" lang="en-US" sz="1300" b="1" i="0" u="none" strike="noStrike" cap="none" normalizeH="0" baseline="0" dirty="0" smtClean="0">
+                        <a:rPr kumimoji="0" lang="en-US" sz="1300" b="1" i="0" u="none" strike="noStrike" cap="none" normalizeH="0" baseline="0" dirty="0">
                           <a:ln>
                             <a:noFill/>
                           </a:ln>
@@ -30585,7 +30489,7 @@
                         <a:t>User access methods:</a:t>
                       </a:r>
                       <a:r>
-                        <a:rPr kumimoji="0" lang="en-US" sz="1300" b="0" i="0" u="none" strike="noStrike" cap="none" normalizeH="0" baseline="0" dirty="0" smtClean="0">
+                        <a:rPr kumimoji="0" lang="en-US" sz="1300" b="0" i="0" u="none" strike="noStrike" cap="none" normalizeH="0" baseline="0" dirty="0">
                           <a:ln>
                             <a:noFill/>
                           </a:ln>
@@ -30618,7 +30522,7 @@
                         <a:tabLst/>
                       </a:pPr>
                       <a:r>
-                        <a:rPr kumimoji="0" lang="en-US" sz="1300" b="1" i="0" u="none" strike="noStrike" cap="none" normalizeH="0" baseline="0" dirty="0" smtClean="0">
+                        <a:rPr kumimoji="0" lang="en-US" sz="1300" b="1" i="0" u="none" strike="noStrike" cap="none" normalizeH="0" baseline="0" dirty="0">
                           <a:ln>
                             <a:noFill/>
                           </a:ln>
@@ -30631,7 +30535,7 @@
                         <a:t>System access methods:</a:t>
                       </a:r>
                       <a:r>
-                        <a:rPr kumimoji="0" lang="en-US" sz="1300" b="0" i="0" u="none" strike="noStrike" cap="none" normalizeH="0" baseline="0" dirty="0" smtClean="0">
+                        <a:rPr kumimoji="0" lang="en-US" sz="1300" b="0" i="0" u="none" strike="noStrike" cap="none" normalizeH="0" baseline="0" dirty="0">
                           <a:ln>
                             <a:noFill/>
                           </a:ln>
@@ -30664,7 +30568,7 @@
                         <a:tabLst/>
                       </a:pPr>
                       <a:r>
-                        <a:rPr kumimoji="0" lang="en-US" sz="1300" b="1" i="0" u="none" strike="noStrike" cap="none" normalizeH="0" baseline="0" dirty="0" smtClean="0">
+                        <a:rPr kumimoji="0" lang="en-US" sz="1300" b="1" i="0" u="none" strike="noStrike" cap="none" normalizeH="0" baseline="0" dirty="0">
                           <a:ln>
                             <a:noFill/>
                           </a:ln>
@@ -30697,7 +30601,7 @@
                         <a:tabLst/>
                       </a:pPr>
                       <a:r>
-                        <a:rPr kumimoji="0" lang="en-US" sz="1300" b="1" i="0" u="none" strike="noStrike" cap="none" normalizeH="0" baseline="0" dirty="0" smtClean="0">
+                        <a:rPr kumimoji="0" lang="en-US" sz="1300" b="1" i="0" u="none" strike="noStrike" cap="none" normalizeH="0" baseline="0" dirty="0">
                           <a:ln>
                             <a:noFill/>
                           </a:ln>
@@ -30710,7 +30614,7 @@
                         <a:t>Reports:</a:t>
                       </a:r>
                       <a:r>
-                        <a:rPr kumimoji="0" lang="en-US" sz="1300" b="0" i="0" u="none" strike="noStrike" cap="none" normalizeH="0" baseline="0" dirty="0" smtClean="0">
+                        <a:rPr kumimoji="0" lang="en-US" sz="1300" b="0" i="0" u="none" strike="noStrike" cap="none" normalizeH="0" baseline="0" dirty="0">
                           <a:ln>
                             <a:noFill/>
                           </a:ln>
@@ -30743,7 +30647,7 @@
                         <a:tabLst/>
                       </a:pPr>
                       <a:r>
-                        <a:rPr kumimoji="0" lang="en-US" sz="1300" b="1" i="0" u="none" strike="noStrike" cap="none" normalizeH="0" baseline="0" dirty="0" smtClean="0">
+                        <a:rPr kumimoji="0" lang="en-US" sz="1300" b="1" i="0" u="none" strike="noStrike" cap="none" normalizeH="0" baseline="0" dirty="0">
                           <a:ln>
                             <a:noFill/>
                           </a:ln>
@@ -30756,7 +30660,7 @@
                         <a:t>Applications:</a:t>
                       </a:r>
                       <a:r>
-                        <a:rPr kumimoji="0" lang="en-US" sz="1300" b="0" i="0" u="none" strike="noStrike" cap="none" normalizeH="0" baseline="0" dirty="0" smtClean="0">
+                        <a:rPr kumimoji="0" lang="en-US" sz="1300" b="0" i="0" u="none" strike="noStrike" cap="none" normalizeH="0" baseline="0" dirty="0">
                           <a:ln>
                             <a:noFill/>
                           </a:ln>
@@ -30789,7 +30693,7 @@
                         <a:tabLst/>
                       </a:pPr>
                       <a:r>
-                        <a:rPr kumimoji="0" lang="en-US" sz="1300" b="1" i="0" u="none" strike="noStrike" cap="none" normalizeH="0" baseline="0" dirty="0" smtClean="0">
+                        <a:rPr kumimoji="0" lang="en-US" sz="1300" b="1" i="0" u="none" strike="noStrike" cap="none" normalizeH="0" baseline="0" dirty="0">
                           <a:ln>
                             <a:noFill/>
                           </a:ln>
@@ -30822,7 +30726,7 @@
                         <a:tabLst/>
                       </a:pPr>
                       <a:r>
-                        <a:rPr kumimoji="0" lang="en-US" sz="1300" b="1" i="0" u="none" strike="noStrike" cap="none" normalizeH="0" baseline="0" dirty="0" smtClean="0">
+                        <a:rPr kumimoji="0" lang="en-US" sz="1300" b="1" i="0" u="none" strike="noStrike" cap="none" normalizeH="0" baseline="0" dirty="0">
                           <a:ln>
                             <a:noFill/>
                           </a:ln>
@@ -30835,7 +30739,7 @@
                         <a:t>Reports:</a:t>
                       </a:r>
                       <a:r>
-                        <a:rPr kumimoji="0" lang="en-US" sz="1300" b="0" i="0" u="none" strike="noStrike" cap="none" normalizeH="0" baseline="0" dirty="0" smtClean="0">
+                        <a:rPr kumimoji="0" lang="en-US" sz="1300" b="0" i="0" u="none" strike="noStrike" cap="none" normalizeH="0" baseline="0" dirty="0">
                           <a:ln>
                             <a:noFill/>
                           </a:ln>
@@ -30868,7 +30772,7 @@
                         <a:tabLst/>
                       </a:pPr>
                       <a:r>
-                        <a:rPr kumimoji="0" lang="en-US" sz="1300" b="1" i="0" u="none" strike="noStrike" cap="none" normalizeH="0" baseline="0" dirty="0" smtClean="0">
+                        <a:rPr kumimoji="0" lang="en-US" sz="1300" b="1" i="0" u="none" strike="noStrike" cap="none" normalizeH="0" baseline="0" dirty="0">
                           <a:ln>
                             <a:noFill/>
                           </a:ln>
@@ -30881,7 +30785,7 @@
                         <a:t>Applications:</a:t>
                       </a:r>
                       <a:r>
-                        <a:rPr kumimoji="0" lang="en-US" sz="1300" b="0" i="0" u="none" strike="noStrike" cap="none" normalizeH="0" baseline="0" dirty="0" smtClean="0">
+                        <a:rPr kumimoji="0" lang="en-US" sz="1300" b="0" i="0" u="none" strike="noStrike" cap="none" normalizeH="0" baseline="0" dirty="0">
                           <a:ln>
                             <a:noFill/>
                           </a:ln>
@@ -30913,7 +30817,7 @@
                         <a:buChar char="•"/>
                         <a:tabLst/>
                       </a:pPr>
-                      <a:endParaRPr kumimoji="0" lang="en-US" sz="1200" b="0" i="0" u="none" strike="noStrike" cap="none" normalizeH="0" baseline="0" dirty="0" smtClean="0">
+                      <a:endParaRPr kumimoji="0" lang="en-US" sz="1200" b="0" i="0" u="none" strike="noStrike" cap="none" normalizeH="0" baseline="0" dirty="0">
                         <a:ln>
                           <a:noFill/>
                         </a:ln>
@@ -30943,7 +30847,7 @@
                         <a:buChar char="•"/>
                         <a:tabLst/>
                       </a:pPr>
-                      <a:endParaRPr kumimoji="0" lang="en-US" sz="1200" b="0" i="0" u="none" strike="noStrike" cap="none" normalizeH="0" baseline="0" dirty="0" smtClean="0">
+                      <a:endParaRPr kumimoji="0" lang="en-US" sz="1200" b="0" i="0" u="none" strike="noStrike" cap="none" normalizeH="0" baseline="0" dirty="0">
                         <a:ln>
                           <a:noFill/>
                         </a:ln>
@@ -30997,6 +30901,11 @@
                     </a:solidFill>
                   </a:tcPr>
                 </a:tc>
+                <a:extLst>
+                  <a:ext uri="{0D108BD9-81ED-4DB2-BD59-A6C34878D82A}">
+                    <a16:rowId xmlns:a16="http://schemas.microsoft.com/office/drawing/2014/main" val="10001"/>
+                  </a:ext>
+                </a:extLst>
               </a:tr>
             </a:tbl>
           </a:graphicData>
@@ -31015,13 +30924,6 @@
   <p:transition>
     <p:fade/>
   </p:transition>
-  <p:timing>
-    <p:tnLst>
-      <p:par>
-        <p:cTn id="1" dur="indefinite" restart="never" nodeType="tmRoot"/>
-      </p:par>
-    </p:tnLst>
-  </p:timing>
 </p:sld>
 </file>
 
@@ -31058,7 +30960,7 @@
           <a:lstStyle/>
           <a:p>
             <a:r>
-              <a:rPr lang="en-US" dirty="0" smtClean="0"/>
+              <a:rPr lang="en-US" dirty="0"/>
               <a:t>OLTP vs OLAP</a:t>
             </a:r>
           </a:p>
@@ -31349,14 +31251,9 @@
                 </a:spcAft>
               </a:pPr>
               <a:r>
-                <a:rPr lang="en-US" sz="1600" dirty="0" smtClean="0"/>
-                <a:t>Characterized </a:t>
+                <a:rPr lang="en-US" sz="1600" dirty="0"/>
+                <a:t>Characterized by a large number of short on-line transactions (INSERT, UPDATE, DELETE). </a:t>
               </a:r>
-              <a:r>
-                <a:rPr lang="en-US" sz="1600" dirty="0"/>
-                <a:t>by a large number of short on-line transactions (INSERT, UPDATE, DELETE). </a:t>
-              </a:r>
-              <a:endParaRPr lang="en-US" sz="1600" dirty="0" smtClean="0"/>
             </a:p>
             <a:p>
               <a:pPr lvl="1">
@@ -31367,7 +31264,7 @@
                   <a:spcPts val="600"/>
                 </a:spcAft>
               </a:pPr>
-              <a:endParaRPr lang="en-US" sz="1600" dirty="0" smtClean="0"/>
+              <a:endParaRPr lang="en-US" sz="1600" dirty="0"/>
             </a:p>
             <a:p>
               <a:pPr lvl="1">
@@ -31379,16 +31276,8 @@
                 </a:spcAft>
               </a:pPr>
               <a:r>
-                <a:rPr lang="en-US" sz="1600" dirty="0" smtClean="0"/>
-                <a:t>Fast </a:t>
-              </a:r>
-              <a:r>
                 <a:rPr lang="en-US" sz="1600" dirty="0"/>
-                <a:t>query </a:t>
-              </a:r>
-              <a:r>
-                <a:rPr lang="en-US" sz="1600" dirty="0" smtClean="0"/>
-                <a:t>processing</a:t>
+                <a:t>Fast query processing</a:t>
               </a:r>
             </a:p>
             <a:p>
@@ -31400,7 +31289,7 @@
                   <a:spcPts val="600"/>
                 </a:spcAft>
               </a:pPr>
-              <a:endParaRPr lang="en-US" sz="1600" dirty="0" smtClean="0"/>
+              <a:endParaRPr lang="en-US" sz="1600" dirty="0"/>
             </a:p>
             <a:p>
               <a:pPr lvl="1">
@@ -31411,7 +31300,7 @@
                   <a:spcPts val="600"/>
                 </a:spcAft>
               </a:pPr>
-              <a:endParaRPr lang="en-US" sz="1600" dirty="0" smtClean="0"/>
+              <a:endParaRPr lang="en-US" sz="1600" dirty="0"/>
             </a:p>
             <a:p>
               <a:pPr lvl="1">
@@ -31423,14 +31312,9 @@
                 </a:spcAft>
               </a:pPr>
               <a:r>
-                <a:rPr lang="en-US" sz="1600" dirty="0" smtClean="0"/>
-                <a:t>Maintaining </a:t>
+                <a:rPr lang="en-US" sz="1600" dirty="0"/>
+                <a:t>Maintaining data integrity in multi-access environments </a:t>
               </a:r>
-              <a:r>
-                <a:rPr lang="en-US" sz="1600" dirty="0"/>
-                <a:t>data integrity in multi-access environments </a:t>
-              </a:r>
-              <a:endParaRPr lang="en-US" sz="1600" dirty="0" smtClean="0"/>
             </a:p>
             <a:p>
               <a:pPr lvl="1">
@@ -31441,7 +31325,7 @@
                   <a:spcPts val="600"/>
                 </a:spcAft>
               </a:pPr>
-              <a:endParaRPr lang="en-US" sz="1600" dirty="0" smtClean="0"/>
+              <a:endParaRPr lang="en-US" sz="1600" dirty="0"/>
             </a:p>
             <a:p>
               <a:pPr lvl="1">
@@ -31453,7 +31337,7 @@
                 </a:spcAft>
               </a:pPr>
               <a:r>
-                <a:rPr lang="en-US" sz="1600" dirty="0" smtClean="0">
+                <a:rPr lang="en-US" sz="1600" dirty="0">
                   <a:solidFill>
                     <a:srgbClr val="313131"/>
                   </a:solidFill>
@@ -31745,23 +31629,15 @@
                 <a:buChar char="•"/>
               </a:pPr>
               <a:r>
-                <a:rPr lang="en-US" sz="1600" dirty="0" smtClean="0"/>
-                <a:t>Characterized </a:t>
-              </a:r>
-              <a:r>
                 <a:rPr lang="en-US" sz="1600" dirty="0"/>
-                <a:t>by relatively low volume of transactions</a:t>
-              </a:r>
-              <a:r>
-                <a:rPr lang="en-US" sz="1600" dirty="0" smtClean="0"/>
-                <a:t>.</a:t>
+                <a:t>Characterized by relatively low volume of transactions.</a:t>
               </a:r>
             </a:p>
             <a:p>
-              <a:endParaRPr lang="en-US" sz="1600" dirty="0" smtClean="0"/>
+              <a:endParaRPr lang="en-US" sz="1600" dirty="0"/>
             </a:p>
             <a:p>
-              <a:endParaRPr lang="en-US" sz="1600" dirty="0" smtClean="0"/>
+              <a:endParaRPr lang="en-US" sz="1600" dirty="0"/>
             </a:p>
             <a:p>
               <a:pPr marL="171450" indent="-171450">
@@ -31769,29 +31645,16 @@
                 <a:buChar char="•"/>
               </a:pPr>
               <a:r>
-                <a:rPr lang="en-US" sz="1600" dirty="0" smtClean="0"/>
-                <a:t> </a:t>
+                <a:rPr lang="en-US" sz="1600" dirty="0"/>
+                <a:t> Queries are often complex and involve aggregations. </a:t>
               </a:r>
-              <a:r>
-                <a:rPr lang="en-US" sz="1600" dirty="0"/>
-                <a:t>Queries are often </a:t>
-              </a:r>
-              <a:r>
-                <a:rPr lang="en-US" sz="1600" dirty="0" smtClean="0"/>
-                <a:t>complex </a:t>
-              </a:r>
-              <a:r>
-                <a:rPr lang="en-US" sz="1600" dirty="0"/>
-                <a:t>and involve aggregations. </a:t>
-              </a:r>
-              <a:endParaRPr lang="en-US" sz="1600" dirty="0" smtClean="0"/>
             </a:p>
             <a:p>
               <a:pPr marL="171450" indent="-171450">
                 <a:buFont typeface="Arial" panose="020B0604020202020204" pitchFamily="34" charset="0"/>
                 <a:buChar char="•"/>
               </a:pPr>
-              <a:endParaRPr lang="en-US" sz="1600" dirty="0" smtClean="0"/>
+              <a:endParaRPr lang="en-US" sz="1600" dirty="0"/>
             </a:p>
             <a:p>
               <a:pPr marL="171450" indent="-171450">
@@ -31799,21 +31662,16 @@
                 <a:buChar char="•"/>
               </a:pPr>
               <a:r>
-                <a:rPr lang="en-US" sz="1600" dirty="0" smtClean="0"/>
-                <a:t>OLAP </a:t>
+                <a:rPr lang="en-US" sz="1600" dirty="0"/>
+                <a:t>OLAP applications are widely used by Data Mining techniques. </a:t>
               </a:r>
-              <a:r>
-                <a:rPr lang="en-US" sz="1600" dirty="0"/>
-                <a:t>applications are widely used by Data Mining techniques. </a:t>
-              </a:r>
-              <a:endParaRPr lang="en-US" sz="1600" dirty="0" smtClean="0"/>
             </a:p>
             <a:p>
               <a:pPr marL="171450" indent="-171450">
                 <a:buFont typeface="Arial" panose="020B0604020202020204" pitchFamily="34" charset="0"/>
                 <a:buChar char="•"/>
               </a:pPr>
-              <a:endParaRPr lang="en-US" sz="1600" dirty="0" smtClean="0"/>
+              <a:endParaRPr lang="en-US" sz="1600" dirty="0"/>
             </a:p>
             <a:p>
               <a:pPr marL="171450" indent="-171450">
@@ -31821,12 +31679,8 @@
                 <a:buChar char="•"/>
               </a:pPr>
               <a:r>
-                <a:rPr lang="en-US" sz="1600" dirty="0" smtClean="0"/>
-                <a:t>In OLAP </a:t>
-              </a:r>
-              <a:r>
                 <a:rPr lang="en-US" sz="1600" dirty="0"/>
-                <a:t>database there is aggregated, historical data, stored in multi-dimensional schemas (usually star schema)</a:t>
+                <a:t>In OLAP database there is aggregated, historical data, stored in multi-dimensional schemas (usually star schema)</a:t>
               </a:r>
             </a:p>
           </p:txBody>
@@ -31843,13 +31697,6 @@
     <a:masterClrMapping/>
   </p:clrMapOvr>
   <p:transition/>
-  <p:timing>
-    <p:tnLst>
-      <p:par>
-        <p:cTn id="1" dur="indefinite" restart="never" nodeType="tmRoot"/>
-      </p:par>
-    </p:tnLst>
-  </p:timing>
 </p:sld>
 </file>
 
@@ -31886,10 +31733,9 @@
           <a:lstStyle/>
           <a:p>
             <a:r>
-              <a:rPr lang="en-US" dirty="0" smtClean="0"/>
+              <a:rPr lang="en-US" dirty="0"/>
               <a:t>Comparison OLTP vs OLAP</a:t>
             </a:r>
-            <a:endParaRPr lang="en-US" dirty="0"/>
           </a:p>
         </p:txBody>
       </p:sp>
@@ -31909,7 +31755,7 @@
           <a:lstStyle/>
           <a:p>
             <a:r>
-              <a:rPr lang="en-US" smtClean="0"/>
+              <a:rPr lang="en-US"/>
               <a:t> © 2014 Deloitte Touche Tohmatsu India Private Limited</a:t>
             </a:r>
             <a:endParaRPr lang="en-US" dirty="0"/>
@@ -31965,9 +31811,27 @@
                 <a:tableStyleId>{00A15C55-8517-42AA-B614-E9B94910E393}</a:tableStyleId>
               </a:tblPr>
               <a:tblGrid>
-                <a:gridCol w="931384"/>
-                <a:gridCol w="3414627"/>
-                <a:gridCol w="3891948"/>
+                <a:gridCol w="931384">
+                  <a:extLst>
+                    <a:ext uri="{9D8B030D-6E8A-4147-A177-3AD203B41FA5}">
+                      <a16:colId xmlns:a16="http://schemas.microsoft.com/office/drawing/2014/main" val="20000"/>
+                    </a:ext>
+                  </a:extLst>
+                </a:gridCol>
+                <a:gridCol w="3414627">
+                  <a:extLst>
+                    <a:ext uri="{9D8B030D-6E8A-4147-A177-3AD203B41FA5}">
+                      <a16:colId xmlns:a16="http://schemas.microsoft.com/office/drawing/2014/main" val="20001"/>
+                    </a:ext>
+                  </a:extLst>
+                </a:gridCol>
+                <a:gridCol w="3891948">
+                  <a:extLst>
+                    <a:ext uri="{9D8B030D-6E8A-4147-A177-3AD203B41FA5}">
+                      <a16:colId xmlns:a16="http://schemas.microsoft.com/office/drawing/2014/main" val="20002"/>
+                    </a:ext>
+                  </a:extLst>
+                </a:gridCol>
               </a:tblGrid>
               <a:tr h="310172">
                 <a:tc>
@@ -32035,6 +31899,11 @@
                   </a:txBody>
                   <a:tcPr marL="9599" marR="9599" marT="9599" marB="0" anchor="ctr"/>
                 </a:tc>
+                <a:extLst>
+                  <a:ext uri="{0D108BD9-81ED-4DB2-BD59-A6C34878D82A}">
+                    <a16:rowId xmlns:a16="http://schemas.microsoft.com/office/drawing/2014/main" val="10000"/>
+                  </a:ext>
+                </a:extLst>
               </a:tr>
               <a:tr h="472506">
                 <a:tc>
@@ -32109,6 +31978,11 @@
                   </a:txBody>
                   <a:tcPr marL="9599" marR="9599" marT="9599" marB="0" anchor="ctr"/>
                 </a:tc>
+                <a:extLst>
+                  <a:ext uri="{0D108BD9-81ED-4DB2-BD59-A6C34878D82A}">
+                    <a16:rowId xmlns:a16="http://schemas.microsoft.com/office/drawing/2014/main" val="10001"/>
+                  </a:ext>
+                </a:extLst>
               </a:tr>
               <a:tr h="472506">
                 <a:tc>
@@ -32197,6 +32071,11 @@
                   </a:txBody>
                   <a:tcPr marL="9599" marR="9599" marT="9599" marB="0" anchor="ctr"/>
                 </a:tc>
+                <a:extLst>
+                  <a:ext uri="{0D108BD9-81ED-4DB2-BD59-A6C34878D82A}">
+                    <a16:rowId xmlns:a16="http://schemas.microsoft.com/office/drawing/2014/main" val="10002"/>
+                  </a:ext>
+                </a:extLst>
               </a:tr>
               <a:tr h="472506">
                 <a:tc>
@@ -32210,14 +32089,7 @@
                           <a:effectLst/>
                           <a:latin typeface="+mn-lt"/>
                         </a:rPr>
-                        <a:t>What the </a:t>
-                      </a:r>
-                      <a:r>
-                        <a:rPr lang="en-US" sz="1050" u="none" strike="noStrike" dirty="0" smtClean="0">
-                          <a:effectLst/>
-                          <a:latin typeface="+mn-lt"/>
-                        </a:rPr>
-                        <a:t>data reveals </a:t>
+                        <a:t>What the data reveals </a:t>
                       </a:r>
                       <a:endParaRPr lang="en-US" sz="1050" b="0" i="0" u="none" strike="noStrike" dirty="0">
                         <a:solidFill>
@@ -32237,18 +32109,11 @@
                     <a:p>
                       <a:pPr algn="l" fontAlgn="ctr"/>
                       <a:r>
-                        <a:rPr lang="en-US" sz="1050" u="none" strike="noStrike" dirty="0" smtClean="0">
-                          <a:effectLst/>
-                          <a:latin typeface="+mn-lt"/>
-                        </a:rPr>
-                        <a:t>A </a:t>
-                      </a:r>
-                      <a:r>
                         <a:rPr lang="en-US" sz="1050" u="none" strike="noStrike" dirty="0">
                           <a:effectLst/>
                           <a:latin typeface="+mn-lt"/>
                         </a:rPr>
-                        <a:t>snapshot of ongoing business processes</a:t>
+                        <a:t>A snapshot of ongoing business processes</a:t>
                       </a:r>
                       <a:endParaRPr lang="en-US" sz="1050" b="0" i="0" u="none" strike="noStrike" dirty="0">
                         <a:solidFill>
@@ -32285,6 +32150,11 @@
                   </a:txBody>
                   <a:tcPr marL="9599" marR="9599" marT="9599" marB="0" anchor="ctr"/>
                 </a:tc>
+                <a:extLst>
+                  <a:ext uri="{0D108BD9-81ED-4DB2-BD59-A6C34878D82A}">
+                    <a16:rowId xmlns:a16="http://schemas.microsoft.com/office/drawing/2014/main" val="10003"/>
+                  </a:ext>
+                </a:extLst>
               </a:tr>
               <a:tr h="472506">
                 <a:tc>
@@ -32359,6 +32229,11 @@
                   </a:txBody>
                   <a:tcPr marL="9599" marR="9599" marT="9599" marB="0" anchor="ctr"/>
                 </a:tc>
+                <a:extLst>
+                  <a:ext uri="{0D108BD9-81ED-4DB2-BD59-A6C34878D82A}">
+                    <a16:rowId xmlns:a16="http://schemas.microsoft.com/office/drawing/2014/main" val="10004"/>
+                  </a:ext>
+                </a:extLst>
               </a:tr>
               <a:tr h="472506">
                 <a:tc>
@@ -32433,6 +32308,11 @@
                   </a:txBody>
                   <a:tcPr marL="9599" marR="9599" marT="9599" marB="0" anchor="ctr"/>
                 </a:tc>
+                <a:extLst>
+                  <a:ext uri="{0D108BD9-81ED-4DB2-BD59-A6C34878D82A}">
+                    <a16:rowId xmlns:a16="http://schemas.microsoft.com/office/drawing/2014/main" val="10005"/>
+                  </a:ext>
+                </a:extLst>
               </a:tr>
               <a:tr h="702080">
                 <a:tc>
@@ -32507,6 +32387,11 @@
                   </a:txBody>
                   <a:tcPr marL="9599" marR="9599" marT="9599" marB="0" anchor="ctr"/>
                 </a:tc>
+                <a:extLst>
+                  <a:ext uri="{0D108BD9-81ED-4DB2-BD59-A6C34878D82A}">
+                    <a16:rowId xmlns:a16="http://schemas.microsoft.com/office/drawing/2014/main" val="10006"/>
+                  </a:ext>
+                </a:extLst>
               </a:tr>
               <a:tr h="702080">
                 <a:tc>
@@ -32581,6 +32466,11 @@
                   </a:txBody>
                   <a:tcPr marL="9599" marR="9599" marT="9599" marB="0" anchor="ctr"/>
                 </a:tc>
+                <a:extLst>
+                  <a:ext uri="{0D108BD9-81ED-4DB2-BD59-A6C34878D82A}">
+                    <a16:rowId xmlns:a16="http://schemas.microsoft.com/office/drawing/2014/main" val="10007"/>
+                  </a:ext>
+                </a:extLst>
               </a:tr>
               <a:tr h="472506">
                 <a:tc>
@@ -32655,6 +32545,11 @@
                   </a:txBody>
                   <a:tcPr marL="9599" marR="9599" marT="9599" marB="0" anchor="ctr"/>
                 </a:tc>
+                <a:extLst>
+                  <a:ext uri="{0D108BD9-81ED-4DB2-BD59-A6C34878D82A}">
+                    <a16:rowId xmlns:a16="http://schemas.microsoft.com/office/drawing/2014/main" val="10008"/>
+                  </a:ext>
+                </a:extLst>
               </a:tr>
               <a:tr h="702080">
                 <a:tc>
@@ -32729,6 +32624,11 @@
                   </a:txBody>
                   <a:tcPr marL="9599" marR="9599" marT="9599" marB="0" anchor="ctr"/>
                 </a:tc>
+                <a:extLst>
+                  <a:ext uri="{0D108BD9-81ED-4DB2-BD59-A6C34878D82A}">
+                    <a16:rowId xmlns:a16="http://schemas.microsoft.com/office/drawing/2014/main" val="10009"/>
+                  </a:ext>
+                </a:extLst>
               </a:tr>
             </a:tbl>
           </a:graphicData>
@@ -32747,13 +32647,6 @@
   <p:transition>
     <p:fade/>
   </p:transition>
-  <p:timing>
-    <p:tnLst>
-      <p:par>
-        <p:cTn id="1" dur="indefinite" restart="never" nodeType="tmRoot"/>
-      </p:par>
-    </p:tnLst>
-  </p:timing>
 </p:sld>
 </file>
 
@@ -33969,11 +33862,48 @@
 
 <file path=customXml/item2.xml><?xml version="1.0" encoding="utf-8"?>
 <?mso-contentType ?>
-<FormTemplates xmlns="http://schemas.microsoft.com/sharepoint/v3/contenttype/forms">
-  <Display>DocumentLibraryForm</Display>
-  <Edit>DocumentLibraryForm</Edit>
-  <New>DocumentLibraryForm</New>
-</FormTemplates>
+<spe:Receivers xmlns:spe="http://schemas.microsoft.com/sharepoint/events">
+  <Receiver>
+    <Name>Document ID Generator</Name>
+    <Synchronization>Synchronous</Synchronization>
+    <Type>10001</Type>
+    <SequenceNumber>1000</SequenceNumber>
+    <Assembly>Microsoft.Office.DocumentManagement, Version=14.0.0.0, Culture=neutral, PublicKeyToken=71e9bce111e9429c</Assembly>
+    <Class>Microsoft.Office.DocumentManagement.Internal.DocIdHandler</Class>
+    <Data/>
+    <Filter/>
+  </Receiver>
+  <Receiver>
+    <Name>Document ID Generator</Name>
+    <Synchronization>Synchronous</Synchronization>
+    <Type>10002</Type>
+    <SequenceNumber>1001</SequenceNumber>
+    <Assembly>Microsoft.Office.DocumentManagement, Version=14.0.0.0, Culture=neutral, PublicKeyToken=71e9bce111e9429c</Assembly>
+    <Class>Microsoft.Office.DocumentManagement.Internal.DocIdHandler</Class>
+    <Data/>
+    <Filter/>
+  </Receiver>
+  <Receiver>
+    <Name>Document ID Generator</Name>
+    <Synchronization>Synchronous</Synchronization>
+    <Type>10004</Type>
+    <SequenceNumber>1002</SequenceNumber>
+    <Assembly>Microsoft.Office.DocumentManagement, Version=14.0.0.0, Culture=neutral, PublicKeyToken=71e9bce111e9429c</Assembly>
+    <Class>Microsoft.Office.DocumentManagement.Internal.DocIdHandler</Class>
+    <Data/>
+    <Filter/>
+  </Receiver>
+  <Receiver>
+    <Name>Document ID Generator</Name>
+    <Synchronization>Synchronous</Synchronization>
+    <Type>10006</Type>
+    <SequenceNumber>1003</SequenceNumber>
+    <Assembly>Microsoft.Office.DocumentManagement, Version=14.0.0.0, Culture=neutral, PublicKeyToken=71e9bce111e9429c</Assembly>
+    <Class>Microsoft.Office.DocumentManagement.Internal.DocIdHandler</Class>
+    <Data/>
+    <Filter/>
+  </Receiver>
+</spe:Receivers>
 </file>
 
 <file path=customXml/item3.xml><?xml version="1.0" encoding="utf-8"?>
@@ -34043,48 +33973,11 @@
 
 <file path=customXml/item4.xml><?xml version="1.0" encoding="utf-8"?>
 <?mso-contentType ?>
-<spe:Receivers xmlns:spe="http://schemas.microsoft.com/sharepoint/events">
-  <Receiver>
-    <Name>Document ID Generator</Name>
-    <Synchronization>Synchronous</Synchronization>
-    <Type>10001</Type>
-    <SequenceNumber>1000</SequenceNumber>
-    <Assembly>Microsoft.Office.DocumentManagement, Version=14.0.0.0, Culture=neutral, PublicKeyToken=71e9bce111e9429c</Assembly>
-    <Class>Microsoft.Office.DocumentManagement.Internal.DocIdHandler</Class>
-    <Data/>
-    <Filter/>
-  </Receiver>
-  <Receiver>
-    <Name>Document ID Generator</Name>
-    <Synchronization>Synchronous</Synchronization>
-    <Type>10002</Type>
-    <SequenceNumber>1001</SequenceNumber>
-    <Assembly>Microsoft.Office.DocumentManagement, Version=14.0.0.0, Culture=neutral, PublicKeyToken=71e9bce111e9429c</Assembly>
-    <Class>Microsoft.Office.DocumentManagement.Internal.DocIdHandler</Class>
-    <Data/>
-    <Filter/>
-  </Receiver>
-  <Receiver>
-    <Name>Document ID Generator</Name>
-    <Synchronization>Synchronous</Synchronization>
-    <Type>10004</Type>
-    <SequenceNumber>1002</SequenceNumber>
-    <Assembly>Microsoft.Office.DocumentManagement, Version=14.0.0.0, Culture=neutral, PublicKeyToken=71e9bce111e9429c</Assembly>
-    <Class>Microsoft.Office.DocumentManagement.Internal.DocIdHandler</Class>
-    <Data/>
-    <Filter/>
-  </Receiver>
-  <Receiver>
-    <Name>Document ID Generator</Name>
-    <Synchronization>Synchronous</Synchronization>
-    <Type>10006</Type>
-    <SequenceNumber>1003</SequenceNumber>
-    <Assembly>Microsoft.Office.DocumentManagement, Version=14.0.0.0, Culture=neutral, PublicKeyToken=71e9bce111e9429c</Assembly>
-    <Class>Microsoft.Office.DocumentManagement.Internal.DocIdHandler</Class>
-    <Data/>
-    <Filter/>
-  </Receiver>
-</spe:Receivers>
+<FormTemplates xmlns="http://schemas.microsoft.com/sharepoint/v3/contenttype/forms">
+  <Display>DocumentLibraryForm</Display>
+  <Edit>DocumentLibraryForm</Edit>
+  <New>DocumentLibraryForm</New>
+</FormTemplates>
 </file>
 
 <file path=customXml/itemProps1.xml><?xml version="1.0" encoding="utf-8"?>
@@ -34113,9 +34006,9 @@
 </file>
 
 <file path=customXml/itemProps2.xml><?xml version="1.0" encoding="utf-8"?>
-<ds:datastoreItem xmlns:ds="http://schemas.openxmlformats.org/officeDocument/2006/customXml" ds:itemID="{5E3B5829-4B99-4646-B25D-1C09589C21E1}">
+<ds:datastoreItem xmlns:ds="http://schemas.openxmlformats.org/officeDocument/2006/customXml" ds:itemID="{AC6270E9-E28F-450D-BEC5-AF2C3470A124}">
   <ds:schemaRefs>
-    <ds:schemaRef ds:uri="http://schemas.microsoft.com/sharepoint/v3/contenttype/forms"/>
+    <ds:schemaRef ds:uri="http://schemas.microsoft.com/sharepoint/events"/>
   </ds:schemaRefs>
 </ds:datastoreItem>
 </file>
@@ -34144,9 +34037,9 @@
 </file>
 
 <file path=customXml/itemProps4.xml><?xml version="1.0" encoding="utf-8"?>
-<ds:datastoreItem xmlns:ds="http://schemas.openxmlformats.org/officeDocument/2006/customXml" ds:itemID="{AC6270E9-E28F-450D-BEC5-AF2C3470A124}">
+<ds:datastoreItem xmlns:ds="http://schemas.openxmlformats.org/officeDocument/2006/customXml" ds:itemID="{5E3B5829-4B99-4646-B25D-1C09589C21E1}">
   <ds:schemaRefs>
-    <ds:schemaRef ds:uri="http://schemas.microsoft.com/sharepoint/events"/>
+    <ds:schemaRef ds:uri="http://schemas.microsoft.com/sharepoint/v3/contenttype/forms"/>
   </ds:schemaRefs>
 </ds:datastoreItem>
 </file>